--- a/Presentacion.pptx
+++ b/Presentacion.pptx
@@ -109,6 +109,11 @@
       </a:defRPr>
     </a:lvl9pPr>
   </p:defaultTextStyle>
+  <p:extLst>
+    <p:ext uri="{EFAFB233-063F-42B5-8137-9DF3F51BA10A}">
+      <p15:sldGuideLst xmlns:p15="http://schemas.microsoft.com/office/powerpoint/2012/main"/>
+    </p:ext>
+  </p:extLst>
 </p:presentation>
 </file>
 
@@ -515,7 +520,7 @@
           <a:p>
             <a:fld id="{121796DC-36D9-4294-8406-68140764BCC2}" type="datetimeFigureOut">
               <a:rPr lang="es-CO" smtClean="0"/>
-              <a:t>24/10/2022</a:t>
+              <a:t>25/10/2022</a:t>
             </a:fld>
             <a:endParaRPr lang="es-CO"/>
           </a:p>
@@ -694,7 +699,7 @@
           <a:p>
             <a:fld id="{121796DC-36D9-4294-8406-68140764BCC2}" type="datetimeFigureOut">
               <a:rPr lang="es-CO" smtClean="0"/>
-              <a:t>24/10/2022</a:t>
+              <a:t>25/10/2022</a:t>
             </a:fld>
             <a:endParaRPr lang="es-CO"/>
           </a:p>
@@ -874,7 +879,7 @@
           <a:p>
             <a:fld id="{121796DC-36D9-4294-8406-68140764BCC2}" type="datetimeFigureOut">
               <a:rPr lang="es-CO" smtClean="0"/>
-              <a:t>24/10/2022</a:t>
+              <a:t>25/10/2022</a:t>
             </a:fld>
             <a:endParaRPr lang="es-CO"/>
           </a:p>
@@ -1044,7 +1049,7 @@
           <a:p>
             <a:fld id="{121796DC-36D9-4294-8406-68140764BCC2}" type="datetimeFigureOut">
               <a:rPr lang="es-CO" smtClean="0"/>
-              <a:t>24/10/2022</a:t>
+              <a:t>25/10/2022</a:t>
             </a:fld>
             <a:endParaRPr lang="es-CO"/>
           </a:p>
@@ -1357,7 +1362,7 @@
           <a:p>
             <a:fld id="{121796DC-36D9-4294-8406-68140764BCC2}" type="datetimeFigureOut">
               <a:rPr lang="es-CO" smtClean="0"/>
-              <a:t>24/10/2022</a:t>
+              <a:t>25/10/2022</a:t>
             </a:fld>
             <a:endParaRPr lang="es-CO"/>
           </a:p>
@@ -1743,7 +1748,7 @@
           <a:p>
             <a:fld id="{121796DC-36D9-4294-8406-68140764BCC2}" type="datetimeFigureOut">
               <a:rPr lang="es-CO" smtClean="0"/>
-              <a:t>24/10/2022</a:t>
+              <a:t>25/10/2022</a:t>
             </a:fld>
             <a:endParaRPr lang="es-CO"/>
           </a:p>
@@ -2177,7 +2182,7 @@
           <a:p>
             <a:fld id="{121796DC-36D9-4294-8406-68140764BCC2}" type="datetimeFigureOut">
               <a:rPr lang="es-CO" smtClean="0"/>
-              <a:t>24/10/2022</a:t>
+              <a:t>25/10/2022</a:t>
             </a:fld>
             <a:endParaRPr lang="es-CO"/>
           </a:p>
@@ -2295,7 +2300,7 @@
           <a:p>
             <a:fld id="{121796DC-36D9-4294-8406-68140764BCC2}" type="datetimeFigureOut">
               <a:rPr lang="es-CO" smtClean="0"/>
-              <a:t>24/10/2022</a:t>
+              <a:t>25/10/2022</a:t>
             </a:fld>
             <a:endParaRPr lang="es-CO"/>
           </a:p>
@@ -2390,7 +2395,7 @@
           <a:p>
             <a:fld id="{121796DC-36D9-4294-8406-68140764BCC2}" type="datetimeFigureOut">
               <a:rPr lang="es-CO" smtClean="0"/>
-              <a:t>24/10/2022</a:t>
+              <a:t>25/10/2022</a:t>
             </a:fld>
             <a:endParaRPr lang="es-CO"/>
           </a:p>
@@ -2740,7 +2745,7 @@
           <a:p>
             <a:fld id="{121796DC-36D9-4294-8406-68140764BCC2}" type="datetimeFigureOut">
               <a:rPr lang="es-CO" smtClean="0"/>
-              <a:t>24/10/2022</a:t>
+              <a:t>25/10/2022</a:t>
             </a:fld>
             <a:endParaRPr lang="es-CO"/>
           </a:p>
@@ -3165,7 +3170,7 @@
           <a:p>
             <a:fld id="{121796DC-36D9-4294-8406-68140764BCC2}" type="datetimeFigureOut">
               <a:rPr lang="es-CO" smtClean="0"/>
-              <a:t>24/10/2022</a:t>
+              <a:t>25/10/2022</a:t>
             </a:fld>
             <a:endParaRPr lang="es-CO"/>
           </a:p>
@@ -3446,7 +3451,7 @@
           <a:p>
             <a:fld id="{121796DC-36D9-4294-8406-68140764BCC2}" type="datetimeFigureOut">
               <a:rPr lang="es-CO" smtClean="0"/>
-              <a:t>24/10/2022</a:t>
+              <a:t>25/10/2022</a:t>
             </a:fld>
             <a:endParaRPr lang="es-CO"/>
           </a:p>
@@ -4642,7 +4647,7 @@
         <p:spPr>
           <a:xfrm>
             <a:off x="201562" y="2057401"/>
-            <a:ext cx="7462683" cy="369332"/>
+            <a:ext cx="7462683" cy="646331"/>
           </a:xfrm>
           <a:prstGeom prst="rect">
             <a:avLst/>
@@ -4657,13 +4662,88 @@
           <a:p>
             <a:pPr algn="just"/>
             <a:r>
+              <a:rPr lang="es-CO" dirty="0"/>
+              <a:t>Se insertan partes de computador e individuos a la ontología empleando </a:t>
+            </a:r>
+            <a:r>
               <a:rPr lang="es-CO" dirty="0" err="1"/>
-              <a:t>asadsa</a:t>
-            </a:r>
-            <a:endParaRPr lang="es-CO" dirty="0"/>
-          </a:p>
-        </p:txBody>
-      </p:sp>
+              <a:t>dbpedia</a:t>
+            </a:r>
+            <a:r>
+              <a:rPr lang="es-CO" dirty="0"/>
+              <a:t> y </a:t>
+            </a:r>
+            <a:r>
+              <a:rPr lang="es-CO" dirty="0" err="1"/>
+              <a:t>wikidata</a:t>
+            </a:r>
+            <a:r>
+              <a:rPr lang="es-CO" dirty="0"/>
+              <a:t>.</a:t>
+            </a:r>
+          </a:p>
+        </p:txBody>
+      </p:sp>
+      <p:pic>
+        <p:nvPicPr>
+          <p:cNvPr id="5" name="Imagen 4">
+            <a:extLst>
+              <a:ext uri="{FF2B5EF4-FFF2-40B4-BE49-F238E27FC236}">
+                <a16:creationId xmlns:a16="http://schemas.microsoft.com/office/drawing/2014/main" id="{FE2DAECD-6588-63F8-2253-559439925E4A}"/>
+              </a:ext>
+            </a:extLst>
+          </p:cNvPr>
+          <p:cNvPicPr>
+            <a:picLocks noChangeAspect="1"/>
+          </p:cNvPicPr>
+          <p:nvPr/>
+        </p:nvPicPr>
+        <p:blipFill>
+          <a:blip r:embed="rId2"/>
+          <a:stretch>
+            <a:fillRect/>
+          </a:stretch>
+        </p:blipFill>
+        <p:spPr>
+          <a:xfrm>
+            <a:off x="201562" y="4026402"/>
+            <a:ext cx="5613918" cy="2736195"/>
+          </a:xfrm>
+          <a:prstGeom prst="rect">
+            <a:avLst/>
+          </a:prstGeom>
+        </p:spPr>
+      </p:pic>
+      <p:pic>
+        <p:nvPicPr>
+          <p:cNvPr id="7" name="Imagen 6">
+            <a:extLst>
+              <a:ext uri="{FF2B5EF4-FFF2-40B4-BE49-F238E27FC236}">
+                <a16:creationId xmlns:a16="http://schemas.microsoft.com/office/drawing/2014/main" id="{E3EE64C2-FD4D-5527-E6FB-8C2A50130624}"/>
+              </a:ext>
+            </a:extLst>
+          </p:cNvPr>
+          <p:cNvPicPr>
+            <a:picLocks noChangeAspect="1"/>
+          </p:cNvPicPr>
+          <p:nvPr/>
+        </p:nvPicPr>
+        <p:blipFill>
+          <a:blip r:embed="rId3"/>
+          <a:stretch>
+            <a:fillRect/>
+          </a:stretch>
+        </p:blipFill>
+        <p:spPr>
+          <a:xfrm>
+            <a:off x="7086158" y="2580157"/>
+            <a:ext cx="4969594" cy="2635680"/>
+          </a:xfrm>
+          <a:prstGeom prst="rect">
+            <a:avLst/>
+          </a:prstGeom>
+        </p:spPr>
+      </p:pic>
     </p:spTree>
     <p:extLst>
       <p:ext uri="{BB962C8B-B14F-4D97-AF65-F5344CB8AC3E}">
@@ -4728,12 +4808,72 @@
           </a:p>
         </p:txBody>
       </p:sp>
-      <p:sp>
-        <p:nvSpPr>
-          <p:cNvPr id="3" name="CuadroTexto 2">
+      <p:pic>
+        <p:nvPicPr>
+          <p:cNvPr id="7" name="Imagen 6">
             <a:extLst>
               <a:ext uri="{FF2B5EF4-FFF2-40B4-BE49-F238E27FC236}">
-                <a16:creationId xmlns:a16="http://schemas.microsoft.com/office/drawing/2014/main" id="{0A910BA6-1939-33AC-20A7-38A19B35D755}"/>
+                <a16:creationId xmlns:a16="http://schemas.microsoft.com/office/drawing/2014/main" id="{E11CF645-E4D9-9D6F-80F7-743D29F8B717}"/>
+              </a:ext>
+            </a:extLst>
+          </p:cNvPr>
+          <p:cNvPicPr>
+            <a:picLocks noChangeAspect="1"/>
+          </p:cNvPicPr>
+          <p:nvPr/>
+        </p:nvPicPr>
+        <p:blipFill>
+          <a:blip r:embed="rId2"/>
+          <a:stretch>
+            <a:fillRect/>
+          </a:stretch>
+        </p:blipFill>
+        <p:spPr>
+          <a:xfrm>
+            <a:off x="6904652" y="4369042"/>
+            <a:ext cx="4232988" cy="2360174"/>
+          </a:xfrm>
+          <a:prstGeom prst="rect">
+            <a:avLst/>
+          </a:prstGeom>
+        </p:spPr>
+      </p:pic>
+      <p:pic>
+        <p:nvPicPr>
+          <p:cNvPr id="9" name="Imagen 8">
+            <a:extLst>
+              <a:ext uri="{FF2B5EF4-FFF2-40B4-BE49-F238E27FC236}">
+                <a16:creationId xmlns:a16="http://schemas.microsoft.com/office/drawing/2014/main" id="{7C303632-E8D4-9CB7-9296-67E2CDAD52F3}"/>
+              </a:ext>
+            </a:extLst>
+          </p:cNvPr>
+          <p:cNvPicPr>
+            <a:picLocks noChangeAspect="1"/>
+          </p:cNvPicPr>
+          <p:nvPr/>
+        </p:nvPicPr>
+        <p:blipFill>
+          <a:blip r:embed="rId3"/>
+          <a:stretch>
+            <a:fillRect/>
+          </a:stretch>
+        </p:blipFill>
+        <p:spPr>
+          <a:xfrm>
+            <a:off x="201562" y="4086807"/>
+            <a:ext cx="4936759" cy="2642409"/>
+          </a:xfrm>
+          <a:prstGeom prst="rect">
+            <a:avLst/>
+          </a:prstGeom>
+        </p:spPr>
+      </p:pic>
+      <p:sp>
+        <p:nvSpPr>
+          <p:cNvPr id="10" name="CuadroTexto 9">
+            <a:extLst>
+              <a:ext uri="{FF2B5EF4-FFF2-40B4-BE49-F238E27FC236}">
+                <a16:creationId xmlns:a16="http://schemas.microsoft.com/office/drawing/2014/main" id="{2D9B7E21-6DB0-F915-4667-76A4F7FDDB46}"/>
               </a:ext>
             </a:extLst>
           </p:cNvPr>
@@ -4742,8 +4882,8 @@
         </p:nvSpPr>
         <p:spPr>
           <a:xfrm>
-            <a:off x="201562" y="2057401"/>
-            <a:ext cx="7462683" cy="369332"/>
+            <a:off x="335902" y="2192694"/>
+            <a:ext cx="6568750" cy="923330"/>
           </a:xfrm>
           <a:prstGeom prst="rect">
             <a:avLst/>
@@ -4756,10 +4896,17 @@
           </a:bodyPr>
           <a:lstStyle/>
           <a:p>
-            <a:pPr algn="just"/>
-            <a:r>
-              <a:rPr lang="es-CO" dirty="0" err="1"/>
-              <a:t>asadsa</a:t>
+            <a:r>
+              <a:rPr lang="es-ES" dirty="0"/>
+              <a:t>Se realizan dos consultas: una se basa en los individuos de la ontología y el otro se basa en encontrar los hijos de </a:t>
+            </a:r>
+            <a:r>
+              <a:rPr lang="es-ES" dirty="0" err="1"/>
+              <a:t>Parte_Computador</a:t>
+            </a:r>
+            <a:r>
+              <a:rPr lang="es-ES" dirty="0"/>
+              <a:t>.</a:t>
             </a:r>
             <a:endParaRPr lang="es-CO" dirty="0"/>
           </a:p>

--- a/Presentacion.pptx
+++ b/Presentacion.pptx
@@ -8,9 +8,12 @@
     <p:sldId id="256" r:id="rId2"/>
     <p:sldId id="257" r:id="rId3"/>
     <p:sldId id="258" r:id="rId4"/>
-    <p:sldId id="259" r:id="rId5"/>
-    <p:sldId id="260" r:id="rId6"/>
-    <p:sldId id="261" r:id="rId7"/>
+    <p:sldId id="265" r:id="rId5"/>
+    <p:sldId id="263" r:id="rId6"/>
+    <p:sldId id="264" r:id="rId7"/>
+    <p:sldId id="266" r:id="rId8"/>
+    <p:sldId id="260" r:id="rId9"/>
+    <p:sldId id="261" r:id="rId10"/>
   </p:sldIdLst>
   <p:sldSz cx="12192000" cy="6858000"/>
   <p:notesSz cx="6858000" cy="9144000"/>
@@ -4108,7 +4111,7 @@
           <a:p>
             <a:r>
               <a:rPr lang="es-CO" dirty="0"/>
-              <a:t>Santiago Salazar</a:t>
+              <a:t>Santiago Salazar Ramírez</a:t>
             </a:r>
           </a:p>
           <a:p>
@@ -4120,19 +4123,19 @@
           <a:p>
             <a:r>
               <a:rPr lang="es-CO" dirty="0"/>
-              <a:t>Miguel Henao</a:t>
+              <a:t>Miguel Henao Higuita</a:t>
             </a:r>
           </a:p>
           <a:p>
             <a:r>
               <a:rPr lang="es-CO" dirty="0"/>
-              <a:t>Sergio Zambrano</a:t>
+              <a:t>Sergio Zambrano González</a:t>
             </a:r>
           </a:p>
           <a:p>
             <a:r>
               <a:rPr lang="es-CO" dirty="0"/>
-              <a:t>Esteban Rojas</a:t>
+              <a:t>Esteban Rojas Henao</a:t>
             </a:r>
           </a:p>
           <a:p>
@@ -4483,6 +4486,14 @@
 <file path=ppt/slides/slide3.xml><?xml version="1.0" encoding="utf-8"?>
 <p:sld xmlns:a="http://schemas.openxmlformats.org/drawingml/2006/main" xmlns:r="http://schemas.openxmlformats.org/officeDocument/2006/relationships" xmlns:p="http://schemas.openxmlformats.org/presentationml/2006/main">
   <p:cSld>
+    <p:bg>
+      <p:bgPr>
+        <a:solidFill>
+          <a:schemeClr val="bg1"/>
+        </a:solidFill>
+        <a:effectLst/>
+      </p:bgPr>
+    </p:bg>
     <p:spTree>
       <p:nvGrpSpPr>
         <p:cNvPr id="1" name=""/>
@@ -4497,6 +4508,296 @@
           <a:chExt cx="0" cy="0"/>
         </a:xfrm>
       </p:grpSpPr>
+      <p:grpSp>
+        <p:nvGrpSpPr>
+          <p:cNvPr id="10" name="Group 9">
+            <a:extLst>
+              <a:ext uri="{FF2B5EF4-FFF2-40B4-BE49-F238E27FC236}">
+                <a16:creationId xmlns:a16="http://schemas.microsoft.com/office/drawing/2014/main" id="{EC78E3E1-BBBA-4058-AAEB-714F04B0257C}"/>
+              </a:ext>
+              <a:ext uri="{C183D7F6-B498-43B3-948B-1728B52AA6E4}">
+                <adec:decorative xmlns:adec="http://schemas.microsoft.com/office/drawing/2017/decorative" val="1"/>
+              </a:ext>
+            </a:extLst>
+          </p:cNvPr>
+          <p:cNvGrpSpPr>
+            <a:grpSpLocks noGrp="1" noUngrp="1" noRot="1" noChangeAspect="1" noMove="1" noResize="1"/>
+          </p:cNvGrpSpPr>
+          <p:nvPr>
+            <p:extLst>
+              <p:ext uri="{386F3935-93C4-4BCD-93E2-E3B085C9AB24}">
+                <p16:designElem xmlns:p16="http://schemas.microsoft.com/office/powerpoint/2015/main" val="1"/>
+              </p:ext>
+            </p:extLst>
+          </p:nvPr>
+        </p:nvGrpSpPr>
+        <p:grpSpPr>
+          <a:xfrm>
+            <a:off x="11401725" y="6229681"/>
+            <a:ext cx="457200" cy="457200"/>
+            <a:chOff x="11361456" y="6195813"/>
+            <a:chExt cx="548640" cy="548640"/>
+          </a:xfrm>
+        </p:grpSpPr>
+        <p:sp>
+          <p:nvSpPr>
+            <p:cNvPr id="11" name="Oval 10">
+              <a:extLst>
+                <a:ext uri="{FF2B5EF4-FFF2-40B4-BE49-F238E27FC236}">
+                  <a16:creationId xmlns:a16="http://schemas.microsoft.com/office/drawing/2014/main" id="{86860FA5-CE2B-4019-8FD1-031D7D84EF04}"/>
+                </a:ext>
+                <a:ext uri="{C183D7F6-B498-43B3-948B-1728B52AA6E4}">
+                  <adec:decorative xmlns:adec="http://schemas.microsoft.com/office/drawing/2017/decorative" val="1"/>
+                </a:ext>
+              </a:extLst>
+            </p:cNvPr>
+            <p:cNvSpPr/>
+            <p:nvPr>
+              <p:extLst>
+                <p:ext uri="{386F3935-93C4-4BCD-93E2-E3B085C9AB24}">
+                  <p16:designElem xmlns:p16="http://schemas.microsoft.com/office/powerpoint/2015/main" val="1"/>
+                </p:ext>
+              </p:extLst>
+            </p:nvPr>
+          </p:nvSpPr>
+          <p:spPr>
+            <a:xfrm>
+              <a:off x="11361456" y="6195813"/>
+              <a:ext cx="548640" cy="548640"/>
+            </a:xfrm>
+            <a:prstGeom prst="ellipse">
+              <a:avLst/>
+            </a:prstGeom>
+            <a:blipFill dpi="0" rotWithShape="1">
+              <a:blip r:embed="rId2">
+                <a:duotone>
+                  <a:schemeClr val="accent1">
+                    <a:shade val="45000"/>
+                    <a:satMod val="135000"/>
+                  </a:schemeClr>
+                  <a:prstClr val="white"/>
+                </a:duotone>
+                <a:extLst>
+                  <a:ext uri="{BEBA8EAE-BF5A-486C-A8C5-ECC9F3942E4B}">
+                    <a14:imgProps xmlns:a14="http://schemas.microsoft.com/office/drawing/2010/main">
+                      <a14:imgLayer r:embed="rId3">
+                        <a14:imgEffect>
+                          <a14:saturation sat="95000"/>
+                        </a14:imgEffect>
+                        <a14:imgEffect>
+                          <a14:brightnessContrast bright="-40000" contrast="20000"/>
+                        </a14:imgEffect>
+                      </a14:imgLayer>
+                    </a14:imgProps>
+                  </a:ext>
+                </a:extLst>
+              </a:blip>
+              <a:srcRect/>
+              <a:tile tx="50800" ty="0" sx="85000" sy="85000" flip="none" algn="tl"/>
+            </a:blipFill>
+            <a:ln w="25400" cap="flat" cmpd="sng" algn="ctr">
+              <a:noFill/>
+              <a:prstDash val="solid"/>
+            </a:ln>
+            <a:effectLst/>
+          </p:spPr>
+          <p:txBody>
+            <a:bodyPr lIns="0" tIns="0" rIns="0" bIns="0" rtlCol="0" anchor="ctr"/>
+            <a:lstStyle/>
+            <a:p>
+              <a:pPr marL="0" marR="0" lvl="0" indent="0" algn="ctr" defTabSz="914400" eaLnBrk="1" fontAlgn="auto" latinLnBrk="0" hangingPunct="1">
+                <a:lnSpc>
+                  <a:spcPct val="100000"/>
+                </a:lnSpc>
+                <a:spcBef>
+                  <a:spcPts val="0"/>
+                </a:spcBef>
+                <a:spcAft>
+                  <a:spcPts val="0"/>
+                </a:spcAft>
+                <a:buClrTx/>
+                <a:buSzTx/>
+                <a:buFontTx/>
+                <a:buNone/>
+                <a:tabLst/>
+                <a:defRPr/>
+              </a:pPr>
+              <a:endParaRPr kumimoji="0" lang="en-US" sz="2000" b="0" i="0" u="none" strike="noStrike" kern="0" cap="none" spc="0" normalizeH="0" baseline="0" noProof="0" dirty="0">
+                <a:ln>
+                  <a:noFill/>
+                </a:ln>
+                <a:solidFill>
+                  <a:prstClr val="white"/>
+                </a:solidFill>
+                <a:effectLst/>
+                <a:uLnTx/>
+                <a:uFillTx/>
+                <a:latin typeface="Rockwell Extra Bold" pitchFamily="18" charset="0"/>
+                <a:ea typeface="+mn-ea"/>
+                <a:cs typeface="+mn-cs"/>
+              </a:endParaRPr>
+            </a:p>
+          </p:txBody>
+        </p:sp>
+        <p:sp>
+          <p:nvSpPr>
+            <p:cNvPr id="12" name="Oval 11">
+              <a:extLst>
+                <a:ext uri="{FF2B5EF4-FFF2-40B4-BE49-F238E27FC236}">
+                  <a16:creationId xmlns:a16="http://schemas.microsoft.com/office/drawing/2014/main" id="{392DF474-2C37-4DC7-B889-E88EAADEA617}"/>
+                </a:ext>
+                <a:ext uri="{C183D7F6-B498-43B3-948B-1728B52AA6E4}">
+                  <adec:decorative xmlns:adec="http://schemas.microsoft.com/office/drawing/2017/decorative" val="1"/>
+                </a:ext>
+              </a:extLst>
+            </p:cNvPr>
+            <p:cNvSpPr/>
+            <p:nvPr>
+              <p:extLst>
+                <p:ext uri="{386F3935-93C4-4BCD-93E2-E3B085C9AB24}">
+                  <p16:designElem xmlns:p16="http://schemas.microsoft.com/office/powerpoint/2015/main" val="1"/>
+                </p:ext>
+              </p:extLst>
+            </p:nvPr>
+          </p:nvSpPr>
+          <p:spPr>
+            <a:xfrm>
+              <a:off x="11396488" y="6230844"/>
+              <a:ext cx="478576" cy="478578"/>
+            </a:xfrm>
+            <a:prstGeom prst="ellipse">
+              <a:avLst/>
+            </a:prstGeom>
+            <a:noFill/>
+            <a:ln w="12700" cap="flat" cmpd="sng" algn="ctr">
+              <a:solidFill>
+                <a:srgbClr val="FFFFFF"/>
+              </a:solidFill>
+              <a:prstDash val="solid"/>
+            </a:ln>
+            <a:effectLst/>
+          </p:spPr>
+          <p:txBody>
+            <a:bodyPr rtlCol="0" anchor="ctr"/>
+            <a:lstStyle/>
+            <a:p>
+              <a:pPr marL="0" marR="0" lvl="0" indent="0" algn="ctr" defTabSz="914400" eaLnBrk="1" fontAlgn="auto" latinLnBrk="0" hangingPunct="1">
+                <a:lnSpc>
+                  <a:spcPct val="100000"/>
+                </a:lnSpc>
+                <a:spcBef>
+                  <a:spcPts val="0"/>
+                </a:spcBef>
+                <a:spcAft>
+                  <a:spcPts val="0"/>
+                </a:spcAft>
+                <a:buClrTx/>
+                <a:buSzTx/>
+                <a:buFontTx/>
+                <a:buNone/>
+                <a:tabLst/>
+                <a:defRPr/>
+              </a:pPr>
+              <a:endParaRPr kumimoji="0" lang="en-US" sz="1800" b="0" i="0" u="none" strike="noStrike" kern="0" cap="none" spc="0" normalizeH="0" baseline="0" noProof="0" dirty="0">
+                <a:ln>
+                  <a:noFill/>
+                </a:ln>
+                <a:solidFill>
+                  <a:prstClr val="white"/>
+                </a:solidFill>
+                <a:effectLst/>
+                <a:uLnTx/>
+                <a:uFillTx/>
+                <a:latin typeface="Calibri"/>
+                <a:ea typeface="+mn-ea"/>
+                <a:cs typeface="+mn-cs"/>
+              </a:endParaRPr>
+            </a:p>
+          </p:txBody>
+        </p:sp>
+      </p:grpSp>
+      <p:sp>
+        <p:nvSpPr>
+          <p:cNvPr id="14" name="Rectangle 13">
+            <a:extLst>
+              <a:ext uri="{FF2B5EF4-FFF2-40B4-BE49-F238E27FC236}">
+                <a16:creationId xmlns:a16="http://schemas.microsoft.com/office/drawing/2014/main" id="{F3AF35CD-DA30-4E34-B0F3-32C27766DA05}"/>
+              </a:ext>
+              <a:ext uri="{C183D7F6-B498-43B3-948B-1728B52AA6E4}">
+                <adec:decorative xmlns:adec="http://schemas.microsoft.com/office/drawing/2017/decorative" val="1"/>
+              </a:ext>
+            </a:extLst>
+          </p:cNvPr>
+          <p:cNvSpPr>
+            <a:spLocks noGrp="1" noRot="1" noChangeAspect="1" noMove="1" noResize="1" noEditPoints="1" noAdjustHandles="1" noChangeArrowheads="1" noChangeShapeType="1" noTextEdit="1"/>
+          </p:cNvSpPr>
+          <p:nvPr>
+            <p:extLst>
+              <p:ext uri="{386F3935-93C4-4BCD-93E2-E3B085C9AB24}">
+                <p16:designElem xmlns:p16="http://schemas.microsoft.com/office/powerpoint/2015/main" val="1"/>
+              </p:ext>
+            </p:extLst>
+          </p:nvPr>
+        </p:nvSpPr>
+        <p:spPr>
+          <a:xfrm>
+            <a:off x="7836310" y="0"/>
+            <a:ext cx="4355689" cy="6857999"/>
+          </a:xfrm>
+          <a:prstGeom prst="rect">
+            <a:avLst/>
+          </a:prstGeom>
+          <a:blipFill dpi="0" rotWithShape="1">
+            <a:blip r:embed="rId4">
+              <a:alphaModFix amt="60000"/>
+              <a:lum bright="70000" contrast="-70000"/>
+              <a:extLst>
+                <a:ext uri="{BEBA8EAE-BF5A-486C-A8C5-ECC9F3942E4B}">
+                  <a14:imgProps xmlns:a14="http://schemas.microsoft.com/office/drawing/2010/main">
+                    <a14:imgLayer r:embed="rId5">
+                      <a14:imgEffect>
+                        <a14:sharpenSoften amount="61000"/>
+                      </a14:imgEffect>
+                    </a14:imgLayer>
+                  </a14:imgProps>
+                </a:ext>
+                <a:ext uri="{28A0092B-C50C-407E-A947-70E740481C1C}">
+                  <a14:useLocalDpi xmlns:a14="http://schemas.microsoft.com/office/drawing/2010/main" val="0"/>
+                </a:ext>
+              </a:extLst>
+            </a:blip>
+            <a:srcRect/>
+            <a:tile tx="0" ty="-704850" sx="92000" sy="89000" flip="xy" algn="ctr"/>
+          </a:blipFill>
+          <a:ln>
+            <a:noFill/>
+          </a:ln>
+        </p:spPr>
+        <p:style>
+          <a:lnRef idx="2">
+            <a:schemeClr val="accent1">
+              <a:shade val="50000"/>
+            </a:schemeClr>
+          </a:lnRef>
+          <a:fillRef idx="1">
+            <a:schemeClr val="accent1"/>
+          </a:fillRef>
+          <a:effectRef idx="0">
+            <a:schemeClr val="accent1"/>
+          </a:effectRef>
+          <a:fontRef idx="minor">
+            <a:schemeClr val="lt1"/>
+          </a:fontRef>
+        </p:style>
+        <p:txBody>
+          <a:bodyPr rtlCol="0" anchor="ctr"/>
+          <a:lstStyle/>
+          <a:p>
+            <a:pPr algn="ctr"/>
+            <a:endParaRPr lang="en-US"/>
+          </a:p>
+        </p:txBody>
+      </p:sp>
       <p:sp>
         <p:nvSpPr>
           <p:cNvPr id="2" name="Título 1">
@@ -4515,22 +4816,56 @@
         </p:nvSpPr>
         <p:spPr>
           <a:xfrm>
-            <a:off x="201562" y="764373"/>
-            <a:ext cx="9188244" cy="1293028"/>
+            <a:off x="8156350" y="484632"/>
+            <a:ext cx="3544035" cy="1609344"/>
           </a:xfrm>
+          <a:ln>
+            <a:noFill/>
+          </a:ln>
         </p:spPr>
         <p:txBody>
-          <a:bodyPr/>
+          <a:bodyPr vert="horz" lIns="91440" tIns="45720" rIns="91440" bIns="45720" rtlCol="0" anchor="ctr">
+            <a:normAutofit/>
+          </a:bodyPr>
           <a:lstStyle/>
           <a:p>
-            <a:pPr algn="l"/>
-            <a:r>
-              <a:rPr lang="es-CO" dirty="0"/>
+            <a:r>
+              <a:rPr lang="en-US" sz="3200" dirty="0"/>
               <a:t>Punto 2 – consultas</a:t>
             </a:r>
           </a:p>
         </p:txBody>
       </p:sp>
+      <p:pic>
+        <p:nvPicPr>
+          <p:cNvPr id="5" name="Imagen 4">
+            <a:extLst>
+              <a:ext uri="{FF2B5EF4-FFF2-40B4-BE49-F238E27FC236}">
+                <a16:creationId xmlns:a16="http://schemas.microsoft.com/office/drawing/2014/main" id="{B348C284-74D8-010F-C121-D967785568DF}"/>
+              </a:ext>
+            </a:extLst>
+          </p:cNvPr>
+          <p:cNvPicPr>
+            <a:picLocks noChangeAspect="1"/>
+          </p:cNvPicPr>
+          <p:nvPr/>
+        </p:nvPicPr>
+        <p:blipFill>
+          <a:blip r:embed="rId6"/>
+          <a:stretch>
+            <a:fillRect/>
+          </a:stretch>
+        </p:blipFill>
+        <p:spPr>
+          <a:xfrm>
+            <a:off x="633999" y="2281351"/>
+            <a:ext cx="6882269" cy="2305559"/>
+          </a:xfrm>
+          <a:prstGeom prst="rect">
+            <a:avLst/>
+          </a:prstGeom>
+        </p:spPr>
+      </p:pic>
       <p:sp>
         <p:nvSpPr>
           <p:cNvPr id="3" name="CuadroTexto 2">
@@ -4545,29 +4880,273 @@
         </p:nvSpPr>
         <p:spPr>
           <a:xfrm>
-            <a:off x="201562" y="2057401"/>
-            <a:ext cx="7462683" cy="369332"/>
+            <a:off x="8156351" y="2121408"/>
+            <a:ext cx="3544034" cy="4050792"/>
           </a:xfrm>
           <a:prstGeom prst="rect">
             <a:avLst/>
           </a:prstGeom>
-          <a:noFill/>
         </p:spPr>
         <p:txBody>
-          <a:bodyPr wrap="square" rtlCol="0">
-            <a:spAutoFit/>
+          <a:bodyPr vert="horz" lIns="91440" tIns="45720" rIns="91440" bIns="45720" rtlCol="0">
+            <a:normAutofit/>
           </a:bodyPr>
           <a:lstStyle/>
           <a:p>
-            <a:pPr algn="just"/>
-            <a:r>
-              <a:rPr lang="es-CO" dirty="0" err="1"/>
-              <a:t>adasdas</a:t>
-            </a:r>
-            <a:endParaRPr lang="es-CO" dirty="0"/>
+            <a:pPr indent="-182880" defTabSz="914400">
+              <a:lnSpc>
+                <a:spcPct val="90000"/>
+              </a:lnSpc>
+              <a:spcAft>
+                <a:spcPts val="600"/>
+              </a:spcAft>
+              <a:buClr>
+                <a:schemeClr val="accent1">
+                  <a:lumMod val="75000"/>
+                </a:schemeClr>
+              </a:buClr>
+              <a:buSzPct val="85000"/>
+              <a:buFont typeface="Wingdings" pitchFamily="2" charset="2"/>
+              <a:buChar char="§"/>
+            </a:pPr>
+            <a:r>
+              <a:rPr lang="es-CO" sz="1600" dirty="0"/>
+              <a:t>Consulta 1 – FILTER</a:t>
+            </a:r>
+          </a:p>
+          <a:p>
+            <a:pPr defTabSz="914400">
+              <a:lnSpc>
+                <a:spcPct val="90000"/>
+              </a:lnSpc>
+              <a:spcAft>
+                <a:spcPts val="600"/>
+              </a:spcAft>
+              <a:buClr>
+                <a:schemeClr val="accent1">
+                  <a:lumMod val="75000"/>
+                </a:schemeClr>
+              </a:buClr>
+              <a:buSzPct val="85000"/>
+            </a:pPr>
+            <a:endParaRPr lang="es-CO" sz="1600" dirty="0"/>
+          </a:p>
+          <a:p>
+            <a:pPr defTabSz="914400">
+              <a:lnSpc>
+                <a:spcPct val="90000"/>
+              </a:lnSpc>
+              <a:spcAft>
+                <a:spcPts val="600"/>
+              </a:spcAft>
+              <a:buClr>
+                <a:schemeClr val="accent1">
+                  <a:lumMod val="75000"/>
+                </a:schemeClr>
+              </a:buClr>
+              <a:buSzPct val="85000"/>
+            </a:pPr>
+            <a:r>
+              <a:rPr lang="es-CO" sz="1600" dirty="0"/>
+              <a:t>Para esta consulta filtramos los case de computador que sean de material plástico.</a:t>
+            </a:r>
           </a:p>
         </p:txBody>
       </p:sp>
+      <p:grpSp>
+        <p:nvGrpSpPr>
+          <p:cNvPr id="16" name="Group 15">
+            <a:extLst>
+              <a:ext uri="{FF2B5EF4-FFF2-40B4-BE49-F238E27FC236}">
+                <a16:creationId xmlns:a16="http://schemas.microsoft.com/office/drawing/2014/main" id="{BCFC42DC-2C46-47C4-BC61-530557385DBD}"/>
+              </a:ext>
+              <a:ext uri="{C183D7F6-B498-43B3-948B-1728B52AA6E4}">
+                <adec:decorative xmlns:adec="http://schemas.microsoft.com/office/drawing/2017/decorative" val="1"/>
+              </a:ext>
+            </a:extLst>
+          </p:cNvPr>
+          <p:cNvGrpSpPr>
+            <a:grpSpLocks noGrp="1" noUngrp="1" noRot="1" noChangeAspect="1" noMove="1" noResize="1"/>
+          </p:cNvGrpSpPr>
+          <p:nvPr>
+            <p:extLst>
+              <p:ext uri="{386F3935-93C4-4BCD-93E2-E3B085C9AB24}">
+                <p16:designElem xmlns:p16="http://schemas.microsoft.com/office/powerpoint/2015/main" val="1"/>
+              </p:ext>
+            </p:extLst>
+          </p:nvPr>
+        </p:nvGrpSpPr>
+        <p:grpSpPr>
+          <a:xfrm>
+            <a:off x="11401725" y="6229681"/>
+            <a:ext cx="457200" cy="457200"/>
+            <a:chOff x="11361456" y="6195813"/>
+            <a:chExt cx="548640" cy="548640"/>
+          </a:xfrm>
+        </p:grpSpPr>
+        <p:sp>
+          <p:nvSpPr>
+            <p:cNvPr id="17" name="Oval 16">
+              <a:extLst>
+                <a:ext uri="{FF2B5EF4-FFF2-40B4-BE49-F238E27FC236}">
+                  <a16:creationId xmlns:a16="http://schemas.microsoft.com/office/drawing/2014/main" id="{54B91A37-AA1F-4966-8ACF-93023547DA92}"/>
+                </a:ext>
+                <a:ext uri="{C183D7F6-B498-43B3-948B-1728B52AA6E4}">
+                  <adec:decorative xmlns:adec="http://schemas.microsoft.com/office/drawing/2017/decorative" val="1"/>
+                </a:ext>
+              </a:extLst>
+            </p:cNvPr>
+            <p:cNvSpPr/>
+            <p:nvPr>
+              <p:extLst>
+                <p:ext uri="{386F3935-93C4-4BCD-93E2-E3B085C9AB24}">
+                  <p16:designElem xmlns:p16="http://schemas.microsoft.com/office/powerpoint/2015/main" val="1"/>
+                </p:ext>
+              </p:extLst>
+            </p:nvPr>
+          </p:nvSpPr>
+          <p:spPr>
+            <a:xfrm>
+              <a:off x="11361456" y="6195813"/>
+              <a:ext cx="548640" cy="548640"/>
+            </a:xfrm>
+            <a:prstGeom prst="ellipse">
+              <a:avLst/>
+            </a:prstGeom>
+            <a:blipFill dpi="0" rotWithShape="1">
+              <a:blip r:embed="rId2">
+                <a:duotone>
+                  <a:schemeClr val="accent1">
+                    <a:shade val="45000"/>
+                    <a:satMod val="135000"/>
+                  </a:schemeClr>
+                  <a:prstClr val="white"/>
+                </a:duotone>
+              </a:blip>
+              <a:srcRect/>
+              <a:tile tx="50800" ty="0" sx="85000" sy="85000" flip="none" algn="tl"/>
+            </a:blipFill>
+            <a:ln w="25400" cap="flat" cmpd="sng" algn="ctr">
+              <a:noFill/>
+              <a:prstDash val="solid"/>
+            </a:ln>
+            <a:effectLst/>
+          </p:spPr>
+          <p:txBody>
+            <a:bodyPr lIns="0" tIns="0" rIns="0" bIns="0" rtlCol="0" anchor="ctr"/>
+            <a:lstStyle/>
+            <a:p>
+              <a:pPr marL="0" marR="0" lvl="0" indent="0" algn="ctr" defTabSz="914400" eaLnBrk="1" fontAlgn="auto" latinLnBrk="0" hangingPunct="1">
+                <a:lnSpc>
+                  <a:spcPct val="100000"/>
+                </a:lnSpc>
+                <a:spcBef>
+                  <a:spcPts val="0"/>
+                </a:spcBef>
+                <a:spcAft>
+                  <a:spcPts val="0"/>
+                </a:spcAft>
+                <a:buClrTx/>
+                <a:buSzTx/>
+                <a:buFontTx/>
+                <a:buNone/>
+                <a:tabLst/>
+                <a:defRPr/>
+              </a:pPr>
+              <a:endParaRPr kumimoji="0" lang="en-US" sz="2000" b="0" i="0" u="none" strike="noStrike" kern="0" cap="none" spc="0" normalizeH="0" baseline="0" noProof="0" dirty="0">
+                <a:ln>
+                  <a:noFill/>
+                </a:ln>
+                <a:solidFill>
+                  <a:prstClr val="white"/>
+                </a:solidFill>
+                <a:effectLst/>
+                <a:uLnTx/>
+                <a:uFillTx/>
+                <a:latin typeface="Rockwell Extra Bold" pitchFamily="18" charset="0"/>
+                <a:ea typeface="+mn-ea"/>
+                <a:cs typeface="+mn-cs"/>
+              </a:endParaRPr>
+            </a:p>
+          </p:txBody>
+        </p:sp>
+        <p:sp>
+          <p:nvSpPr>
+            <p:cNvPr id="18" name="Oval 17">
+              <a:extLst>
+                <a:ext uri="{FF2B5EF4-FFF2-40B4-BE49-F238E27FC236}">
+                  <a16:creationId xmlns:a16="http://schemas.microsoft.com/office/drawing/2014/main" id="{17B17AC5-0931-432F-9A4A-DDCFAA010ABC}"/>
+                </a:ext>
+                <a:ext uri="{C183D7F6-B498-43B3-948B-1728B52AA6E4}">
+                  <adec:decorative xmlns:adec="http://schemas.microsoft.com/office/drawing/2017/decorative" val="1"/>
+                </a:ext>
+              </a:extLst>
+            </p:cNvPr>
+            <p:cNvSpPr/>
+            <p:nvPr>
+              <p:extLst>
+                <p:ext uri="{386F3935-93C4-4BCD-93E2-E3B085C9AB24}">
+                  <p16:designElem xmlns:p16="http://schemas.microsoft.com/office/powerpoint/2015/main" val="1"/>
+                </p:ext>
+              </p:extLst>
+            </p:nvPr>
+          </p:nvSpPr>
+          <p:spPr>
+            <a:xfrm>
+              <a:off x="11396488" y="6230844"/>
+              <a:ext cx="478576" cy="478578"/>
+            </a:xfrm>
+            <a:prstGeom prst="ellipse">
+              <a:avLst/>
+            </a:prstGeom>
+            <a:noFill/>
+            <a:ln w="12700" cap="flat" cmpd="sng" algn="ctr">
+              <a:solidFill>
+                <a:srgbClr val="FFFFFF"/>
+              </a:solidFill>
+              <a:prstDash val="solid"/>
+            </a:ln>
+            <a:effectLst/>
+          </p:spPr>
+          <p:txBody>
+            <a:bodyPr rtlCol="0" anchor="ctr"/>
+            <a:lstStyle/>
+            <a:p>
+              <a:pPr marL="0" marR="0" lvl="0" indent="0" algn="ctr" defTabSz="914400" eaLnBrk="1" fontAlgn="auto" latinLnBrk="0" hangingPunct="1">
+                <a:lnSpc>
+                  <a:spcPct val="100000"/>
+                </a:lnSpc>
+                <a:spcBef>
+                  <a:spcPts val="0"/>
+                </a:spcBef>
+                <a:spcAft>
+                  <a:spcPts val="0"/>
+                </a:spcAft>
+                <a:buClrTx/>
+                <a:buSzTx/>
+                <a:buFontTx/>
+                <a:buNone/>
+                <a:tabLst/>
+                <a:defRPr/>
+              </a:pPr>
+              <a:endParaRPr kumimoji="0" lang="en-US" sz="1800" b="0" i="0" u="none" strike="noStrike" kern="0" cap="none" spc="0" normalizeH="0" baseline="0" noProof="0" dirty="0">
+                <a:ln>
+                  <a:noFill/>
+                </a:ln>
+                <a:solidFill>
+                  <a:prstClr val="white"/>
+                </a:solidFill>
+                <a:effectLst/>
+                <a:uLnTx/>
+                <a:uFillTx/>
+                <a:latin typeface="Calibri"/>
+                <a:ea typeface="+mn-ea"/>
+                <a:cs typeface="+mn-cs"/>
+              </a:endParaRPr>
+            </a:p>
+          </p:txBody>
+        </p:sp>
+      </p:grpSp>
     </p:spTree>
     <p:extLst>
       <p:ext uri="{BB962C8B-B14F-4D97-AF65-F5344CB8AC3E}">
@@ -4584,6 +5163,14 @@
 <file path=ppt/slides/slide4.xml><?xml version="1.0" encoding="utf-8"?>
 <p:sld xmlns:a="http://schemas.openxmlformats.org/drawingml/2006/main" xmlns:r="http://schemas.openxmlformats.org/officeDocument/2006/relationships" xmlns:p="http://schemas.openxmlformats.org/presentationml/2006/main">
   <p:cSld>
+    <p:bg>
+      <p:bgPr>
+        <a:solidFill>
+          <a:schemeClr val="bg1"/>
+        </a:solidFill>
+        <a:effectLst/>
+      </p:bgPr>
+    </p:bg>
     <p:spTree>
       <p:nvGrpSpPr>
         <p:cNvPr id="1" name=""/>
@@ -4598,6 +5185,296 @@
           <a:chExt cx="0" cy="0"/>
         </a:xfrm>
       </p:grpSpPr>
+      <p:grpSp>
+        <p:nvGrpSpPr>
+          <p:cNvPr id="10" name="Group 9">
+            <a:extLst>
+              <a:ext uri="{FF2B5EF4-FFF2-40B4-BE49-F238E27FC236}">
+                <a16:creationId xmlns:a16="http://schemas.microsoft.com/office/drawing/2014/main" id="{EC78E3E1-BBBA-4058-AAEB-714F04B0257C}"/>
+              </a:ext>
+              <a:ext uri="{C183D7F6-B498-43B3-948B-1728B52AA6E4}">
+                <adec:decorative xmlns:adec="http://schemas.microsoft.com/office/drawing/2017/decorative" val="1"/>
+              </a:ext>
+            </a:extLst>
+          </p:cNvPr>
+          <p:cNvGrpSpPr>
+            <a:grpSpLocks noGrp="1" noUngrp="1" noRot="1" noChangeAspect="1" noMove="1" noResize="1"/>
+          </p:cNvGrpSpPr>
+          <p:nvPr>
+            <p:extLst>
+              <p:ext uri="{386F3935-93C4-4BCD-93E2-E3B085C9AB24}">
+                <p16:designElem xmlns:p16="http://schemas.microsoft.com/office/powerpoint/2015/main" val="1"/>
+              </p:ext>
+            </p:extLst>
+          </p:nvPr>
+        </p:nvGrpSpPr>
+        <p:grpSpPr>
+          <a:xfrm>
+            <a:off x="11401725" y="6229681"/>
+            <a:ext cx="457200" cy="457200"/>
+            <a:chOff x="11361456" y="6195813"/>
+            <a:chExt cx="548640" cy="548640"/>
+          </a:xfrm>
+        </p:grpSpPr>
+        <p:sp>
+          <p:nvSpPr>
+            <p:cNvPr id="11" name="Oval 10">
+              <a:extLst>
+                <a:ext uri="{FF2B5EF4-FFF2-40B4-BE49-F238E27FC236}">
+                  <a16:creationId xmlns:a16="http://schemas.microsoft.com/office/drawing/2014/main" id="{86860FA5-CE2B-4019-8FD1-031D7D84EF04}"/>
+                </a:ext>
+                <a:ext uri="{C183D7F6-B498-43B3-948B-1728B52AA6E4}">
+                  <adec:decorative xmlns:adec="http://schemas.microsoft.com/office/drawing/2017/decorative" val="1"/>
+                </a:ext>
+              </a:extLst>
+            </p:cNvPr>
+            <p:cNvSpPr/>
+            <p:nvPr>
+              <p:extLst>
+                <p:ext uri="{386F3935-93C4-4BCD-93E2-E3B085C9AB24}">
+                  <p16:designElem xmlns:p16="http://schemas.microsoft.com/office/powerpoint/2015/main" val="1"/>
+                </p:ext>
+              </p:extLst>
+            </p:nvPr>
+          </p:nvSpPr>
+          <p:spPr>
+            <a:xfrm>
+              <a:off x="11361456" y="6195813"/>
+              <a:ext cx="548640" cy="548640"/>
+            </a:xfrm>
+            <a:prstGeom prst="ellipse">
+              <a:avLst/>
+            </a:prstGeom>
+            <a:blipFill dpi="0" rotWithShape="1">
+              <a:blip r:embed="rId2">
+                <a:duotone>
+                  <a:schemeClr val="accent1">
+                    <a:shade val="45000"/>
+                    <a:satMod val="135000"/>
+                  </a:schemeClr>
+                  <a:prstClr val="white"/>
+                </a:duotone>
+                <a:extLst>
+                  <a:ext uri="{BEBA8EAE-BF5A-486C-A8C5-ECC9F3942E4B}">
+                    <a14:imgProps xmlns:a14="http://schemas.microsoft.com/office/drawing/2010/main">
+                      <a14:imgLayer r:embed="rId3">
+                        <a14:imgEffect>
+                          <a14:saturation sat="95000"/>
+                        </a14:imgEffect>
+                        <a14:imgEffect>
+                          <a14:brightnessContrast bright="-40000" contrast="20000"/>
+                        </a14:imgEffect>
+                      </a14:imgLayer>
+                    </a14:imgProps>
+                  </a:ext>
+                </a:extLst>
+              </a:blip>
+              <a:srcRect/>
+              <a:tile tx="50800" ty="0" sx="85000" sy="85000" flip="none" algn="tl"/>
+            </a:blipFill>
+            <a:ln w="25400" cap="flat" cmpd="sng" algn="ctr">
+              <a:noFill/>
+              <a:prstDash val="solid"/>
+            </a:ln>
+            <a:effectLst/>
+          </p:spPr>
+          <p:txBody>
+            <a:bodyPr lIns="0" tIns="0" rIns="0" bIns="0" rtlCol="0" anchor="ctr"/>
+            <a:lstStyle/>
+            <a:p>
+              <a:pPr marL="0" marR="0" lvl="0" indent="0" algn="ctr" defTabSz="914400" eaLnBrk="1" fontAlgn="auto" latinLnBrk="0" hangingPunct="1">
+                <a:lnSpc>
+                  <a:spcPct val="100000"/>
+                </a:lnSpc>
+                <a:spcBef>
+                  <a:spcPts val="0"/>
+                </a:spcBef>
+                <a:spcAft>
+                  <a:spcPts val="0"/>
+                </a:spcAft>
+                <a:buClrTx/>
+                <a:buSzTx/>
+                <a:buFontTx/>
+                <a:buNone/>
+                <a:tabLst/>
+                <a:defRPr/>
+              </a:pPr>
+              <a:endParaRPr kumimoji="0" lang="en-US" sz="2000" b="0" i="0" u="none" strike="noStrike" kern="0" cap="none" spc="0" normalizeH="0" baseline="0" noProof="0" dirty="0">
+                <a:ln>
+                  <a:noFill/>
+                </a:ln>
+                <a:solidFill>
+                  <a:prstClr val="white"/>
+                </a:solidFill>
+                <a:effectLst/>
+                <a:uLnTx/>
+                <a:uFillTx/>
+                <a:latin typeface="Rockwell Extra Bold" pitchFamily="18" charset="0"/>
+                <a:ea typeface="+mn-ea"/>
+                <a:cs typeface="+mn-cs"/>
+              </a:endParaRPr>
+            </a:p>
+          </p:txBody>
+        </p:sp>
+        <p:sp>
+          <p:nvSpPr>
+            <p:cNvPr id="12" name="Oval 11">
+              <a:extLst>
+                <a:ext uri="{FF2B5EF4-FFF2-40B4-BE49-F238E27FC236}">
+                  <a16:creationId xmlns:a16="http://schemas.microsoft.com/office/drawing/2014/main" id="{392DF474-2C37-4DC7-B889-E88EAADEA617}"/>
+                </a:ext>
+                <a:ext uri="{C183D7F6-B498-43B3-948B-1728B52AA6E4}">
+                  <adec:decorative xmlns:adec="http://schemas.microsoft.com/office/drawing/2017/decorative" val="1"/>
+                </a:ext>
+              </a:extLst>
+            </p:cNvPr>
+            <p:cNvSpPr/>
+            <p:nvPr>
+              <p:extLst>
+                <p:ext uri="{386F3935-93C4-4BCD-93E2-E3B085C9AB24}">
+                  <p16:designElem xmlns:p16="http://schemas.microsoft.com/office/powerpoint/2015/main" val="1"/>
+                </p:ext>
+              </p:extLst>
+            </p:nvPr>
+          </p:nvSpPr>
+          <p:spPr>
+            <a:xfrm>
+              <a:off x="11396488" y="6230844"/>
+              <a:ext cx="478576" cy="478578"/>
+            </a:xfrm>
+            <a:prstGeom prst="ellipse">
+              <a:avLst/>
+            </a:prstGeom>
+            <a:noFill/>
+            <a:ln w="12700" cap="flat" cmpd="sng" algn="ctr">
+              <a:solidFill>
+                <a:srgbClr val="FFFFFF"/>
+              </a:solidFill>
+              <a:prstDash val="solid"/>
+            </a:ln>
+            <a:effectLst/>
+          </p:spPr>
+          <p:txBody>
+            <a:bodyPr rtlCol="0" anchor="ctr"/>
+            <a:lstStyle/>
+            <a:p>
+              <a:pPr marL="0" marR="0" lvl="0" indent="0" algn="ctr" defTabSz="914400" eaLnBrk="1" fontAlgn="auto" latinLnBrk="0" hangingPunct="1">
+                <a:lnSpc>
+                  <a:spcPct val="100000"/>
+                </a:lnSpc>
+                <a:spcBef>
+                  <a:spcPts val="0"/>
+                </a:spcBef>
+                <a:spcAft>
+                  <a:spcPts val="0"/>
+                </a:spcAft>
+                <a:buClrTx/>
+                <a:buSzTx/>
+                <a:buFontTx/>
+                <a:buNone/>
+                <a:tabLst/>
+                <a:defRPr/>
+              </a:pPr>
+              <a:endParaRPr kumimoji="0" lang="en-US" sz="1800" b="0" i="0" u="none" strike="noStrike" kern="0" cap="none" spc="0" normalizeH="0" baseline="0" noProof="0" dirty="0">
+                <a:ln>
+                  <a:noFill/>
+                </a:ln>
+                <a:solidFill>
+                  <a:prstClr val="white"/>
+                </a:solidFill>
+                <a:effectLst/>
+                <a:uLnTx/>
+                <a:uFillTx/>
+                <a:latin typeface="Calibri"/>
+                <a:ea typeface="+mn-ea"/>
+                <a:cs typeface="+mn-cs"/>
+              </a:endParaRPr>
+            </a:p>
+          </p:txBody>
+        </p:sp>
+      </p:grpSp>
+      <p:sp>
+        <p:nvSpPr>
+          <p:cNvPr id="14" name="Rectangle 13">
+            <a:extLst>
+              <a:ext uri="{FF2B5EF4-FFF2-40B4-BE49-F238E27FC236}">
+                <a16:creationId xmlns:a16="http://schemas.microsoft.com/office/drawing/2014/main" id="{F3AF35CD-DA30-4E34-B0F3-32C27766DA05}"/>
+              </a:ext>
+              <a:ext uri="{C183D7F6-B498-43B3-948B-1728B52AA6E4}">
+                <adec:decorative xmlns:adec="http://schemas.microsoft.com/office/drawing/2017/decorative" val="1"/>
+              </a:ext>
+            </a:extLst>
+          </p:cNvPr>
+          <p:cNvSpPr>
+            <a:spLocks noGrp="1" noRot="1" noChangeAspect="1" noMove="1" noResize="1" noEditPoints="1" noAdjustHandles="1" noChangeArrowheads="1" noChangeShapeType="1" noTextEdit="1"/>
+          </p:cNvSpPr>
+          <p:nvPr>
+            <p:extLst>
+              <p:ext uri="{386F3935-93C4-4BCD-93E2-E3B085C9AB24}">
+                <p16:designElem xmlns:p16="http://schemas.microsoft.com/office/powerpoint/2015/main" val="1"/>
+              </p:ext>
+            </p:extLst>
+          </p:nvPr>
+        </p:nvSpPr>
+        <p:spPr>
+          <a:xfrm>
+            <a:off x="7836310" y="0"/>
+            <a:ext cx="4355689" cy="6857999"/>
+          </a:xfrm>
+          <a:prstGeom prst="rect">
+            <a:avLst/>
+          </a:prstGeom>
+          <a:blipFill dpi="0" rotWithShape="1">
+            <a:blip r:embed="rId4">
+              <a:alphaModFix amt="60000"/>
+              <a:lum bright="70000" contrast="-70000"/>
+              <a:extLst>
+                <a:ext uri="{BEBA8EAE-BF5A-486C-A8C5-ECC9F3942E4B}">
+                  <a14:imgProps xmlns:a14="http://schemas.microsoft.com/office/drawing/2010/main">
+                    <a14:imgLayer r:embed="rId5">
+                      <a14:imgEffect>
+                        <a14:sharpenSoften amount="61000"/>
+                      </a14:imgEffect>
+                    </a14:imgLayer>
+                  </a14:imgProps>
+                </a:ext>
+                <a:ext uri="{28A0092B-C50C-407E-A947-70E740481C1C}">
+                  <a14:useLocalDpi xmlns:a14="http://schemas.microsoft.com/office/drawing/2010/main" val="0"/>
+                </a:ext>
+              </a:extLst>
+            </a:blip>
+            <a:srcRect/>
+            <a:tile tx="0" ty="-704850" sx="92000" sy="89000" flip="xy" algn="ctr"/>
+          </a:blipFill>
+          <a:ln>
+            <a:noFill/>
+          </a:ln>
+        </p:spPr>
+        <p:style>
+          <a:lnRef idx="2">
+            <a:schemeClr val="accent1">
+              <a:shade val="50000"/>
+            </a:schemeClr>
+          </a:lnRef>
+          <a:fillRef idx="1">
+            <a:schemeClr val="accent1"/>
+          </a:fillRef>
+          <a:effectRef idx="0">
+            <a:schemeClr val="accent1"/>
+          </a:effectRef>
+          <a:fontRef idx="minor">
+            <a:schemeClr val="lt1"/>
+          </a:fontRef>
+        </p:style>
+        <p:txBody>
+          <a:bodyPr rtlCol="0" anchor="ctr"/>
+          <a:lstStyle/>
+          <a:p>
+            <a:pPr algn="ctr"/>
+            <a:endParaRPr lang="en-US"/>
+          </a:p>
+        </p:txBody>
+      </p:sp>
       <p:sp>
         <p:nvSpPr>
           <p:cNvPr id="2" name="Título 1">
@@ -4616,18 +5493,22 @@
         </p:nvSpPr>
         <p:spPr>
           <a:xfrm>
-            <a:off x="201562" y="764373"/>
-            <a:ext cx="8610600" cy="1293028"/>
+            <a:off x="8156350" y="484632"/>
+            <a:ext cx="3544035" cy="1609344"/>
           </a:xfrm>
+          <a:ln>
+            <a:noFill/>
+          </a:ln>
         </p:spPr>
         <p:txBody>
-          <a:bodyPr/>
+          <a:bodyPr vert="horz" lIns="91440" tIns="45720" rIns="91440" bIns="45720" rtlCol="0" anchor="ctr">
+            <a:normAutofit/>
+          </a:bodyPr>
           <a:lstStyle/>
           <a:p>
-            <a:pPr algn="l"/>
-            <a:r>
-              <a:rPr lang="es-CO" dirty="0"/>
-              <a:t>Punto 3 - consultas</a:t>
+            <a:r>
+              <a:rPr lang="en-US" sz="3200" dirty="0"/>
+              <a:t>Punto 2 – consultas</a:t>
             </a:r>
           </a:p>
         </p:txBody>
@@ -4646,50 +5527,296 @@
         </p:nvSpPr>
         <p:spPr>
           <a:xfrm>
-            <a:off x="201562" y="2057401"/>
-            <a:ext cx="7462683" cy="646331"/>
+            <a:off x="8156351" y="2121408"/>
+            <a:ext cx="3544034" cy="4050792"/>
           </a:xfrm>
           <a:prstGeom prst="rect">
             <a:avLst/>
           </a:prstGeom>
-          <a:noFill/>
         </p:spPr>
         <p:txBody>
-          <a:bodyPr wrap="square" rtlCol="0">
-            <a:spAutoFit/>
+          <a:bodyPr vert="horz" lIns="91440" tIns="45720" rIns="91440" bIns="45720" rtlCol="0">
+            <a:normAutofit/>
           </a:bodyPr>
           <a:lstStyle/>
           <a:p>
-            <a:pPr algn="just"/>
-            <a:r>
-              <a:rPr lang="es-CO" dirty="0"/>
-              <a:t>Se insertan partes de computador e individuos a la ontología empleando </a:t>
-            </a:r>
-            <a:r>
-              <a:rPr lang="es-CO" dirty="0" err="1"/>
-              <a:t>dbpedia</a:t>
-            </a:r>
-            <a:r>
-              <a:rPr lang="es-CO" dirty="0"/>
-              <a:t> y </a:t>
-            </a:r>
-            <a:r>
-              <a:rPr lang="es-CO" dirty="0" err="1"/>
-              <a:t>wikidata</a:t>
-            </a:r>
-            <a:r>
-              <a:rPr lang="es-CO" dirty="0"/>
-              <a:t>.</a:t>
-            </a:r>
+            <a:pPr indent="-182880" defTabSz="914400">
+              <a:lnSpc>
+                <a:spcPct val="90000"/>
+              </a:lnSpc>
+              <a:spcAft>
+                <a:spcPts val="600"/>
+              </a:spcAft>
+              <a:buClr>
+                <a:schemeClr val="accent1">
+                  <a:lumMod val="75000"/>
+                </a:schemeClr>
+              </a:buClr>
+              <a:buSzPct val="85000"/>
+              <a:buFont typeface="Wingdings" pitchFamily="2" charset="2"/>
+              <a:buChar char="§"/>
+            </a:pPr>
+            <a:r>
+              <a:rPr lang="es-CO" sz="1600" dirty="0"/>
+              <a:t>Consulta 1 – OPTIONAL</a:t>
+            </a:r>
+          </a:p>
+          <a:p>
+            <a:pPr defTabSz="914400">
+              <a:lnSpc>
+                <a:spcPct val="90000"/>
+              </a:lnSpc>
+              <a:spcAft>
+                <a:spcPts val="600"/>
+              </a:spcAft>
+              <a:buClr>
+                <a:schemeClr val="accent1">
+                  <a:lumMod val="75000"/>
+                </a:schemeClr>
+              </a:buClr>
+              <a:buSzPct val="85000"/>
+            </a:pPr>
+            <a:endParaRPr lang="es-CO" sz="1600" dirty="0"/>
+          </a:p>
+          <a:p>
+            <a:pPr defTabSz="914400">
+              <a:lnSpc>
+                <a:spcPct val="90000"/>
+              </a:lnSpc>
+              <a:spcAft>
+                <a:spcPts val="600"/>
+              </a:spcAft>
+              <a:buClr>
+                <a:schemeClr val="accent1">
+                  <a:lumMod val="75000"/>
+                </a:schemeClr>
+              </a:buClr>
+              <a:buSzPct val="85000"/>
+            </a:pPr>
+            <a:r>
+              <a:rPr lang="es-CO" sz="1600" dirty="0"/>
+              <a:t>En esta consulta se encuentra las subclases y partes de los dispositivos diferentes a un computador</a:t>
+            </a:r>
+          </a:p>
+          <a:p>
+            <a:pPr defTabSz="914400">
+              <a:lnSpc>
+                <a:spcPct val="90000"/>
+              </a:lnSpc>
+              <a:spcAft>
+                <a:spcPts val="600"/>
+              </a:spcAft>
+              <a:buClr>
+                <a:schemeClr val="accent1">
+                  <a:lumMod val="75000"/>
+                </a:schemeClr>
+              </a:buClr>
+              <a:buSzPct val="85000"/>
+            </a:pPr>
+            <a:endParaRPr lang="en-US" sz="1600" dirty="0"/>
           </a:p>
         </p:txBody>
       </p:sp>
+      <p:grpSp>
+        <p:nvGrpSpPr>
+          <p:cNvPr id="16" name="Group 15">
+            <a:extLst>
+              <a:ext uri="{FF2B5EF4-FFF2-40B4-BE49-F238E27FC236}">
+                <a16:creationId xmlns:a16="http://schemas.microsoft.com/office/drawing/2014/main" id="{BCFC42DC-2C46-47C4-BC61-530557385DBD}"/>
+              </a:ext>
+              <a:ext uri="{C183D7F6-B498-43B3-948B-1728B52AA6E4}">
+                <adec:decorative xmlns:adec="http://schemas.microsoft.com/office/drawing/2017/decorative" val="1"/>
+              </a:ext>
+            </a:extLst>
+          </p:cNvPr>
+          <p:cNvGrpSpPr>
+            <a:grpSpLocks noGrp="1" noUngrp="1" noRot="1" noChangeAspect="1" noMove="1" noResize="1"/>
+          </p:cNvGrpSpPr>
+          <p:nvPr>
+            <p:extLst>
+              <p:ext uri="{386F3935-93C4-4BCD-93E2-E3B085C9AB24}">
+                <p16:designElem xmlns:p16="http://schemas.microsoft.com/office/powerpoint/2015/main" val="1"/>
+              </p:ext>
+            </p:extLst>
+          </p:nvPr>
+        </p:nvGrpSpPr>
+        <p:grpSpPr>
+          <a:xfrm>
+            <a:off x="11401725" y="6229681"/>
+            <a:ext cx="457200" cy="457200"/>
+            <a:chOff x="11361456" y="6195813"/>
+            <a:chExt cx="548640" cy="548640"/>
+          </a:xfrm>
+        </p:grpSpPr>
+        <p:sp>
+          <p:nvSpPr>
+            <p:cNvPr id="17" name="Oval 16">
+              <a:extLst>
+                <a:ext uri="{FF2B5EF4-FFF2-40B4-BE49-F238E27FC236}">
+                  <a16:creationId xmlns:a16="http://schemas.microsoft.com/office/drawing/2014/main" id="{54B91A37-AA1F-4966-8ACF-93023547DA92}"/>
+                </a:ext>
+                <a:ext uri="{C183D7F6-B498-43B3-948B-1728B52AA6E4}">
+                  <adec:decorative xmlns:adec="http://schemas.microsoft.com/office/drawing/2017/decorative" val="1"/>
+                </a:ext>
+              </a:extLst>
+            </p:cNvPr>
+            <p:cNvSpPr/>
+            <p:nvPr>
+              <p:extLst>
+                <p:ext uri="{386F3935-93C4-4BCD-93E2-E3B085C9AB24}">
+                  <p16:designElem xmlns:p16="http://schemas.microsoft.com/office/powerpoint/2015/main" val="1"/>
+                </p:ext>
+              </p:extLst>
+            </p:nvPr>
+          </p:nvSpPr>
+          <p:spPr>
+            <a:xfrm>
+              <a:off x="11361456" y="6195813"/>
+              <a:ext cx="548640" cy="548640"/>
+            </a:xfrm>
+            <a:prstGeom prst="ellipse">
+              <a:avLst/>
+            </a:prstGeom>
+            <a:blipFill dpi="0" rotWithShape="1">
+              <a:blip r:embed="rId2">
+                <a:duotone>
+                  <a:schemeClr val="accent1">
+                    <a:shade val="45000"/>
+                    <a:satMod val="135000"/>
+                  </a:schemeClr>
+                  <a:prstClr val="white"/>
+                </a:duotone>
+              </a:blip>
+              <a:srcRect/>
+              <a:tile tx="50800" ty="0" sx="85000" sy="85000" flip="none" algn="tl"/>
+            </a:blipFill>
+            <a:ln w="25400" cap="flat" cmpd="sng" algn="ctr">
+              <a:noFill/>
+              <a:prstDash val="solid"/>
+            </a:ln>
+            <a:effectLst/>
+          </p:spPr>
+          <p:txBody>
+            <a:bodyPr lIns="0" tIns="0" rIns="0" bIns="0" rtlCol="0" anchor="ctr"/>
+            <a:lstStyle/>
+            <a:p>
+              <a:pPr marL="0" marR="0" lvl="0" indent="0" algn="ctr" defTabSz="914400" eaLnBrk="1" fontAlgn="auto" latinLnBrk="0" hangingPunct="1">
+                <a:lnSpc>
+                  <a:spcPct val="100000"/>
+                </a:lnSpc>
+                <a:spcBef>
+                  <a:spcPts val="0"/>
+                </a:spcBef>
+                <a:spcAft>
+                  <a:spcPts val="0"/>
+                </a:spcAft>
+                <a:buClrTx/>
+                <a:buSzTx/>
+                <a:buFontTx/>
+                <a:buNone/>
+                <a:tabLst/>
+                <a:defRPr/>
+              </a:pPr>
+              <a:endParaRPr kumimoji="0" lang="en-US" sz="2000" b="0" i="0" u="none" strike="noStrike" kern="0" cap="none" spc="0" normalizeH="0" baseline="0" noProof="0" dirty="0">
+                <a:ln>
+                  <a:noFill/>
+                </a:ln>
+                <a:solidFill>
+                  <a:prstClr val="white"/>
+                </a:solidFill>
+                <a:effectLst/>
+                <a:uLnTx/>
+                <a:uFillTx/>
+                <a:latin typeface="Rockwell Extra Bold" pitchFamily="18" charset="0"/>
+                <a:ea typeface="+mn-ea"/>
+                <a:cs typeface="+mn-cs"/>
+              </a:endParaRPr>
+            </a:p>
+          </p:txBody>
+        </p:sp>
+        <p:sp>
+          <p:nvSpPr>
+            <p:cNvPr id="18" name="Oval 17">
+              <a:extLst>
+                <a:ext uri="{FF2B5EF4-FFF2-40B4-BE49-F238E27FC236}">
+                  <a16:creationId xmlns:a16="http://schemas.microsoft.com/office/drawing/2014/main" id="{17B17AC5-0931-432F-9A4A-DDCFAA010ABC}"/>
+                </a:ext>
+                <a:ext uri="{C183D7F6-B498-43B3-948B-1728B52AA6E4}">
+                  <adec:decorative xmlns:adec="http://schemas.microsoft.com/office/drawing/2017/decorative" val="1"/>
+                </a:ext>
+              </a:extLst>
+            </p:cNvPr>
+            <p:cNvSpPr/>
+            <p:nvPr>
+              <p:extLst>
+                <p:ext uri="{386F3935-93C4-4BCD-93E2-E3B085C9AB24}">
+                  <p16:designElem xmlns:p16="http://schemas.microsoft.com/office/powerpoint/2015/main" val="1"/>
+                </p:ext>
+              </p:extLst>
+            </p:nvPr>
+          </p:nvSpPr>
+          <p:spPr>
+            <a:xfrm>
+              <a:off x="11396488" y="6230844"/>
+              <a:ext cx="478576" cy="478578"/>
+            </a:xfrm>
+            <a:prstGeom prst="ellipse">
+              <a:avLst/>
+            </a:prstGeom>
+            <a:noFill/>
+            <a:ln w="12700" cap="flat" cmpd="sng" algn="ctr">
+              <a:solidFill>
+                <a:srgbClr val="FFFFFF"/>
+              </a:solidFill>
+              <a:prstDash val="solid"/>
+            </a:ln>
+            <a:effectLst/>
+          </p:spPr>
+          <p:txBody>
+            <a:bodyPr rtlCol="0" anchor="ctr"/>
+            <a:lstStyle/>
+            <a:p>
+              <a:pPr marL="0" marR="0" lvl="0" indent="0" algn="ctr" defTabSz="914400" eaLnBrk="1" fontAlgn="auto" latinLnBrk="0" hangingPunct="1">
+                <a:lnSpc>
+                  <a:spcPct val="100000"/>
+                </a:lnSpc>
+                <a:spcBef>
+                  <a:spcPts val="0"/>
+                </a:spcBef>
+                <a:spcAft>
+                  <a:spcPts val="0"/>
+                </a:spcAft>
+                <a:buClrTx/>
+                <a:buSzTx/>
+                <a:buFontTx/>
+                <a:buNone/>
+                <a:tabLst/>
+                <a:defRPr/>
+              </a:pPr>
+              <a:endParaRPr kumimoji="0" lang="en-US" sz="1800" b="0" i="0" u="none" strike="noStrike" kern="0" cap="none" spc="0" normalizeH="0" baseline="0" noProof="0" dirty="0">
+                <a:ln>
+                  <a:noFill/>
+                </a:ln>
+                <a:solidFill>
+                  <a:prstClr val="white"/>
+                </a:solidFill>
+                <a:effectLst/>
+                <a:uLnTx/>
+                <a:uFillTx/>
+                <a:latin typeface="Calibri"/>
+                <a:ea typeface="+mn-ea"/>
+                <a:cs typeface="+mn-cs"/>
+              </a:endParaRPr>
+            </a:p>
+          </p:txBody>
+        </p:sp>
+      </p:grpSp>
       <p:pic>
         <p:nvPicPr>
-          <p:cNvPr id="5" name="Imagen 4">
+          <p:cNvPr id="4" name="Imagen 3">
             <a:extLst>
               <a:ext uri="{FF2B5EF4-FFF2-40B4-BE49-F238E27FC236}">
-                <a16:creationId xmlns:a16="http://schemas.microsoft.com/office/drawing/2014/main" id="{FE2DAECD-6588-63F8-2253-559439925E4A}"/>
+                <a16:creationId xmlns:a16="http://schemas.microsoft.com/office/drawing/2014/main" id="{D0203FE9-0A31-807D-C87E-FD5FCD565A3D}"/>
               </a:ext>
             </a:extLst>
           </p:cNvPr>
@@ -4699,45 +5826,15 @@
           <p:nvPr/>
         </p:nvPicPr>
         <p:blipFill>
-          <a:blip r:embed="rId2"/>
+          <a:blip r:embed="rId6"/>
           <a:stretch>
             <a:fillRect/>
           </a:stretch>
         </p:blipFill>
         <p:spPr>
           <a:xfrm>
-            <a:off x="201562" y="4026402"/>
-            <a:ext cx="5613918" cy="2736195"/>
-          </a:xfrm>
-          <a:prstGeom prst="rect">
-            <a:avLst/>
-          </a:prstGeom>
-        </p:spPr>
-      </p:pic>
-      <p:pic>
-        <p:nvPicPr>
-          <p:cNvPr id="7" name="Imagen 6">
-            <a:extLst>
-              <a:ext uri="{FF2B5EF4-FFF2-40B4-BE49-F238E27FC236}">
-                <a16:creationId xmlns:a16="http://schemas.microsoft.com/office/drawing/2014/main" id="{E3EE64C2-FD4D-5527-E6FB-8C2A50130624}"/>
-              </a:ext>
-            </a:extLst>
-          </p:cNvPr>
-          <p:cNvPicPr>
-            <a:picLocks noChangeAspect="1"/>
-          </p:cNvPicPr>
-          <p:nvPr/>
-        </p:nvPicPr>
-        <p:blipFill>
-          <a:blip r:embed="rId3"/>
-          <a:stretch>
-            <a:fillRect/>
-          </a:stretch>
-        </p:blipFill>
-        <p:spPr>
-          <a:xfrm>
-            <a:off x="7086158" y="2580157"/>
-            <a:ext cx="4969594" cy="2635680"/>
+            <a:off x="338651" y="2093976"/>
+            <a:ext cx="7462682" cy="2464118"/>
           </a:xfrm>
           <a:prstGeom prst="rect">
             <a:avLst/>
@@ -4747,7 +5844,7 @@
     </p:spTree>
     <p:extLst>
       <p:ext uri="{BB962C8B-B14F-4D97-AF65-F5344CB8AC3E}">
-        <p14:creationId xmlns:p14="http://schemas.microsoft.com/office/powerpoint/2010/main" val="3427596700"/>
+        <p14:creationId xmlns:p14="http://schemas.microsoft.com/office/powerpoint/2010/main" val="3586266594"/>
       </p:ext>
     </p:extLst>
   </p:cSld>
@@ -4760,6 +5857,14 @@
 <file path=ppt/slides/slide5.xml><?xml version="1.0" encoding="utf-8"?>
 <p:sld xmlns:a="http://schemas.openxmlformats.org/drawingml/2006/main" xmlns:r="http://schemas.openxmlformats.org/officeDocument/2006/relationships" xmlns:p="http://schemas.openxmlformats.org/presentationml/2006/main">
   <p:cSld>
+    <p:bg>
+      <p:bgPr>
+        <a:solidFill>
+          <a:schemeClr val="bg1"/>
+        </a:solidFill>
+        <a:effectLst/>
+      </p:bgPr>
+    </p:bg>
     <p:spTree>
       <p:nvGrpSpPr>
         <p:cNvPr id="1" name=""/>
@@ -4774,6 +5879,296 @@
           <a:chExt cx="0" cy="0"/>
         </a:xfrm>
       </p:grpSpPr>
+      <p:grpSp>
+        <p:nvGrpSpPr>
+          <p:cNvPr id="11" name="Group 10">
+            <a:extLst>
+              <a:ext uri="{FF2B5EF4-FFF2-40B4-BE49-F238E27FC236}">
+                <a16:creationId xmlns:a16="http://schemas.microsoft.com/office/drawing/2014/main" id="{EC78E3E1-BBBA-4058-AAEB-714F04B0257C}"/>
+              </a:ext>
+              <a:ext uri="{C183D7F6-B498-43B3-948B-1728B52AA6E4}">
+                <adec:decorative xmlns:adec="http://schemas.microsoft.com/office/drawing/2017/decorative" val="1"/>
+              </a:ext>
+            </a:extLst>
+          </p:cNvPr>
+          <p:cNvGrpSpPr>
+            <a:grpSpLocks noGrp="1" noUngrp="1" noRot="1" noChangeAspect="1" noMove="1" noResize="1"/>
+          </p:cNvGrpSpPr>
+          <p:nvPr>
+            <p:extLst>
+              <p:ext uri="{386F3935-93C4-4BCD-93E2-E3B085C9AB24}">
+                <p16:designElem xmlns:p16="http://schemas.microsoft.com/office/powerpoint/2015/main" val="1"/>
+              </p:ext>
+            </p:extLst>
+          </p:nvPr>
+        </p:nvGrpSpPr>
+        <p:grpSpPr>
+          <a:xfrm>
+            <a:off x="11401725" y="6229681"/>
+            <a:ext cx="457200" cy="457200"/>
+            <a:chOff x="11361456" y="6195813"/>
+            <a:chExt cx="548640" cy="548640"/>
+          </a:xfrm>
+        </p:grpSpPr>
+        <p:sp>
+          <p:nvSpPr>
+            <p:cNvPr id="12" name="Oval 11">
+              <a:extLst>
+                <a:ext uri="{FF2B5EF4-FFF2-40B4-BE49-F238E27FC236}">
+                  <a16:creationId xmlns:a16="http://schemas.microsoft.com/office/drawing/2014/main" id="{86860FA5-CE2B-4019-8FD1-031D7D84EF04}"/>
+                </a:ext>
+                <a:ext uri="{C183D7F6-B498-43B3-948B-1728B52AA6E4}">
+                  <adec:decorative xmlns:adec="http://schemas.microsoft.com/office/drawing/2017/decorative" val="1"/>
+                </a:ext>
+              </a:extLst>
+            </p:cNvPr>
+            <p:cNvSpPr/>
+            <p:nvPr>
+              <p:extLst>
+                <p:ext uri="{386F3935-93C4-4BCD-93E2-E3B085C9AB24}">
+                  <p16:designElem xmlns:p16="http://schemas.microsoft.com/office/powerpoint/2015/main" val="1"/>
+                </p:ext>
+              </p:extLst>
+            </p:nvPr>
+          </p:nvSpPr>
+          <p:spPr>
+            <a:xfrm>
+              <a:off x="11361456" y="6195813"/>
+              <a:ext cx="548640" cy="548640"/>
+            </a:xfrm>
+            <a:prstGeom prst="ellipse">
+              <a:avLst/>
+            </a:prstGeom>
+            <a:blipFill dpi="0" rotWithShape="1">
+              <a:blip r:embed="rId2">
+                <a:duotone>
+                  <a:schemeClr val="accent1">
+                    <a:shade val="45000"/>
+                    <a:satMod val="135000"/>
+                  </a:schemeClr>
+                  <a:prstClr val="white"/>
+                </a:duotone>
+                <a:extLst>
+                  <a:ext uri="{BEBA8EAE-BF5A-486C-A8C5-ECC9F3942E4B}">
+                    <a14:imgProps xmlns:a14="http://schemas.microsoft.com/office/drawing/2010/main">
+                      <a14:imgLayer r:embed="rId3">
+                        <a14:imgEffect>
+                          <a14:saturation sat="95000"/>
+                        </a14:imgEffect>
+                        <a14:imgEffect>
+                          <a14:brightnessContrast bright="-40000" contrast="20000"/>
+                        </a14:imgEffect>
+                      </a14:imgLayer>
+                    </a14:imgProps>
+                  </a:ext>
+                </a:extLst>
+              </a:blip>
+              <a:srcRect/>
+              <a:tile tx="50800" ty="0" sx="85000" sy="85000" flip="none" algn="tl"/>
+            </a:blipFill>
+            <a:ln w="25400" cap="flat" cmpd="sng" algn="ctr">
+              <a:noFill/>
+              <a:prstDash val="solid"/>
+            </a:ln>
+            <a:effectLst/>
+          </p:spPr>
+          <p:txBody>
+            <a:bodyPr lIns="0" tIns="0" rIns="0" bIns="0" rtlCol="0" anchor="ctr"/>
+            <a:lstStyle/>
+            <a:p>
+              <a:pPr marL="0" marR="0" lvl="0" indent="0" algn="ctr" defTabSz="914400" eaLnBrk="1" fontAlgn="auto" latinLnBrk="0" hangingPunct="1">
+                <a:lnSpc>
+                  <a:spcPct val="100000"/>
+                </a:lnSpc>
+                <a:spcBef>
+                  <a:spcPts val="0"/>
+                </a:spcBef>
+                <a:spcAft>
+                  <a:spcPts val="0"/>
+                </a:spcAft>
+                <a:buClrTx/>
+                <a:buSzTx/>
+                <a:buFontTx/>
+                <a:buNone/>
+                <a:tabLst/>
+                <a:defRPr/>
+              </a:pPr>
+              <a:endParaRPr kumimoji="0" lang="en-US" sz="2000" b="0" i="0" u="none" strike="noStrike" kern="0" cap="none" spc="0" normalizeH="0" baseline="0" noProof="0" dirty="0">
+                <a:ln>
+                  <a:noFill/>
+                </a:ln>
+                <a:solidFill>
+                  <a:prstClr val="white"/>
+                </a:solidFill>
+                <a:effectLst/>
+                <a:uLnTx/>
+                <a:uFillTx/>
+                <a:latin typeface="Rockwell Extra Bold" pitchFamily="18" charset="0"/>
+                <a:ea typeface="+mn-ea"/>
+                <a:cs typeface="+mn-cs"/>
+              </a:endParaRPr>
+            </a:p>
+          </p:txBody>
+        </p:sp>
+        <p:sp>
+          <p:nvSpPr>
+            <p:cNvPr id="13" name="Oval 12">
+              <a:extLst>
+                <a:ext uri="{FF2B5EF4-FFF2-40B4-BE49-F238E27FC236}">
+                  <a16:creationId xmlns:a16="http://schemas.microsoft.com/office/drawing/2014/main" id="{392DF474-2C37-4DC7-B889-E88EAADEA617}"/>
+                </a:ext>
+                <a:ext uri="{C183D7F6-B498-43B3-948B-1728B52AA6E4}">
+                  <adec:decorative xmlns:adec="http://schemas.microsoft.com/office/drawing/2017/decorative" val="1"/>
+                </a:ext>
+              </a:extLst>
+            </p:cNvPr>
+            <p:cNvSpPr/>
+            <p:nvPr>
+              <p:extLst>
+                <p:ext uri="{386F3935-93C4-4BCD-93E2-E3B085C9AB24}">
+                  <p16:designElem xmlns:p16="http://schemas.microsoft.com/office/powerpoint/2015/main" val="1"/>
+                </p:ext>
+              </p:extLst>
+            </p:nvPr>
+          </p:nvSpPr>
+          <p:spPr>
+            <a:xfrm>
+              <a:off x="11396488" y="6230844"/>
+              <a:ext cx="478576" cy="478578"/>
+            </a:xfrm>
+            <a:prstGeom prst="ellipse">
+              <a:avLst/>
+            </a:prstGeom>
+            <a:noFill/>
+            <a:ln w="12700" cap="flat" cmpd="sng" algn="ctr">
+              <a:solidFill>
+                <a:srgbClr val="FFFFFF"/>
+              </a:solidFill>
+              <a:prstDash val="solid"/>
+            </a:ln>
+            <a:effectLst/>
+          </p:spPr>
+          <p:txBody>
+            <a:bodyPr rtlCol="0" anchor="ctr"/>
+            <a:lstStyle/>
+            <a:p>
+              <a:pPr marL="0" marR="0" lvl="0" indent="0" algn="ctr" defTabSz="914400" eaLnBrk="1" fontAlgn="auto" latinLnBrk="0" hangingPunct="1">
+                <a:lnSpc>
+                  <a:spcPct val="100000"/>
+                </a:lnSpc>
+                <a:spcBef>
+                  <a:spcPts val="0"/>
+                </a:spcBef>
+                <a:spcAft>
+                  <a:spcPts val="0"/>
+                </a:spcAft>
+                <a:buClrTx/>
+                <a:buSzTx/>
+                <a:buFontTx/>
+                <a:buNone/>
+                <a:tabLst/>
+                <a:defRPr/>
+              </a:pPr>
+              <a:endParaRPr kumimoji="0" lang="en-US" sz="1800" b="0" i="0" u="none" strike="noStrike" kern="0" cap="none" spc="0" normalizeH="0" baseline="0" noProof="0" dirty="0">
+                <a:ln>
+                  <a:noFill/>
+                </a:ln>
+                <a:solidFill>
+                  <a:prstClr val="white"/>
+                </a:solidFill>
+                <a:effectLst/>
+                <a:uLnTx/>
+                <a:uFillTx/>
+                <a:latin typeface="Calibri"/>
+                <a:ea typeface="+mn-ea"/>
+                <a:cs typeface="+mn-cs"/>
+              </a:endParaRPr>
+            </a:p>
+          </p:txBody>
+        </p:sp>
+      </p:grpSp>
+      <p:sp>
+        <p:nvSpPr>
+          <p:cNvPr id="15" name="Rectangle 14">
+            <a:extLst>
+              <a:ext uri="{FF2B5EF4-FFF2-40B4-BE49-F238E27FC236}">
+                <a16:creationId xmlns:a16="http://schemas.microsoft.com/office/drawing/2014/main" id="{F3AF35CD-DA30-4E34-B0F3-32C27766DA05}"/>
+              </a:ext>
+              <a:ext uri="{C183D7F6-B498-43B3-948B-1728B52AA6E4}">
+                <adec:decorative xmlns:adec="http://schemas.microsoft.com/office/drawing/2017/decorative" val="1"/>
+              </a:ext>
+            </a:extLst>
+          </p:cNvPr>
+          <p:cNvSpPr>
+            <a:spLocks noGrp="1" noRot="1" noChangeAspect="1" noMove="1" noResize="1" noEditPoints="1" noAdjustHandles="1" noChangeArrowheads="1" noChangeShapeType="1" noTextEdit="1"/>
+          </p:cNvSpPr>
+          <p:nvPr>
+            <p:extLst>
+              <p:ext uri="{386F3935-93C4-4BCD-93E2-E3B085C9AB24}">
+                <p16:designElem xmlns:p16="http://schemas.microsoft.com/office/powerpoint/2015/main" val="1"/>
+              </p:ext>
+            </p:extLst>
+          </p:nvPr>
+        </p:nvSpPr>
+        <p:spPr>
+          <a:xfrm>
+            <a:off x="7836310" y="0"/>
+            <a:ext cx="4355689" cy="6857999"/>
+          </a:xfrm>
+          <a:prstGeom prst="rect">
+            <a:avLst/>
+          </a:prstGeom>
+          <a:blipFill dpi="0" rotWithShape="1">
+            <a:blip r:embed="rId4">
+              <a:alphaModFix amt="60000"/>
+              <a:lum bright="70000" contrast="-70000"/>
+              <a:extLst>
+                <a:ext uri="{BEBA8EAE-BF5A-486C-A8C5-ECC9F3942E4B}">
+                  <a14:imgProps xmlns:a14="http://schemas.microsoft.com/office/drawing/2010/main">
+                    <a14:imgLayer r:embed="rId5">
+                      <a14:imgEffect>
+                        <a14:sharpenSoften amount="61000"/>
+                      </a14:imgEffect>
+                    </a14:imgLayer>
+                  </a14:imgProps>
+                </a:ext>
+                <a:ext uri="{28A0092B-C50C-407E-A947-70E740481C1C}">
+                  <a14:useLocalDpi xmlns:a14="http://schemas.microsoft.com/office/drawing/2010/main" val="0"/>
+                </a:ext>
+              </a:extLst>
+            </a:blip>
+            <a:srcRect/>
+            <a:tile tx="0" ty="-704850" sx="92000" sy="89000" flip="xy" algn="ctr"/>
+          </a:blipFill>
+          <a:ln>
+            <a:noFill/>
+          </a:ln>
+        </p:spPr>
+        <p:style>
+          <a:lnRef idx="2">
+            <a:schemeClr val="accent1">
+              <a:shade val="50000"/>
+            </a:schemeClr>
+          </a:lnRef>
+          <a:fillRef idx="1">
+            <a:schemeClr val="accent1"/>
+          </a:fillRef>
+          <a:effectRef idx="0">
+            <a:schemeClr val="accent1"/>
+          </a:effectRef>
+          <a:fontRef idx="minor">
+            <a:schemeClr val="lt1"/>
+          </a:fontRef>
+        </p:style>
+        <p:txBody>
+          <a:bodyPr rtlCol="0" anchor="ctr"/>
+          <a:lstStyle/>
+          <a:p>
+            <a:pPr algn="ctr"/>
+            <a:endParaRPr lang="en-US"/>
+          </a:p>
+        </p:txBody>
+      </p:sp>
       <p:sp>
         <p:nvSpPr>
           <p:cNvPr id="2" name="Título 1">
@@ -4792,19 +6187,2285 @@
         </p:nvSpPr>
         <p:spPr>
           <a:xfrm>
-            <a:off x="201562" y="764373"/>
-            <a:ext cx="8610600" cy="1293028"/>
+            <a:off x="8156350" y="484632"/>
+            <a:ext cx="3544035" cy="1609344"/>
+          </a:xfrm>
+          <a:ln>
+            <a:noFill/>
+          </a:ln>
+        </p:spPr>
+        <p:txBody>
+          <a:bodyPr vert="horz" lIns="91440" tIns="45720" rIns="91440" bIns="45720" rtlCol="0" anchor="ctr">
+            <a:normAutofit/>
+          </a:bodyPr>
+          <a:lstStyle/>
+          <a:p>
+            <a:r>
+              <a:rPr lang="en-US" sz="3200" dirty="0"/>
+              <a:t>Punto 2 – consultas</a:t>
+            </a:r>
+          </a:p>
+        </p:txBody>
+      </p:sp>
+      <p:pic>
+        <p:nvPicPr>
+          <p:cNvPr id="6" name="Imagen 5">
+            <a:extLst>
+              <a:ext uri="{FF2B5EF4-FFF2-40B4-BE49-F238E27FC236}">
+                <a16:creationId xmlns:a16="http://schemas.microsoft.com/office/drawing/2014/main" id="{4FC3F6B6-B69E-3621-D4C9-6F7078C727DB}"/>
+              </a:ext>
+            </a:extLst>
+          </p:cNvPr>
+          <p:cNvPicPr>
+            <a:picLocks noChangeAspect="1"/>
+          </p:cNvPicPr>
+          <p:nvPr/>
+        </p:nvPicPr>
+        <p:blipFill>
+          <a:blip r:embed="rId6"/>
+          <a:stretch>
+            <a:fillRect/>
+          </a:stretch>
+        </p:blipFill>
+        <p:spPr>
+          <a:xfrm>
+            <a:off x="633999" y="1532904"/>
+            <a:ext cx="6882269" cy="3802453"/>
+          </a:xfrm>
+          <a:prstGeom prst="rect">
+            <a:avLst/>
+          </a:prstGeom>
+        </p:spPr>
+      </p:pic>
+      <p:sp>
+        <p:nvSpPr>
+          <p:cNvPr id="3" name="CuadroTexto 2">
+            <a:extLst>
+              <a:ext uri="{FF2B5EF4-FFF2-40B4-BE49-F238E27FC236}">
+                <a16:creationId xmlns:a16="http://schemas.microsoft.com/office/drawing/2014/main" id="{0A910BA6-1939-33AC-20A7-38A19B35D755}"/>
+              </a:ext>
+            </a:extLst>
+          </p:cNvPr>
+          <p:cNvSpPr txBox="1"/>
+          <p:nvPr/>
+        </p:nvSpPr>
+        <p:spPr>
+          <a:xfrm>
+            <a:off x="8156351" y="2121408"/>
+            <a:ext cx="3544034" cy="4050792"/>
+          </a:xfrm>
+          <a:prstGeom prst="rect">
+            <a:avLst/>
+          </a:prstGeom>
+        </p:spPr>
+        <p:txBody>
+          <a:bodyPr vert="horz" lIns="91440" tIns="45720" rIns="91440" bIns="45720" rtlCol="0">
+            <a:normAutofit/>
+          </a:bodyPr>
+          <a:lstStyle/>
+          <a:p>
+            <a:pPr indent="-182880" defTabSz="914400">
+              <a:lnSpc>
+                <a:spcPct val="90000"/>
+              </a:lnSpc>
+              <a:spcAft>
+                <a:spcPts val="600"/>
+              </a:spcAft>
+              <a:buClr>
+                <a:schemeClr val="accent1">
+                  <a:lumMod val="75000"/>
+                </a:schemeClr>
+              </a:buClr>
+              <a:buSzPct val="85000"/>
+              <a:buFont typeface="Wingdings" pitchFamily="2" charset="2"/>
+              <a:buChar char="§"/>
+            </a:pPr>
+            <a:r>
+              <a:rPr lang="en-US" sz="1600" dirty="0"/>
+              <a:t>Consulta 1 – ORDER BY</a:t>
+            </a:r>
+          </a:p>
+          <a:p>
+            <a:pPr defTabSz="914400">
+              <a:lnSpc>
+                <a:spcPct val="90000"/>
+              </a:lnSpc>
+              <a:spcAft>
+                <a:spcPts val="600"/>
+              </a:spcAft>
+              <a:buClr>
+                <a:schemeClr val="accent1">
+                  <a:lumMod val="75000"/>
+                </a:schemeClr>
+              </a:buClr>
+              <a:buSzPct val="85000"/>
+            </a:pPr>
+            <a:endParaRPr lang="en-US" sz="1600" dirty="0"/>
+          </a:p>
+          <a:p>
+            <a:pPr defTabSz="914400">
+              <a:lnSpc>
+                <a:spcPct val="90000"/>
+              </a:lnSpc>
+              <a:spcAft>
+                <a:spcPts val="600"/>
+              </a:spcAft>
+              <a:buClr>
+                <a:schemeClr val="accent1">
+                  <a:lumMod val="75000"/>
+                </a:schemeClr>
+              </a:buClr>
+              <a:buSzPct val="85000"/>
+            </a:pPr>
+            <a:r>
+              <a:rPr lang="es-CO" sz="1600" dirty="0"/>
+              <a:t>En esta consulta se obtiene las subclases de Output </a:t>
+            </a:r>
+            <a:r>
+              <a:rPr lang="es-CO" sz="1600" dirty="0" err="1"/>
+              <a:t>device</a:t>
+            </a:r>
+            <a:r>
+              <a:rPr lang="es-CO" sz="1600" dirty="0"/>
+              <a:t> (opuesto de input </a:t>
+            </a:r>
+            <a:r>
+              <a:rPr lang="es-CO" sz="1600" dirty="0" err="1"/>
+              <a:t>device</a:t>
+            </a:r>
+            <a:r>
+              <a:rPr lang="es-CO" sz="1600" dirty="0"/>
+              <a:t>)</a:t>
+            </a:r>
+          </a:p>
+        </p:txBody>
+      </p:sp>
+      <p:grpSp>
+        <p:nvGrpSpPr>
+          <p:cNvPr id="17" name="Group 16">
+            <a:extLst>
+              <a:ext uri="{FF2B5EF4-FFF2-40B4-BE49-F238E27FC236}">
+                <a16:creationId xmlns:a16="http://schemas.microsoft.com/office/drawing/2014/main" id="{BCFC42DC-2C46-47C4-BC61-530557385DBD}"/>
+              </a:ext>
+              <a:ext uri="{C183D7F6-B498-43B3-948B-1728B52AA6E4}">
+                <adec:decorative xmlns:adec="http://schemas.microsoft.com/office/drawing/2017/decorative" val="1"/>
+              </a:ext>
+            </a:extLst>
+          </p:cNvPr>
+          <p:cNvGrpSpPr>
+            <a:grpSpLocks noGrp="1" noUngrp="1" noRot="1" noChangeAspect="1" noMove="1" noResize="1"/>
+          </p:cNvGrpSpPr>
+          <p:nvPr>
+            <p:extLst>
+              <p:ext uri="{386F3935-93C4-4BCD-93E2-E3B085C9AB24}">
+                <p16:designElem xmlns:p16="http://schemas.microsoft.com/office/powerpoint/2015/main" val="1"/>
+              </p:ext>
+            </p:extLst>
+          </p:nvPr>
+        </p:nvGrpSpPr>
+        <p:grpSpPr>
+          <a:xfrm>
+            <a:off x="11401725" y="6229681"/>
+            <a:ext cx="457200" cy="457200"/>
+            <a:chOff x="11361456" y="6195813"/>
+            <a:chExt cx="548640" cy="548640"/>
+          </a:xfrm>
+        </p:grpSpPr>
+        <p:sp>
+          <p:nvSpPr>
+            <p:cNvPr id="18" name="Oval 17">
+              <a:extLst>
+                <a:ext uri="{FF2B5EF4-FFF2-40B4-BE49-F238E27FC236}">
+                  <a16:creationId xmlns:a16="http://schemas.microsoft.com/office/drawing/2014/main" id="{54B91A37-AA1F-4966-8ACF-93023547DA92}"/>
+                </a:ext>
+                <a:ext uri="{C183D7F6-B498-43B3-948B-1728B52AA6E4}">
+                  <adec:decorative xmlns:adec="http://schemas.microsoft.com/office/drawing/2017/decorative" val="1"/>
+                </a:ext>
+              </a:extLst>
+            </p:cNvPr>
+            <p:cNvSpPr/>
+            <p:nvPr>
+              <p:extLst>
+                <p:ext uri="{386F3935-93C4-4BCD-93E2-E3B085C9AB24}">
+                  <p16:designElem xmlns:p16="http://schemas.microsoft.com/office/powerpoint/2015/main" val="1"/>
+                </p:ext>
+              </p:extLst>
+            </p:nvPr>
+          </p:nvSpPr>
+          <p:spPr>
+            <a:xfrm>
+              <a:off x="11361456" y="6195813"/>
+              <a:ext cx="548640" cy="548640"/>
+            </a:xfrm>
+            <a:prstGeom prst="ellipse">
+              <a:avLst/>
+            </a:prstGeom>
+            <a:blipFill dpi="0" rotWithShape="1">
+              <a:blip r:embed="rId2">
+                <a:duotone>
+                  <a:schemeClr val="accent1">
+                    <a:shade val="45000"/>
+                    <a:satMod val="135000"/>
+                  </a:schemeClr>
+                  <a:prstClr val="white"/>
+                </a:duotone>
+              </a:blip>
+              <a:srcRect/>
+              <a:tile tx="50800" ty="0" sx="85000" sy="85000" flip="none" algn="tl"/>
+            </a:blipFill>
+            <a:ln w="25400" cap="flat" cmpd="sng" algn="ctr">
+              <a:noFill/>
+              <a:prstDash val="solid"/>
+            </a:ln>
+            <a:effectLst/>
+          </p:spPr>
+          <p:txBody>
+            <a:bodyPr lIns="0" tIns="0" rIns="0" bIns="0" rtlCol="0" anchor="ctr"/>
+            <a:lstStyle/>
+            <a:p>
+              <a:pPr marL="0" marR="0" lvl="0" indent="0" algn="ctr" defTabSz="914400" eaLnBrk="1" fontAlgn="auto" latinLnBrk="0" hangingPunct="1">
+                <a:lnSpc>
+                  <a:spcPct val="100000"/>
+                </a:lnSpc>
+                <a:spcBef>
+                  <a:spcPts val="0"/>
+                </a:spcBef>
+                <a:spcAft>
+                  <a:spcPts val="0"/>
+                </a:spcAft>
+                <a:buClrTx/>
+                <a:buSzTx/>
+                <a:buFontTx/>
+                <a:buNone/>
+                <a:tabLst/>
+                <a:defRPr/>
+              </a:pPr>
+              <a:endParaRPr kumimoji="0" lang="en-US" sz="2000" b="0" i="0" u="none" strike="noStrike" kern="0" cap="none" spc="0" normalizeH="0" baseline="0" noProof="0" dirty="0">
+                <a:ln>
+                  <a:noFill/>
+                </a:ln>
+                <a:solidFill>
+                  <a:prstClr val="white"/>
+                </a:solidFill>
+                <a:effectLst/>
+                <a:uLnTx/>
+                <a:uFillTx/>
+                <a:latin typeface="Rockwell Extra Bold" pitchFamily="18" charset="0"/>
+                <a:ea typeface="+mn-ea"/>
+                <a:cs typeface="+mn-cs"/>
+              </a:endParaRPr>
+            </a:p>
+          </p:txBody>
+        </p:sp>
+        <p:sp>
+          <p:nvSpPr>
+            <p:cNvPr id="19" name="Oval 18">
+              <a:extLst>
+                <a:ext uri="{FF2B5EF4-FFF2-40B4-BE49-F238E27FC236}">
+                  <a16:creationId xmlns:a16="http://schemas.microsoft.com/office/drawing/2014/main" id="{17B17AC5-0931-432F-9A4A-DDCFAA010ABC}"/>
+                </a:ext>
+                <a:ext uri="{C183D7F6-B498-43B3-948B-1728B52AA6E4}">
+                  <adec:decorative xmlns:adec="http://schemas.microsoft.com/office/drawing/2017/decorative" val="1"/>
+                </a:ext>
+              </a:extLst>
+            </p:cNvPr>
+            <p:cNvSpPr/>
+            <p:nvPr>
+              <p:extLst>
+                <p:ext uri="{386F3935-93C4-4BCD-93E2-E3B085C9AB24}">
+                  <p16:designElem xmlns:p16="http://schemas.microsoft.com/office/powerpoint/2015/main" val="1"/>
+                </p:ext>
+              </p:extLst>
+            </p:nvPr>
+          </p:nvSpPr>
+          <p:spPr>
+            <a:xfrm>
+              <a:off x="11396488" y="6230844"/>
+              <a:ext cx="478576" cy="478578"/>
+            </a:xfrm>
+            <a:prstGeom prst="ellipse">
+              <a:avLst/>
+            </a:prstGeom>
+            <a:noFill/>
+            <a:ln w="12700" cap="flat" cmpd="sng" algn="ctr">
+              <a:solidFill>
+                <a:srgbClr val="FFFFFF"/>
+              </a:solidFill>
+              <a:prstDash val="solid"/>
+            </a:ln>
+            <a:effectLst/>
+          </p:spPr>
+          <p:txBody>
+            <a:bodyPr rtlCol="0" anchor="ctr"/>
+            <a:lstStyle/>
+            <a:p>
+              <a:pPr marL="0" marR="0" lvl="0" indent="0" algn="ctr" defTabSz="914400" eaLnBrk="1" fontAlgn="auto" latinLnBrk="0" hangingPunct="1">
+                <a:lnSpc>
+                  <a:spcPct val="100000"/>
+                </a:lnSpc>
+                <a:spcBef>
+                  <a:spcPts val="0"/>
+                </a:spcBef>
+                <a:spcAft>
+                  <a:spcPts val="0"/>
+                </a:spcAft>
+                <a:buClrTx/>
+                <a:buSzTx/>
+                <a:buFontTx/>
+                <a:buNone/>
+                <a:tabLst/>
+                <a:defRPr/>
+              </a:pPr>
+              <a:endParaRPr kumimoji="0" lang="en-US" sz="1800" b="0" i="0" u="none" strike="noStrike" kern="0" cap="none" spc="0" normalizeH="0" baseline="0" noProof="0" dirty="0">
+                <a:ln>
+                  <a:noFill/>
+                </a:ln>
+                <a:solidFill>
+                  <a:prstClr val="white"/>
+                </a:solidFill>
+                <a:effectLst/>
+                <a:uLnTx/>
+                <a:uFillTx/>
+                <a:latin typeface="Calibri"/>
+                <a:ea typeface="+mn-ea"/>
+                <a:cs typeface="+mn-cs"/>
+              </a:endParaRPr>
+            </a:p>
+          </p:txBody>
+        </p:sp>
+      </p:grpSp>
+    </p:spTree>
+    <p:extLst>
+      <p:ext uri="{BB962C8B-B14F-4D97-AF65-F5344CB8AC3E}">
+        <p14:creationId xmlns:p14="http://schemas.microsoft.com/office/powerpoint/2010/main" val="4240478774"/>
+      </p:ext>
+    </p:extLst>
+  </p:cSld>
+  <p:clrMapOvr>
+    <a:masterClrMapping/>
+  </p:clrMapOvr>
+</p:sld>
+</file>
+
+<file path=ppt/slides/slide6.xml><?xml version="1.0" encoding="utf-8"?>
+<p:sld xmlns:a="http://schemas.openxmlformats.org/drawingml/2006/main" xmlns:r="http://schemas.openxmlformats.org/officeDocument/2006/relationships" xmlns:p="http://schemas.openxmlformats.org/presentationml/2006/main">
+  <p:cSld>
+    <p:bg>
+      <p:bgPr>
+        <a:solidFill>
+          <a:schemeClr val="bg1"/>
+        </a:solidFill>
+        <a:effectLst/>
+      </p:bgPr>
+    </p:bg>
+    <p:spTree>
+      <p:nvGrpSpPr>
+        <p:cNvPr id="1" name=""/>
+        <p:cNvGrpSpPr/>
+        <p:nvPr/>
+      </p:nvGrpSpPr>
+      <p:grpSpPr>
+        <a:xfrm>
+          <a:off x="0" y="0"/>
+          <a:ext cx="0" cy="0"/>
+          <a:chOff x="0" y="0"/>
+          <a:chExt cx="0" cy="0"/>
+        </a:xfrm>
+      </p:grpSpPr>
+      <p:grpSp>
+        <p:nvGrpSpPr>
+          <p:cNvPr id="13" name="Group 12">
+            <a:extLst>
+              <a:ext uri="{FF2B5EF4-FFF2-40B4-BE49-F238E27FC236}">
+                <a16:creationId xmlns:a16="http://schemas.microsoft.com/office/drawing/2014/main" id="{EC78E3E1-BBBA-4058-AAEB-714F04B0257C}"/>
+              </a:ext>
+              <a:ext uri="{C183D7F6-B498-43B3-948B-1728B52AA6E4}">
+                <adec:decorative xmlns:adec="http://schemas.microsoft.com/office/drawing/2017/decorative" val="1"/>
+              </a:ext>
+            </a:extLst>
+          </p:cNvPr>
+          <p:cNvGrpSpPr>
+            <a:grpSpLocks noGrp="1" noUngrp="1" noRot="1" noChangeAspect="1" noMove="1" noResize="1"/>
+          </p:cNvGrpSpPr>
+          <p:nvPr>
+            <p:extLst>
+              <p:ext uri="{386F3935-93C4-4BCD-93E2-E3B085C9AB24}">
+                <p16:designElem xmlns:p16="http://schemas.microsoft.com/office/powerpoint/2015/main" val="1"/>
+              </p:ext>
+            </p:extLst>
+          </p:nvPr>
+        </p:nvGrpSpPr>
+        <p:grpSpPr>
+          <a:xfrm>
+            <a:off x="11401725" y="6229681"/>
+            <a:ext cx="457200" cy="457200"/>
+            <a:chOff x="11361456" y="6195813"/>
+            <a:chExt cx="548640" cy="548640"/>
+          </a:xfrm>
+        </p:grpSpPr>
+        <p:sp>
+          <p:nvSpPr>
+            <p:cNvPr id="14" name="Oval 13">
+              <a:extLst>
+                <a:ext uri="{FF2B5EF4-FFF2-40B4-BE49-F238E27FC236}">
+                  <a16:creationId xmlns:a16="http://schemas.microsoft.com/office/drawing/2014/main" id="{86860FA5-CE2B-4019-8FD1-031D7D84EF04}"/>
+                </a:ext>
+                <a:ext uri="{C183D7F6-B498-43B3-948B-1728B52AA6E4}">
+                  <adec:decorative xmlns:adec="http://schemas.microsoft.com/office/drawing/2017/decorative" val="1"/>
+                </a:ext>
+              </a:extLst>
+            </p:cNvPr>
+            <p:cNvSpPr/>
+            <p:nvPr>
+              <p:extLst>
+                <p:ext uri="{386F3935-93C4-4BCD-93E2-E3B085C9AB24}">
+                  <p16:designElem xmlns:p16="http://schemas.microsoft.com/office/powerpoint/2015/main" val="1"/>
+                </p:ext>
+              </p:extLst>
+            </p:nvPr>
+          </p:nvSpPr>
+          <p:spPr>
+            <a:xfrm>
+              <a:off x="11361456" y="6195813"/>
+              <a:ext cx="548640" cy="548640"/>
+            </a:xfrm>
+            <a:prstGeom prst="ellipse">
+              <a:avLst/>
+            </a:prstGeom>
+            <a:blipFill dpi="0" rotWithShape="1">
+              <a:blip r:embed="rId2">
+                <a:duotone>
+                  <a:schemeClr val="accent1">
+                    <a:shade val="45000"/>
+                    <a:satMod val="135000"/>
+                  </a:schemeClr>
+                  <a:prstClr val="white"/>
+                </a:duotone>
+                <a:extLst>
+                  <a:ext uri="{BEBA8EAE-BF5A-486C-A8C5-ECC9F3942E4B}">
+                    <a14:imgProps xmlns:a14="http://schemas.microsoft.com/office/drawing/2010/main">
+                      <a14:imgLayer r:embed="rId3">
+                        <a14:imgEffect>
+                          <a14:saturation sat="95000"/>
+                        </a14:imgEffect>
+                        <a14:imgEffect>
+                          <a14:brightnessContrast bright="-40000" contrast="20000"/>
+                        </a14:imgEffect>
+                      </a14:imgLayer>
+                    </a14:imgProps>
+                  </a:ext>
+                </a:extLst>
+              </a:blip>
+              <a:srcRect/>
+              <a:tile tx="50800" ty="0" sx="85000" sy="85000" flip="none" algn="tl"/>
+            </a:blipFill>
+            <a:ln w="25400" cap="flat" cmpd="sng" algn="ctr">
+              <a:noFill/>
+              <a:prstDash val="solid"/>
+            </a:ln>
+            <a:effectLst/>
+          </p:spPr>
+          <p:txBody>
+            <a:bodyPr lIns="0" tIns="0" rIns="0" bIns="0" rtlCol="0" anchor="ctr"/>
+            <a:lstStyle/>
+            <a:p>
+              <a:pPr marL="0" marR="0" lvl="0" indent="0" algn="ctr" defTabSz="914400" eaLnBrk="1" fontAlgn="auto" latinLnBrk="0" hangingPunct="1">
+                <a:lnSpc>
+                  <a:spcPct val="100000"/>
+                </a:lnSpc>
+                <a:spcBef>
+                  <a:spcPts val="0"/>
+                </a:spcBef>
+                <a:spcAft>
+                  <a:spcPts val="0"/>
+                </a:spcAft>
+                <a:buClrTx/>
+                <a:buSzTx/>
+                <a:buFontTx/>
+                <a:buNone/>
+                <a:tabLst/>
+                <a:defRPr/>
+              </a:pPr>
+              <a:endParaRPr kumimoji="0" lang="en-US" sz="2000" b="0" i="0" u="none" strike="noStrike" kern="0" cap="none" spc="0" normalizeH="0" baseline="0" noProof="0" dirty="0">
+                <a:ln>
+                  <a:noFill/>
+                </a:ln>
+                <a:solidFill>
+                  <a:prstClr val="white"/>
+                </a:solidFill>
+                <a:effectLst/>
+                <a:uLnTx/>
+                <a:uFillTx/>
+                <a:latin typeface="Rockwell Extra Bold" pitchFamily="18" charset="0"/>
+                <a:ea typeface="+mn-ea"/>
+                <a:cs typeface="+mn-cs"/>
+              </a:endParaRPr>
+            </a:p>
+          </p:txBody>
+        </p:sp>
+        <p:sp>
+          <p:nvSpPr>
+            <p:cNvPr id="15" name="Oval 14">
+              <a:extLst>
+                <a:ext uri="{FF2B5EF4-FFF2-40B4-BE49-F238E27FC236}">
+                  <a16:creationId xmlns:a16="http://schemas.microsoft.com/office/drawing/2014/main" id="{392DF474-2C37-4DC7-B889-E88EAADEA617}"/>
+                </a:ext>
+                <a:ext uri="{C183D7F6-B498-43B3-948B-1728B52AA6E4}">
+                  <adec:decorative xmlns:adec="http://schemas.microsoft.com/office/drawing/2017/decorative" val="1"/>
+                </a:ext>
+              </a:extLst>
+            </p:cNvPr>
+            <p:cNvSpPr/>
+            <p:nvPr>
+              <p:extLst>
+                <p:ext uri="{386F3935-93C4-4BCD-93E2-E3B085C9AB24}">
+                  <p16:designElem xmlns:p16="http://schemas.microsoft.com/office/powerpoint/2015/main" val="1"/>
+                </p:ext>
+              </p:extLst>
+            </p:nvPr>
+          </p:nvSpPr>
+          <p:spPr>
+            <a:xfrm>
+              <a:off x="11396488" y="6230844"/>
+              <a:ext cx="478576" cy="478578"/>
+            </a:xfrm>
+            <a:prstGeom prst="ellipse">
+              <a:avLst/>
+            </a:prstGeom>
+            <a:noFill/>
+            <a:ln w="12700" cap="flat" cmpd="sng" algn="ctr">
+              <a:solidFill>
+                <a:srgbClr val="FFFFFF"/>
+              </a:solidFill>
+              <a:prstDash val="solid"/>
+            </a:ln>
+            <a:effectLst/>
+          </p:spPr>
+          <p:txBody>
+            <a:bodyPr rtlCol="0" anchor="ctr"/>
+            <a:lstStyle/>
+            <a:p>
+              <a:pPr marL="0" marR="0" lvl="0" indent="0" algn="ctr" defTabSz="914400" eaLnBrk="1" fontAlgn="auto" latinLnBrk="0" hangingPunct="1">
+                <a:lnSpc>
+                  <a:spcPct val="100000"/>
+                </a:lnSpc>
+                <a:spcBef>
+                  <a:spcPts val="0"/>
+                </a:spcBef>
+                <a:spcAft>
+                  <a:spcPts val="0"/>
+                </a:spcAft>
+                <a:buClrTx/>
+                <a:buSzTx/>
+                <a:buFontTx/>
+                <a:buNone/>
+                <a:tabLst/>
+                <a:defRPr/>
+              </a:pPr>
+              <a:endParaRPr kumimoji="0" lang="en-US" sz="1800" b="0" i="0" u="none" strike="noStrike" kern="0" cap="none" spc="0" normalizeH="0" baseline="0" noProof="0" dirty="0">
+                <a:ln>
+                  <a:noFill/>
+                </a:ln>
+                <a:solidFill>
+                  <a:prstClr val="white"/>
+                </a:solidFill>
+                <a:effectLst/>
+                <a:uLnTx/>
+                <a:uFillTx/>
+                <a:latin typeface="Calibri"/>
+                <a:ea typeface="+mn-ea"/>
+                <a:cs typeface="+mn-cs"/>
+              </a:endParaRPr>
+            </a:p>
+          </p:txBody>
+        </p:sp>
+      </p:grpSp>
+      <p:sp>
+        <p:nvSpPr>
+          <p:cNvPr id="17" name="Rectangle 16">
+            <a:extLst>
+              <a:ext uri="{FF2B5EF4-FFF2-40B4-BE49-F238E27FC236}">
+                <a16:creationId xmlns:a16="http://schemas.microsoft.com/office/drawing/2014/main" id="{F3AF35CD-DA30-4E34-B0F3-32C27766DA05}"/>
+              </a:ext>
+              <a:ext uri="{C183D7F6-B498-43B3-948B-1728B52AA6E4}">
+                <adec:decorative xmlns:adec="http://schemas.microsoft.com/office/drawing/2017/decorative" val="1"/>
+              </a:ext>
+            </a:extLst>
+          </p:cNvPr>
+          <p:cNvSpPr>
+            <a:spLocks noGrp="1" noRot="1" noChangeAspect="1" noMove="1" noResize="1" noEditPoints="1" noAdjustHandles="1" noChangeArrowheads="1" noChangeShapeType="1" noTextEdit="1"/>
+          </p:cNvSpPr>
+          <p:nvPr>
+            <p:extLst>
+              <p:ext uri="{386F3935-93C4-4BCD-93E2-E3B085C9AB24}">
+                <p16:designElem xmlns:p16="http://schemas.microsoft.com/office/powerpoint/2015/main" val="1"/>
+              </p:ext>
+            </p:extLst>
+          </p:nvPr>
+        </p:nvSpPr>
+        <p:spPr>
+          <a:xfrm>
+            <a:off x="7836310" y="0"/>
+            <a:ext cx="4355689" cy="6857999"/>
+          </a:xfrm>
+          <a:prstGeom prst="rect">
+            <a:avLst/>
+          </a:prstGeom>
+          <a:blipFill dpi="0" rotWithShape="1">
+            <a:blip r:embed="rId4">
+              <a:alphaModFix amt="60000"/>
+              <a:lum bright="70000" contrast="-70000"/>
+              <a:extLst>
+                <a:ext uri="{BEBA8EAE-BF5A-486C-A8C5-ECC9F3942E4B}">
+                  <a14:imgProps xmlns:a14="http://schemas.microsoft.com/office/drawing/2010/main">
+                    <a14:imgLayer r:embed="rId5">
+                      <a14:imgEffect>
+                        <a14:sharpenSoften amount="61000"/>
+                      </a14:imgEffect>
+                    </a14:imgLayer>
+                  </a14:imgProps>
+                </a:ext>
+                <a:ext uri="{28A0092B-C50C-407E-A947-70E740481C1C}">
+                  <a14:useLocalDpi xmlns:a14="http://schemas.microsoft.com/office/drawing/2010/main" val="0"/>
+                </a:ext>
+              </a:extLst>
+            </a:blip>
+            <a:srcRect/>
+            <a:tile tx="0" ty="-704850" sx="92000" sy="89000" flip="xy" algn="ctr"/>
+          </a:blipFill>
+          <a:ln>
+            <a:noFill/>
+          </a:ln>
+        </p:spPr>
+        <p:style>
+          <a:lnRef idx="2">
+            <a:schemeClr val="accent1">
+              <a:shade val="50000"/>
+            </a:schemeClr>
+          </a:lnRef>
+          <a:fillRef idx="1">
+            <a:schemeClr val="accent1"/>
+          </a:fillRef>
+          <a:effectRef idx="0">
+            <a:schemeClr val="accent1"/>
+          </a:effectRef>
+          <a:fontRef idx="minor">
+            <a:schemeClr val="lt1"/>
+          </a:fontRef>
+        </p:style>
+        <p:txBody>
+          <a:bodyPr rtlCol="0" anchor="ctr"/>
+          <a:lstStyle/>
+          <a:p>
+            <a:pPr algn="ctr"/>
+            <a:endParaRPr lang="en-US"/>
+          </a:p>
+        </p:txBody>
+      </p:sp>
+      <p:sp>
+        <p:nvSpPr>
+          <p:cNvPr id="2" name="Título 1">
+            <a:extLst>
+              <a:ext uri="{FF2B5EF4-FFF2-40B4-BE49-F238E27FC236}">
+                <a16:creationId xmlns:a16="http://schemas.microsoft.com/office/drawing/2014/main" id="{F6DCC952-BC1C-D57E-EF10-63F8830FE61B}"/>
+              </a:ext>
+            </a:extLst>
+          </p:cNvPr>
+          <p:cNvSpPr>
+            <a:spLocks noGrp="1"/>
+          </p:cNvSpPr>
+          <p:nvPr>
+            <p:ph type="title"/>
+          </p:nvPr>
+        </p:nvSpPr>
+        <p:spPr>
+          <a:xfrm>
+            <a:off x="8156350" y="484632"/>
+            <a:ext cx="3544035" cy="1609344"/>
+          </a:xfrm>
+          <a:ln>
+            <a:noFill/>
+          </a:ln>
+        </p:spPr>
+        <p:txBody>
+          <a:bodyPr vert="horz" lIns="91440" tIns="45720" rIns="91440" bIns="45720" rtlCol="0" anchor="ctr">
+            <a:normAutofit/>
+          </a:bodyPr>
+          <a:lstStyle/>
+          <a:p>
+            <a:r>
+              <a:rPr lang="en-US" sz="3200" dirty="0"/>
+              <a:t>Punto 2 – consultas</a:t>
+            </a:r>
+          </a:p>
+        </p:txBody>
+      </p:sp>
+      <p:pic>
+        <p:nvPicPr>
+          <p:cNvPr id="8" name="Imagen 7">
+            <a:extLst>
+              <a:ext uri="{FF2B5EF4-FFF2-40B4-BE49-F238E27FC236}">
+                <a16:creationId xmlns:a16="http://schemas.microsoft.com/office/drawing/2014/main" id="{EA85A4ED-5C3A-838E-15DB-B071FA848974}"/>
+              </a:ext>
+            </a:extLst>
+          </p:cNvPr>
+          <p:cNvPicPr>
+            <a:picLocks noChangeAspect="1"/>
+          </p:cNvPicPr>
+          <p:nvPr/>
+        </p:nvPicPr>
+        <p:blipFill>
+          <a:blip r:embed="rId6"/>
+          <a:stretch>
+            <a:fillRect/>
+          </a:stretch>
+        </p:blipFill>
+        <p:spPr>
+          <a:xfrm>
+            <a:off x="633999" y="1076953"/>
+            <a:ext cx="6882269" cy="4714354"/>
+          </a:xfrm>
+          <a:prstGeom prst="rect">
+            <a:avLst/>
+          </a:prstGeom>
+        </p:spPr>
+      </p:pic>
+      <p:sp>
+        <p:nvSpPr>
+          <p:cNvPr id="3" name="CuadroTexto 2">
+            <a:extLst>
+              <a:ext uri="{FF2B5EF4-FFF2-40B4-BE49-F238E27FC236}">
+                <a16:creationId xmlns:a16="http://schemas.microsoft.com/office/drawing/2014/main" id="{0A910BA6-1939-33AC-20A7-38A19B35D755}"/>
+              </a:ext>
+            </a:extLst>
+          </p:cNvPr>
+          <p:cNvSpPr txBox="1"/>
+          <p:nvPr/>
+        </p:nvSpPr>
+        <p:spPr>
+          <a:xfrm>
+            <a:off x="8156351" y="2121408"/>
+            <a:ext cx="3544034" cy="4050792"/>
+          </a:xfrm>
+          <a:prstGeom prst="rect">
+            <a:avLst/>
+          </a:prstGeom>
+        </p:spPr>
+        <p:txBody>
+          <a:bodyPr vert="horz" lIns="91440" tIns="45720" rIns="91440" bIns="45720" rtlCol="0">
+            <a:normAutofit/>
+          </a:bodyPr>
+          <a:lstStyle/>
+          <a:p>
+            <a:pPr indent="-182880" defTabSz="914400">
+              <a:lnSpc>
+                <a:spcPct val="90000"/>
+              </a:lnSpc>
+              <a:spcAft>
+                <a:spcPts val="600"/>
+              </a:spcAft>
+              <a:buClr>
+                <a:schemeClr val="accent1">
+                  <a:lumMod val="75000"/>
+                </a:schemeClr>
+              </a:buClr>
+              <a:buSzPct val="85000"/>
+              <a:buFont typeface="Wingdings" pitchFamily="2" charset="2"/>
+              <a:buChar char="§"/>
+            </a:pPr>
+            <a:r>
+              <a:rPr lang="es-CO" sz="1600" dirty="0"/>
+              <a:t>Consulta 1 – UNION</a:t>
+            </a:r>
+          </a:p>
+          <a:p>
+            <a:pPr defTabSz="914400">
+              <a:lnSpc>
+                <a:spcPct val="90000"/>
+              </a:lnSpc>
+              <a:spcAft>
+                <a:spcPts val="600"/>
+              </a:spcAft>
+              <a:buClr>
+                <a:schemeClr val="accent1">
+                  <a:lumMod val="75000"/>
+                </a:schemeClr>
+              </a:buClr>
+              <a:buSzPct val="85000"/>
+            </a:pPr>
+            <a:endParaRPr lang="es-CO" sz="1600" dirty="0"/>
+          </a:p>
+          <a:p>
+            <a:pPr defTabSz="914400">
+              <a:lnSpc>
+                <a:spcPct val="90000"/>
+              </a:lnSpc>
+              <a:spcAft>
+                <a:spcPts val="600"/>
+              </a:spcAft>
+              <a:buClr>
+                <a:schemeClr val="accent1">
+                  <a:lumMod val="75000"/>
+                </a:schemeClr>
+              </a:buClr>
+              <a:buSzPct val="85000"/>
+            </a:pPr>
+            <a:r>
+              <a:rPr lang="es-CO" sz="1600" dirty="0"/>
+              <a:t>En esta consulta hacemos la </a:t>
+            </a:r>
+            <a:r>
+              <a:rPr lang="es-CO" sz="1600" dirty="0" err="1"/>
+              <a:t>union</a:t>
+            </a:r>
+            <a:r>
+              <a:rPr lang="es-CO" sz="1600" dirty="0"/>
+              <a:t> de dos tipos de memoria </a:t>
+            </a:r>
+            <a:r>
+              <a:rPr lang="es-CO" sz="1600" dirty="0" err="1"/>
+              <a:t>ram</a:t>
+            </a:r>
+            <a:r>
+              <a:rPr lang="es-CO" sz="1600" dirty="0"/>
+              <a:t>.</a:t>
+            </a:r>
+          </a:p>
+          <a:p>
+            <a:pPr indent="-182880" defTabSz="914400">
+              <a:lnSpc>
+                <a:spcPct val="90000"/>
+              </a:lnSpc>
+              <a:spcAft>
+                <a:spcPts val="600"/>
+              </a:spcAft>
+              <a:buClr>
+                <a:schemeClr val="accent1">
+                  <a:lumMod val="75000"/>
+                </a:schemeClr>
+              </a:buClr>
+              <a:buSzPct val="85000"/>
+              <a:buFont typeface="Wingdings" pitchFamily="2" charset="2"/>
+              <a:buChar char="§"/>
+            </a:pPr>
+            <a:endParaRPr lang="en-US" sz="1600" dirty="0"/>
+          </a:p>
+        </p:txBody>
+      </p:sp>
+      <p:grpSp>
+        <p:nvGrpSpPr>
+          <p:cNvPr id="19" name="Group 18">
+            <a:extLst>
+              <a:ext uri="{FF2B5EF4-FFF2-40B4-BE49-F238E27FC236}">
+                <a16:creationId xmlns:a16="http://schemas.microsoft.com/office/drawing/2014/main" id="{BCFC42DC-2C46-47C4-BC61-530557385DBD}"/>
+              </a:ext>
+              <a:ext uri="{C183D7F6-B498-43B3-948B-1728B52AA6E4}">
+                <adec:decorative xmlns:adec="http://schemas.microsoft.com/office/drawing/2017/decorative" val="1"/>
+              </a:ext>
+            </a:extLst>
+          </p:cNvPr>
+          <p:cNvGrpSpPr>
+            <a:grpSpLocks noGrp="1" noUngrp="1" noRot="1" noChangeAspect="1" noMove="1" noResize="1"/>
+          </p:cNvGrpSpPr>
+          <p:nvPr>
+            <p:extLst>
+              <p:ext uri="{386F3935-93C4-4BCD-93E2-E3B085C9AB24}">
+                <p16:designElem xmlns:p16="http://schemas.microsoft.com/office/powerpoint/2015/main" val="1"/>
+              </p:ext>
+            </p:extLst>
+          </p:nvPr>
+        </p:nvGrpSpPr>
+        <p:grpSpPr>
+          <a:xfrm>
+            <a:off x="11401725" y="6229681"/>
+            <a:ext cx="457200" cy="457200"/>
+            <a:chOff x="11361456" y="6195813"/>
+            <a:chExt cx="548640" cy="548640"/>
+          </a:xfrm>
+        </p:grpSpPr>
+        <p:sp>
+          <p:nvSpPr>
+            <p:cNvPr id="20" name="Oval 19">
+              <a:extLst>
+                <a:ext uri="{FF2B5EF4-FFF2-40B4-BE49-F238E27FC236}">
+                  <a16:creationId xmlns:a16="http://schemas.microsoft.com/office/drawing/2014/main" id="{54B91A37-AA1F-4966-8ACF-93023547DA92}"/>
+                </a:ext>
+                <a:ext uri="{C183D7F6-B498-43B3-948B-1728B52AA6E4}">
+                  <adec:decorative xmlns:adec="http://schemas.microsoft.com/office/drawing/2017/decorative" val="1"/>
+                </a:ext>
+              </a:extLst>
+            </p:cNvPr>
+            <p:cNvSpPr/>
+            <p:nvPr>
+              <p:extLst>
+                <p:ext uri="{386F3935-93C4-4BCD-93E2-E3B085C9AB24}">
+                  <p16:designElem xmlns:p16="http://schemas.microsoft.com/office/powerpoint/2015/main" val="1"/>
+                </p:ext>
+              </p:extLst>
+            </p:nvPr>
+          </p:nvSpPr>
+          <p:spPr>
+            <a:xfrm>
+              <a:off x="11361456" y="6195813"/>
+              <a:ext cx="548640" cy="548640"/>
+            </a:xfrm>
+            <a:prstGeom prst="ellipse">
+              <a:avLst/>
+            </a:prstGeom>
+            <a:blipFill dpi="0" rotWithShape="1">
+              <a:blip r:embed="rId2">
+                <a:duotone>
+                  <a:schemeClr val="accent1">
+                    <a:shade val="45000"/>
+                    <a:satMod val="135000"/>
+                  </a:schemeClr>
+                  <a:prstClr val="white"/>
+                </a:duotone>
+              </a:blip>
+              <a:srcRect/>
+              <a:tile tx="50800" ty="0" sx="85000" sy="85000" flip="none" algn="tl"/>
+            </a:blipFill>
+            <a:ln w="25400" cap="flat" cmpd="sng" algn="ctr">
+              <a:noFill/>
+              <a:prstDash val="solid"/>
+            </a:ln>
+            <a:effectLst/>
+          </p:spPr>
+          <p:txBody>
+            <a:bodyPr lIns="0" tIns="0" rIns="0" bIns="0" rtlCol="0" anchor="ctr"/>
+            <a:lstStyle/>
+            <a:p>
+              <a:pPr marL="0" marR="0" lvl="0" indent="0" algn="ctr" defTabSz="914400" eaLnBrk="1" fontAlgn="auto" latinLnBrk="0" hangingPunct="1">
+                <a:lnSpc>
+                  <a:spcPct val="100000"/>
+                </a:lnSpc>
+                <a:spcBef>
+                  <a:spcPts val="0"/>
+                </a:spcBef>
+                <a:spcAft>
+                  <a:spcPts val="0"/>
+                </a:spcAft>
+                <a:buClrTx/>
+                <a:buSzTx/>
+                <a:buFontTx/>
+                <a:buNone/>
+                <a:tabLst/>
+                <a:defRPr/>
+              </a:pPr>
+              <a:endParaRPr kumimoji="0" lang="en-US" sz="2000" b="0" i="0" u="none" strike="noStrike" kern="0" cap="none" spc="0" normalizeH="0" baseline="0" noProof="0" dirty="0">
+                <a:ln>
+                  <a:noFill/>
+                </a:ln>
+                <a:solidFill>
+                  <a:prstClr val="white"/>
+                </a:solidFill>
+                <a:effectLst/>
+                <a:uLnTx/>
+                <a:uFillTx/>
+                <a:latin typeface="Rockwell Extra Bold" pitchFamily="18" charset="0"/>
+                <a:ea typeface="+mn-ea"/>
+                <a:cs typeface="+mn-cs"/>
+              </a:endParaRPr>
+            </a:p>
+          </p:txBody>
+        </p:sp>
+        <p:sp>
+          <p:nvSpPr>
+            <p:cNvPr id="21" name="Oval 20">
+              <a:extLst>
+                <a:ext uri="{FF2B5EF4-FFF2-40B4-BE49-F238E27FC236}">
+                  <a16:creationId xmlns:a16="http://schemas.microsoft.com/office/drawing/2014/main" id="{17B17AC5-0931-432F-9A4A-DDCFAA010ABC}"/>
+                </a:ext>
+                <a:ext uri="{C183D7F6-B498-43B3-948B-1728B52AA6E4}">
+                  <adec:decorative xmlns:adec="http://schemas.microsoft.com/office/drawing/2017/decorative" val="1"/>
+                </a:ext>
+              </a:extLst>
+            </p:cNvPr>
+            <p:cNvSpPr/>
+            <p:nvPr>
+              <p:extLst>
+                <p:ext uri="{386F3935-93C4-4BCD-93E2-E3B085C9AB24}">
+                  <p16:designElem xmlns:p16="http://schemas.microsoft.com/office/powerpoint/2015/main" val="1"/>
+                </p:ext>
+              </p:extLst>
+            </p:nvPr>
+          </p:nvSpPr>
+          <p:spPr>
+            <a:xfrm>
+              <a:off x="11396488" y="6230844"/>
+              <a:ext cx="478576" cy="478578"/>
+            </a:xfrm>
+            <a:prstGeom prst="ellipse">
+              <a:avLst/>
+            </a:prstGeom>
+            <a:noFill/>
+            <a:ln w="12700" cap="flat" cmpd="sng" algn="ctr">
+              <a:solidFill>
+                <a:srgbClr val="FFFFFF"/>
+              </a:solidFill>
+              <a:prstDash val="solid"/>
+            </a:ln>
+            <a:effectLst/>
+          </p:spPr>
+          <p:txBody>
+            <a:bodyPr rtlCol="0" anchor="ctr"/>
+            <a:lstStyle/>
+            <a:p>
+              <a:pPr marL="0" marR="0" lvl="0" indent="0" algn="ctr" defTabSz="914400" eaLnBrk="1" fontAlgn="auto" latinLnBrk="0" hangingPunct="1">
+                <a:lnSpc>
+                  <a:spcPct val="100000"/>
+                </a:lnSpc>
+                <a:spcBef>
+                  <a:spcPts val="0"/>
+                </a:spcBef>
+                <a:spcAft>
+                  <a:spcPts val="0"/>
+                </a:spcAft>
+                <a:buClrTx/>
+                <a:buSzTx/>
+                <a:buFontTx/>
+                <a:buNone/>
+                <a:tabLst/>
+                <a:defRPr/>
+              </a:pPr>
+              <a:endParaRPr kumimoji="0" lang="en-US" sz="1800" b="0" i="0" u="none" strike="noStrike" kern="0" cap="none" spc="0" normalizeH="0" baseline="0" noProof="0" dirty="0">
+                <a:ln>
+                  <a:noFill/>
+                </a:ln>
+                <a:solidFill>
+                  <a:prstClr val="white"/>
+                </a:solidFill>
+                <a:effectLst/>
+                <a:uLnTx/>
+                <a:uFillTx/>
+                <a:latin typeface="Calibri"/>
+                <a:ea typeface="+mn-ea"/>
+                <a:cs typeface="+mn-cs"/>
+              </a:endParaRPr>
+            </a:p>
+          </p:txBody>
+        </p:sp>
+      </p:grpSp>
+    </p:spTree>
+    <p:extLst>
+      <p:ext uri="{BB962C8B-B14F-4D97-AF65-F5344CB8AC3E}">
+        <p14:creationId xmlns:p14="http://schemas.microsoft.com/office/powerpoint/2010/main" val="3414715069"/>
+      </p:ext>
+    </p:extLst>
+  </p:cSld>
+  <p:clrMapOvr>
+    <a:masterClrMapping/>
+  </p:clrMapOvr>
+</p:sld>
+</file>
+
+<file path=ppt/slides/slide7.xml><?xml version="1.0" encoding="utf-8"?>
+<p:sld xmlns:a="http://schemas.openxmlformats.org/drawingml/2006/main" xmlns:r="http://schemas.openxmlformats.org/officeDocument/2006/relationships" xmlns:p="http://schemas.openxmlformats.org/presentationml/2006/main">
+  <p:cSld>
+    <p:bg>
+      <p:bgPr>
+        <a:solidFill>
+          <a:schemeClr val="bg1"/>
+        </a:solidFill>
+        <a:effectLst/>
+      </p:bgPr>
+    </p:bg>
+    <p:spTree>
+      <p:nvGrpSpPr>
+        <p:cNvPr id="1" name=""/>
+        <p:cNvGrpSpPr/>
+        <p:nvPr/>
+      </p:nvGrpSpPr>
+      <p:grpSpPr>
+        <a:xfrm>
+          <a:off x="0" y="0"/>
+          <a:ext cx="0" cy="0"/>
+          <a:chOff x="0" y="0"/>
+          <a:chExt cx="0" cy="0"/>
+        </a:xfrm>
+      </p:grpSpPr>
+      <p:grpSp>
+        <p:nvGrpSpPr>
+          <p:cNvPr id="15" name="Group 14">
+            <a:extLst>
+              <a:ext uri="{FF2B5EF4-FFF2-40B4-BE49-F238E27FC236}">
+                <a16:creationId xmlns:a16="http://schemas.microsoft.com/office/drawing/2014/main" id="{01C40124-1649-4FF2-8F64-C8284EB9FD2C}"/>
+              </a:ext>
+              <a:ext uri="{C183D7F6-B498-43B3-948B-1728B52AA6E4}">
+                <adec:decorative xmlns:adec="http://schemas.microsoft.com/office/drawing/2017/decorative" val="1"/>
+              </a:ext>
+            </a:extLst>
+          </p:cNvPr>
+          <p:cNvGrpSpPr>
+            <a:grpSpLocks noGrp="1" noUngrp="1" noRot="1" noChangeAspect="1" noMove="1" noResize="1"/>
+          </p:cNvGrpSpPr>
+          <p:nvPr>
+            <p:extLst>
+              <p:ext uri="{386F3935-93C4-4BCD-93E2-E3B085C9AB24}">
+                <p16:designElem xmlns:p16="http://schemas.microsoft.com/office/powerpoint/2015/main" val="1"/>
+              </p:ext>
+            </p:extLst>
+          </p:nvPr>
+        </p:nvGrpSpPr>
+        <p:grpSpPr>
+          <a:xfrm>
+            <a:off x="11401725" y="6229681"/>
+            <a:ext cx="457200" cy="457200"/>
+            <a:chOff x="11361456" y="6195813"/>
+            <a:chExt cx="548640" cy="548640"/>
+          </a:xfrm>
+        </p:grpSpPr>
+        <p:sp>
+          <p:nvSpPr>
+            <p:cNvPr id="16" name="Oval 15">
+              <a:extLst>
+                <a:ext uri="{FF2B5EF4-FFF2-40B4-BE49-F238E27FC236}">
+                  <a16:creationId xmlns:a16="http://schemas.microsoft.com/office/drawing/2014/main" id="{086727CD-9977-4B25-9516-2B6E06AAA6AD}"/>
+                </a:ext>
+                <a:ext uri="{C183D7F6-B498-43B3-948B-1728B52AA6E4}">
+                  <adec:decorative xmlns:adec="http://schemas.microsoft.com/office/drawing/2017/decorative" val="1"/>
+                </a:ext>
+              </a:extLst>
+            </p:cNvPr>
+            <p:cNvSpPr/>
+            <p:nvPr>
+              <p:extLst>
+                <p:ext uri="{386F3935-93C4-4BCD-93E2-E3B085C9AB24}">
+                  <p16:designElem xmlns:p16="http://schemas.microsoft.com/office/powerpoint/2015/main" val="1"/>
+                </p:ext>
+              </p:extLst>
+            </p:nvPr>
+          </p:nvSpPr>
+          <p:spPr>
+            <a:xfrm>
+              <a:off x="11361456" y="6195813"/>
+              <a:ext cx="548640" cy="548640"/>
+            </a:xfrm>
+            <a:prstGeom prst="ellipse">
+              <a:avLst/>
+            </a:prstGeom>
+            <a:blipFill dpi="0" rotWithShape="1">
+              <a:blip r:embed="rId2">
+                <a:duotone>
+                  <a:schemeClr val="accent1">
+                    <a:shade val="45000"/>
+                    <a:satMod val="135000"/>
+                  </a:schemeClr>
+                  <a:prstClr val="white"/>
+                </a:duotone>
+                <a:extLst>
+                  <a:ext uri="{BEBA8EAE-BF5A-486C-A8C5-ECC9F3942E4B}">
+                    <a14:imgProps xmlns:a14="http://schemas.microsoft.com/office/drawing/2010/main">
+                      <a14:imgLayer r:embed="rId3">
+                        <a14:imgEffect>
+                          <a14:saturation sat="95000"/>
+                        </a14:imgEffect>
+                        <a14:imgEffect>
+                          <a14:brightnessContrast bright="-40000" contrast="20000"/>
+                        </a14:imgEffect>
+                      </a14:imgLayer>
+                    </a14:imgProps>
+                  </a:ext>
+                </a:extLst>
+              </a:blip>
+              <a:srcRect/>
+              <a:tile tx="50800" ty="0" sx="85000" sy="85000" flip="none" algn="tl"/>
+            </a:blipFill>
+            <a:ln w="25400" cap="flat" cmpd="sng" algn="ctr">
+              <a:noFill/>
+              <a:prstDash val="solid"/>
+            </a:ln>
+            <a:effectLst/>
+          </p:spPr>
+          <p:txBody>
+            <a:bodyPr lIns="0" tIns="0" rIns="0" bIns="0" rtlCol="0" anchor="ctr"/>
+            <a:lstStyle/>
+            <a:p>
+              <a:pPr marL="0" marR="0" lvl="0" indent="0" algn="ctr" defTabSz="914400" eaLnBrk="1" fontAlgn="auto" latinLnBrk="0" hangingPunct="1">
+                <a:lnSpc>
+                  <a:spcPct val="100000"/>
+                </a:lnSpc>
+                <a:spcBef>
+                  <a:spcPts val="0"/>
+                </a:spcBef>
+                <a:spcAft>
+                  <a:spcPts val="0"/>
+                </a:spcAft>
+                <a:buClrTx/>
+                <a:buSzTx/>
+                <a:buFontTx/>
+                <a:buNone/>
+                <a:tabLst/>
+                <a:defRPr/>
+              </a:pPr>
+              <a:endParaRPr kumimoji="0" lang="en-US" sz="2000" b="0" i="0" u="none" strike="noStrike" kern="0" cap="none" spc="0" normalizeH="0" baseline="0" noProof="0" dirty="0">
+                <a:ln>
+                  <a:noFill/>
+                </a:ln>
+                <a:solidFill>
+                  <a:prstClr val="white"/>
+                </a:solidFill>
+                <a:effectLst/>
+                <a:uLnTx/>
+                <a:uFillTx/>
+                <a:latin typeface="Rockwell Extra Bold" pitchFamily="18" charset="0"/>
+                <a:ea typeface="+mn-ea"/>
+                <a:cs typeface="+mn-cs"/>
+              </a:endParaRPr>
+            </a:p>
+          </p:txBody>
+        </p:sp>
+        <p:sp>
+          <p:nvSpPr>
+            <p:cNvPr id="17" name="Oval 16">
+              <a:extLst>
+                <a:ext uri="{FF2B5EF4-FFF2-40B4-BE49-F238E27FC236}">
+                  <a16:creationId xmlns:a16="http://schemas.microsoft.com/office/drawing/2014/main" id="{219F4D31-E06B-4B98-A1F1-A29AFCBDD00F}"/>
+                </a:ext>
+                <a:ext uri="{C183D7F6-B498-43B3-948B-1728B52AA6E4}">
+                  <adec:decorative xmlns:adec="http://schemas.microsoft.com/office/drawing/2017/decorative" val="1"/>
+                </a:ext>
+              </a:extLst>
+            </p:cNvPr>
+            <p:cNvSpPr/>
+            <p:nvPr>
+              <p:extLst>
+                <p:ext uri="{386F3935-93C4-4BCD-93E2-E3B085C9AB24}">
+                  <p16:designElem xmlns:p16="http://schemas.microsoft.com/office/powerpoint/2015/main" val="1"/>
+                </p:ext>
+              </p:extLst>
+            </p:nvPr>
+          </p:nvSpPr>
+          <p:spPr>
+            <a:xfrm>
+              <a:off x="11396488" y="6230844"/>
+              <a:ext cx="478576" cy="478578"/>
+            </a:xfrm>
+            <a:prstGeom prst="ellipse">
+              <a:avLst/>
+            </a:prstGeom>
+            <a:noFill/>
+            <a:ln w="12700" cap="flat" cmpd="sng" algn="ctr">
+              <a:solidFill>
+                <a:srgbClr val="FFFFFF"/>
+              </a:solidFill>
+              <a:prstDash val="solid"/>
+            </a:ln>
+            <a:effectLst/>
+          </p:spPr>
+          <p:txBody>
+            <a:bodyPr rtlCol="0" anchor="ctr"/>
+            <a:lstStyle/>
+            <a:p>
+              <a:pPr marL="0" marR="0" lvl="0" indent="0" algn="ctr" defTabSz="914400" eaLnBrk="1" fontAlgn="auto" latinLnBrk="0" hangingPunct="1">
+                <a:lnSpc>
+                  <a:spcPct val="100000"/>
+                </a:lnSpc>
+                <a:spcBef>
+                  <a:spcPts val="0"/>
+                </a:spcBef>
+                <a:spcAft>
+                  <a:spcPts val="0"/>
+                </a:spcAft>
+                <a:buClrTx/>
+                <a:buSzTx/>
+                <a:buFontTx/>
+                <a:buNone/>
+                <a:tabLst/>
+                <a:defRPr/>
+              </a:pPr>
+              <a:endParaRPr kumimoji="0" lang="en-US" sz="1800" b="0" i="0" u="none" strike="noStrike" kern="0" cap="none" spc="0" normalizeH="0" baseline="0" noProof="0" dirty="0">
+                <a:ln>
+                  <a:noFill/>
+                </a:ln>
+                <a:solidFill>
+                  <a:prstClr val="white"/>
+                </a:solidFill>
+                <a:effectLst/>
+                <a:uLnTx/>
+                <a:uFillTx/>
+                <a:latin typeface="Calibri"/>
+                <a:ea typeface="+mn-ea"/>
+                <a:cs typeface="+mn-cs"/>
+              </a:endParaRPr>
+            </a:p>
+          </p:txBody>
+        </p:sp>
+      </p:grpSp>
+      <p:sp useBgFill="1">
+        <p:nvSpPr>
+          <p:cNvPr id="19" name="Rectangle 18">
+            <a:extLst>
+              <a:ext uri="{FF2B5EF4-FFF2-40B4-BE49-F238E27FC236}">
+                <a16:creationId xmlns:a16="http://schemas.microsoft.com/office/drawing/2014/main" id="{E009DD9B-5EE2-4C0D-8B2B-351C8C102205}"/>
+              </a:ext>
+              <a:ext uri="{C183D7F6-B498-43B3-948B-1728B52AA6E4}">
+                <adec:decorative xmlns:adec="http://schemas.microsoft.com/office/drawing/2017/decorative" val="1"/>
+              </a:ext>
+            </a:extLst>
+          </p:cNvPr>
+          <p:cNvSpPr>
+            <a:spLocks noGrp="1" noRot="1" noChangeAspect="1" noMove="1" noResize="1" noEditPoints="1" noAdjustHandles="1" noChangeArrowheads="1" noChangeShapeType="1" noTextEdit="1"/>
+          </p:cNvSpPr>
+          <p:nvPr>
+            <p:extLst>
+              <p:ext uri="{386F3935-93C4-4BCD-93E2-E3B085C9AB24}">
+                <p16:designElem xmlns:p16="http://schemas.microsoft.com/office/powerpoint/2015/main" val="1"/>
+              </p:ext>
+            </p:extLst>
+          </p:nvPr>
+        </p:nvSpPr>
+        <p:spPr>
+          <a:xfrm>
+            <a:off x="0" y="0"/>
+            <a:ext cx="12192000" cy="6858000"/>
+          </a:xfrm>
+          <a:prstGeom prst="rect">
+            <a:avLst/>
+          </a:prstGeom>
+          <a:ln>
+            <a:noFill/>
+          </a:ln>
+        </p:spPr>
+        <p:style>
+          <a:lnRef idx="2">
+            <a:schemeClr val="accent1">
+              <a:shade val="50000"/>
+            </a:schemeClr>
+          </a:lnRef>
+          <a:fillRef idx="1">
+            <a:schemeClr val="accent1"/>
+          </a:fillRef>
+          <a:effectRef idx="0">
+            <a:schemeClr val="accent1"/>
+          </a:effectRef>
+          <a:fontRef idx="minor">
+            <a:schemeClr val="lt1"/>
+          </a:fontRef>
+        </p:style>
+        <p:txBody>
+          <a:bodyPr rtlCol="0" anchor="ctr"/>
+          <a:lstStyle/>
+          <a:p>
+            <a:pPr marL="0" marR="0" lvl="0" indent="0" algn="ctr" defTabSz="914400" rtl="0" eaLnBrk="1" fontAlgn="auto" latinLnBrk="0" hangingPunct="1">
+              <a:lnSpc>
+                <a:spcPct val="100000"/>
+              </a:lnSpc>
+              <a:spcBef>
+                <a:spcPts val="0"/>
+              </a:spcBef>
+              <a:spcAft>
+                <a:spcPts val="0"/>
+              </a:spcAft>
+              <a:buClrTx/>
+              <a:buSzTx/>
+              <a:buFontTx/>
+              <a:buNone/>
+              <a:tabLst/>
+              <a:defRPr/>
+            </a:pPr>
+            <a:endParaRPr kumimoji="0" lang="en-US" sz="1800" b="0" i="0" u="none" strike="noStrike" kern="1200" cap="none" spc="0" normalizeH="0" baseline="0" noProof="0">
+              <a:ln>
+                <a:noFill/>
+              </a:ln>
+              <a:solidFill>
+                <a:prstClr val="white"/>
+              </a:solidFill>
+              <a:effectLst/>
+              <a:uLnTx/>
+              <a:uFillTx/>
+              <a:latin typeface="Rockwell" panose="02060603020205020403"/>
+              <a:ea typeface="+mn-ea"/>
+              <a:cs typeface="+mn-cs"/>
+            </a:endParaRPr>
+          </a:p>
+        </p:txBody>
+      </p:sp>
+      <p:sp>
+        <p:nvSpPr>
+          <p:cNvPr id="21" name="Rectangle 20">
+            <a:extLst>
+              <a:ext uri="{FF2B5EF4-FFF2-40B4-BE49-F238E27FC236}">
+                <a16:creationId xmlns:a16="http://schemas.microsoft.com/office/drawing/2014/main" id="{E720DB99-7745-4E75-9D96-AAB6D55C531E}"/>
+              </a:ext>
+              <a:ext uri="{C183D7F6-B498-43B3-948B-1728B52AA6E4}">
+                <adec:decorative xmlns:adec="http://schemas.microsoft.com/office/drawing/2017/decorative" val="1"/>
+              </a:ext>
+            </a:extLst>
+          </p:cNvPr>
+          <p:cNvSpPr>
+            <a:spLocks noGrp="1" noRot="1" noChangeAspect="1" noMove="1" noResize="1" noEditPoints="1" noAdjustHandles="1" noChangeArrowheads="1" noChangeShapeType="1" noTextEdit="1"/>
+          </p:cNvSpPr>
+          <p:nvPr>
+            <p:extLst>
+              <p:ext uri="{386F3935-93C4-4BCD-93E2-E3B085C9AB24}">
+                <p16:designElem xmlns:p16="http://schemas.microsoft.com/office/powerpoint/2015/main" val="1"/>
+              </p:ext>
+            </p:extLst>
+          </p:nvPr>
+        </p:nvSpPr>
+        <p:spPr>
+          <a:xfrm>
+            <a:off x="984504" y="3837459"/>
+            <a:ext cx="10222992" cy="80683"/>
+          </a:xfrm>
+          <a:prstGeom prst="rect">
+            <a:avLst/>
+          </a:prstGeom>
+          <a:blipFill dpi="0" rotWithShape="1">
+            <a:blip r:embed="rId4">
+              <a:alphaModFix amt="85000"/>
+              <a:lum bright="70000" contrast="-70000"/>
+              <a:extLst>
+                <a:ext uri="{BEBA8EAE-BF5A-486C-A8C5-ECC9F3942E4B}">
+                  <a14:imgProps xmlns:a14="http://schemas.microsoft.com/office/drawing/2010/main">
+                    <a14:imgLayer r:embed="rId5">
+                      <a14:imgEffect>
+                        <a14:sharpenSoften amount="61000"/>
+                      </a14:imgEffect>
+                    </a14:imgLayer>
+                  </a14:imgProps>
+                </a:ext>
+                <a:ext uri="{28A0092B-C50C-407E-A947-70E740481C1C}">
+                  <a14:useLocalDpi xmlns:a14="http://schemas.microsoft.com/office/drawing/2010/main" val="0"/>
+                </a:ext>
+              </a:extLst>
+            </a:blip>
+            <a:srcRect/>
+            <a:tile tx="0" ty="-762000" sx="92000" sy="89000" flip="xy" algn="ctr"/>
+          </a:blipFill>
+          <a:ln>
+            <a:noFill/>
+          </a:ln>
+        </p:spPr>
+        <p:style>
+          <a:lnRef idx="2">
+            <a:schemeClr val="accent1">
+              <a:shade val="50000"/>
+            </a:schemeClr>
+          </a:lnRef>
+          <a:fillRef idx="1">
+            <a:schemeClr val="accent1"/>
+          </a:fillRef>
+          <a:effectRef idx="0">
+            <a:schemeClr val="accent1"/>
+          </a:effectRef>
+          <a:fontRef idx="minor">
+            <a:schemeClr val="lt1"/>
+          </a:fontRef>
+        </p:style>
+      </p:sp>
+      <p:sp>
+        <p:nvSpPr>
+          <p:cNvPr id="23" name="Rectangle 22">
+            <a:extLst>
+              <a:ext uri="{FF2B5EF4-FFF2-40B4-BE49-F238E27FC236}">
+                <a16:creationId xmlns:a16="http://schemas.microsoft.com/office/drawing/2014/main" id="{D68803C4-E159-4360-B7BB-74205C8F782D}"/>
+              </a:ext>
+              <a:ext uri="{C183D7F6-B498-43B3-948B-1728B52AA6E4}">
+                <adec:decorative xmlns:adec="http://schemas.microsoft.com/office/drawing/2017/decorative" val="1"/>
+              </a:ext>
+            </a:extLst>
+          </p:cNvPr>
+          <p:cNvSpPr>
+            <a:spLocks noGrp="1" noRot="1" noChangeAspect="1" noMove="1" noResize="1" noEditPoints="1" noAdjustHandles="1" noChangeArrowheads="1" noChangeShapeType="1" noTextEdit="1"/>
+          </p:cNvSpPr>
+          <p:nvPr>
+            <p:extLst>
+              <p:ext uri="{386F3935-93C4-4BCD-93E2-E3B085C9AB24}">
+                <p16:designElem xmlns:p16="http://schemas.microsoft.com/office/powerpoint/2015/main" val="1"/>
+              </p:ext>
+            </p:extLst>
+          </p:nvPr>
+        </p:nvSpPr>
+        <p:spPr>
+          <a:xfrm>
+            <a:off x="984504" y="3981573"/>
+            <a:ext cx="10222992" cy="2078335"/>
+          </a:xfrm>
+          <a:prstGeom prst="rect">
+            <a:avLst/>
+          </a:prstGeom>
+          <a:blipFill dpi="0" rotWithShape="1">
+            <a:blip r:embed="rId4">
+              <a:alphaModFix amt="95000"/>
+              <a:lum bright="70000" contrast="-70000"/>
+              <a:extLst>
+                <a:ext uri="{BEBA8EAE-BF5A-486C-A8C5-ECC9F3942E4B}">
+                  <a14:imgProps xmlns:a14="http://schemas.microsoft.com/office/drawing/2010/main">
+                    <a14:imgLayer r:embed="rId5">
+                      <a14:imgEffect>
+                        <a14:sharpenSoften amount="61000"/>
+                      </a14:imgEffect>
+                    </a14:imgLayer>
+                  </a14:imgProps>
+                </a:ext>
+                <a:ext uri="{28A0092B-C50C-407E-A947-70E740481C1C}">
+                  <a14:useLocalDpi xmlns:a14="http://schemas.microsoft.com/office/drawing/2010/main" val="0"/>
+                </a:ext>
+              </a:extLst>
+            </a:blip>
+            <a:srcRect/>
+            <a:tile tx="0" ty="-704850" sx="92000" sy="89000" flip="xy" algn="ctr"/>
+          </a:blipFill>
+          <a:ln>
+            <a:noFill/>
+          </a:ln>
+        </p:spPr>
+        <p:style>
+          <a:lnRef idx="2">
+            <a:schemeClr val="accent1">
+              <a:shade val="50000"/>
+            </a:schemeClr>
+          </a:lnRef>
+          <a:fillRef idx="1">
+            <a:schemeClr val="accent1"/>
+          </a:fillRef>
+          <a:effectRef idx="0">
+            <a:schemeClr val="accent1"/>
+          </a:effectRef>
+          <a:fontRef idx="minor">
+            <a:schemeClr val="lt1"/>
+          </a:fontRef>
+        </p:style>
+      </p:sp>
+      <p:sp>
+        <p:nvSpPr>
+          <p:cNvPr id="2" name="Título 1">
+            <a:extLst>
+              <a:ext uri="{FF2B5EF4-FFF2-40B4-BE49-F238E27FC236}">
+                <a16:creationId xmlns:a16="http://schemas.microsoft.com/office/drawing/2014/main" id="{F6DCC952-BC1C-D57E-EF10-63F8830FE61B}"/>
+              </a:ext>
+            </a:extLst>
+          </p:cNvPr>
+          <p:cNvSpPr>
+            <a:spLocks noGrp="1"/>
+          </p:cNvSpPr>
+          <p:nvPr>
+            <p:ph type="title"/>
+          </p:nvPr>
+        </p:nvSpPr>
+        <p:spPr>
+          <a:xfrm>
+            <a:off x="1285456" y="4162031"/>
+            <a:ext cx="4543683" cy="1767141"/>
           </a:xfrm>
         </p:spPr>
         <p:txBody>
-          <a:bodyPr/>
+          <a:bodyPr vert="horz" lIns="91440" tIns="45720" rIns="91440" bIns="45720" rtlCol="0" anchor="ctr">
+            <a:normAutofit/>
+          </a:bodyPr>
           <a:lstStyle/>
           <a:p>
-            <a:pPr algn="l"/>
+            <a:pPr algn="r"/>
+            <a:r>
+              <a:rPr lang="en-US" dirty="0"/>
+              <a:t>Punto 3 - consultas</a:t>
+            </a:r>
+          </a:p>
+        </p:txBody>
+      </p:sp>
+      <p:sp>
+        <p:nvSpPr>
+          <p:cNvPr id="10" name="CuadroTexto 9">
+            <a:extLst>
+              <a:ext uri="{FF2B5EF4-FFF2-40B4-BE49-F238E27FC236}">
+                <a16:creationId xmlns:a16="http://schemas.microsoft.com/office/drawing/2014/main" id="{2D9B7E21-6DB0-F915-4667-76A4F7FDDB46}"/>
+              </a:ext>
+            </a:extLst>
+          </p:cNvPr>
+          <p:cNvSpPr txBox="1"/>
+          <p:nvPr/>
+        </p:nvSpPr>
+        <p:spPr>
+          <a:xfrm>
+            <a:off x="6217920" y="4170410"/>
+            <a:ext cx="4699221" cy="1767141"/>
+          </a:xfrm>
+          <a:prstGeom prst="rect">
+            <a:avLst/>
+          </a:prstGeom>
+        </p:spPr>
+        <p:txBody>
+          <a:bodyPr vert="horz" lIns="91440" tIns="45720" rIns="91440" bIns="45720" rtlCol="0" anchor="ctr">
+            <a:normAutofit/>
+          </a:bodyPr>
+          <a:lstStyle/>
+          <a:p>
+            <a:pPr indent="-182880" defTabSz="914400">
+              <a:lnSpc>
+                <a:spcPct val="90000"/>
+              </a:lnSpc>
+              <a:spcAft>
+                <a:spcPts val="600"/>
+              </a:spcAft>
+              <a:buClr>
+                <a:schemeClr val="accent1">
+                  <a:lumMod val="75000"/>
+                </a:schemeClr>
+              </a:buClr>
+              <a:buSzPct val="85000"/>
+              <a:buFont typeface="Wingdings" pitchFamily="2" charset="2"/>
+              <a:buChar char="§"/>
+            </a:pPr>
             <a:r>
               <a:rPr lang="es-CO" dirty="0"/>
-              <a:t>Punto 4 - consultas</a:t>
-            </a:r>
+              <a:t>Se insertan partes de computador e individuos a la ontología empleando dbpedia y wikidata.</a:t>
+            </a:r>
+          </a:p>
+          <a:p>
+            <a:pPr indent="-182880" defTabSz="914400">
+              <a:lnSpc>
+                <a:spcPct val="90000"/>
+              </a:lnSpc>
+              <a:spcAft>
+                <a:spcPts val="600"/>
+              </a:spcAft>
+              <a:buClr>
+                <a:schemeClr val="accent1">
+                  <a:lumMod val="75000"/>
+                </a:schemeClr>
+              </a:buClr>
+              <a:buSzPct val="85000"/>
+              <a:buFont typeface="Wingdings" pitchFamily="2" charset="2"/>
+              <a:buChar char="§"/>
+            </a:pPr>
+            <a:endParaRPr lang="en-US" dirty="0"/>
+          </a:p>
+        </p:txBody>
+      </p:sp>
+      <p:sp>
+        <p:nvSpPr>
+          <p:cNvPr id="25" name="Rectangle 24">
+            <a:extLst>
+              <a:ext uri="{FF2B5EF4-FFF2-40B4-BE49-F238E27FC236}">
+                <a16:creationId xmlns:a16="http://schemas.microsoft.com/office/drawing/2014/main" id="{504B0465-3B07-49BF-BEA7-D81476246293}"/>
+              </a:ext>
+              <a:ext uri="{C183D7F6-B498-43B3-948B-1728B52AA6E4}">
+                <adec:decorative xmlns:adec="http://schemas.microsoft.com/office/drawing/2017/decorative" val="1"/>
+              </a:ext>
+            </a:extLst>
+          </p:cNvPr>
+          <p:cNvSpPr>
+            <a:spLocks noGrp="1" noRot="1" noChangeAspect="1" noMove="1" noResize="1" noEditPoints="1" noAdjustHandles="1" noChangeArrowheads="1" noChangeShapeType="1" noTextEdit="1"/>
+          </p:cNvSpPr>
+          <p:nvPr>
+            <p:extLst>
+              <p:ext uri="{386F3935-93C4-4BCD-93E2-E3B085C9AB24}">
+                <p16:designElem xmlns:p16="http://schemas.microsoft.com/office/powerpoint/2015/main" val="1"/>
+              </p:ext>
+            </p:extLst>
+          </p:nvPr>
+        </p:nvSpPr>
+        <p:spPr>
+          <a:xfrm>
+            <a:off x="984504" y="6128670"/>
+            <a:ext cx="10222992" cy="80683"/>
+          </a:xfrm>
+          <a:prstGeom prst="rect">
+            <a:avLst/>
+          </a:prstGeom>
+          <a:blipFill dpi="0" rotWithShape="1">
+            <a:blip r:embed="rId4">
+              <a:alphaModFix amt="85000"/>
+              <a:lum bright="70000" contrast="-70000"/>
+              <a:extLst>
+                <a:ext uri="{BEBA8EAE-BF5A-486C-A8C5-ECC9F3942E4B}">
+                  <a14:imgProps xmlns:a14="http://schemas.microsoft.com/office/drawing/2010/main">
+                    <a14:imgLayer r:embed="rId5">
+                      <a14:imgEffect>
+                        <a14:sharpenSoften amount="61000"/>
+                      </a14:imgEffect>
+                    </a14:imgLayer>
+                  </a14:imgProps>
+                </a:ext>
+                <a:ext uri="{28A0092B-C50C-407E-A947-70E740481C1C}">
+                  <a14:useLocalDpi xmlns:a14="http://schemas.microsoft.com/office/drawing/2010/main" val="0"/>
+                </a:ext>
+              </a:extLst>
+            </a:blip>
+            <a:srcRect/>
+            <a:tile tx="0" ty="-717550" sx="92000" sy="89000" flip="xy" algn="ctr"/>
+          </a:blipFill>
+          <a:ln>
+            <a:noFill/>
+          </a:ln>
+        </p:spPr>
+        <p:style>
+          <a:lnRef idx="2">
+            <a:schemeClr val="accent1">
+              <a:shade val="50000"/>
+            </a:schemeClr>
+          </a:lnRef>
+          <a:fillRef idx="1">
+            <a:schemeClr val="accent1"/>
+          </a:fillRef>
+          <a:effectRef idx="0">
+            <a:schemeClr val="accent1"/>
+          </a:effectRef>
+          <a:fontRef idx="minor">
+            <a:schemeClr val="lt1"/>
+          </a:fontRef>
+        </p:style>
+      </p:sp>
+      <p:sp>
+        <p:nvSpPr>
+          <p:cNvPr id="27" name="Oval 26">
+            <a:extLst>
+              <a:ext uri="{FF2B5EF4-FFF2-40B4-BE49-F238E27FC236}">
+                <a16:creationId xmlns:a16="http://schemas.microsoft.com/office/drawing/2014/main" id="{49B7FFA5-14CB-4A4F-9BCC-CA3AA5D9D276}"/>
+              </a:ext>
+              <a:ext uri="{C183D7F6-B498-43B3-948B-1728B52AA6E4}">
+                <adec:decorative xmlns:adec="http://schemas.microsoft.com/office/drawing/2017/decorative" val="1"/>
+              </a:ext>
+            </a:extLst>
+          </p:cNvPr>
+          <p:cNvSpPr>
+            <a:spLocks noGrp="1" noRot="1" noChangeAspect="1" noMove="1" noResize="1" noEditPoints="1" noAdjustHandles="1" noChangeArrowheads="1" noChangeShapeType="1" noTextEdit="1"/>
+          </p:cNvSpPr>
+          <p:nvPr>
+            <p:extLst>
+              <p:ext uri="{386F3935-93C4-4BCD-93E2-E3B085C9AB24}">
+                <p16:designElem xmlns:p16="http://schemas.microsoft.com/office/powerpoint/2015/main" val="1"/>
+              </p:ext>
+            </p:extLst>
+          </p:nvPr>
+        </p:nvSpPr>
+        <p:spPr>
+          <a:xfrm>
+            <a:off x="11401725" y="6229681"/>
+            <a:ext cx="457200" cy="457200"/>
+          </a:xfrm>
+          <a:prstGeom prst="ellipse">
+            <a:avLst/>
+          </a:prstGeom>
+          <a:blipFill dpi="0" rotWithShape="1">
+            <a:blip r:embed="rId2">
+              <a:duotone>
+                <a:schemeClr val="accent1">
+                  <a:shade val="45000"/>
+                  <a:satMod val="135000"/>
+                </a:schemeClr>
+                <a:prstClr val="white"/>
+              </a:duotone>
+            </a:blip>
+            <a:srcRect/>
+            <a:tile tx="50800" ty="0" sx="85000" sy="85000" flip="none" algn="tl"/>
+          </a:blipFill>
+          <a:ln w="25400" cap="flat" cmpd="sng" algn="ctr">
+            <a:noFill/>
+            <a:prstDash val="solid"/>
+          </a:ln>
+          <a:effectLst/>
+        </p:spPr>
+        <p:txBody>
+          <a:bodyPr lIns="0" tIns="0" rIns="0" bIns="0" rtlCol="0" anchor="ctr"/>
+          <a:lstStyle/>
+          <a:p>
+            <a:pPr marL="0" marR="0" lvl="0" indent="0" algn="ctr" defTabSz="914400" rtl="0" eaLnBrk="1" fontAlgn="auto" latinLnBrk="0" hangingPunct="1">
+              <a:lnSpc>
+                <a:spcPct val="100000"/>
+              </a:lnSpc>
+              <a:spcBef>
+                <a:spcPts val="0"/>
+              </a:spcBef>
+              <a:spcAft>
+                <a:spcPts val="0"/>
+              </a:spcAft>
+              <a:buClrTx/>
+              <a:buSzTx/>
+              <a:buFontTx/>
+              <a:buNone/>
+              <a:tabLst/>
+              <a:defRPr/>
+            </a:pPr>
+            <a:endParaRPr kumimoji="0" lang="en-US" sz="2000" b="0" i="0" u="none" strike="noStrike" kern="0" cap="none" spc="0" normalizeH="0" baseline="0" noProof="0" dirty="0">
+              <a:ln>
+                <a:noFill/>
+              </a:ln>
+              <a:solidFill>
+                <a:prstClr val="white"/>
+              </a:solidFill>
+              <a:effectLst/>
+              <a:uLnTx/>
+              <a:uFillTx/>
+              <a:latin typeface="Rockwell Extra Bold" pitchFamily="18" charset="0"/>
+              <a:ea typeface="+mn-ea"/>
+              <a:cs typeface="+mn-cs"/>
+            </a:endParaRPr>
+          </a:p>
+        </p:txBody>
+      </p:sp>
+      <p:sp>
+        <p:nvSpPr>
+          <p:cNvPr id="29" name="Oval 28">
+            <a:extLst>
+              <a:ext uri="{FF2B5EF4-FFF2-40B4-BE49-F238E27FC236}">
+                <a16:creationId xmlns:a16="http://schemas.microsoft.com/office/drawing/2014/main" id="{04E48745-7512-4EC2-9E20-9092D12150CA}"/>
+              </a:ext>
+              <a:ext uri="{C183D7F6-B498-43B3-948B-1728B52AA6E4}">
+                <adec:decorative xmlns:adec="http://schemas.microsoft.com/office/drawing/2017/decorative" val="1"/>
+              </a:ext>
+            </a:extLst>
+          </p:cNvPr>
+          <p:cNvSpPr>
+            <a:spLocks noGrp="1" noRot="1" noChangeAspect="1" noMove="1" noResize="1" noEditPoints="1" noAdjustHandles="1" noChangeArrowheads="1" noChangeShapeType="1" noTextEdit="1"/>
+          </p:cNvSpPr>
+          <p:nvPr>
+            <p:extLst>
+              <p:ext uri="{386F3935-93C4-4BCD-93E2-E3B085C9AB24}">
+                <p16:designElem xmlns:p16="http://schemas.microsoft.com/office/powerpoint/2015/main" val="1"/>
+              </p:ext>
+            </p:extLst>
+          </p:nvPr>
+        </p:nvSpPr>
+        <p:spPr>
+          <a:xfrm>
+            <a:off x="11430918" y="6258874"/>
+            <a:ext cx="398813" cy="398815"/>
+          </a:xfrm>
+          <a:prstGeom prst="ellipse">
+            <a:avLst/>
+          </a:prstGeom>
+          <a:noFill/>
+          <a:ln w="12700" cap="flat" cmpd="sng" algn="ctr">
+            <a:solidFill>
+              <a:srgbClr val="FFFFFF"/>
+            </a:solidFill>
+            <a:prstDash val="solid"/>
+          </a:ln>
+          <a:effectLst/>
+        </p:spPr>
+        <p:txBody>
+          <a:bodyPr rtlCol="0" anchor="ctr"/>
+          <a:lstStyle/>
+          <a:p>
+            <a:pPr marL="0" marR="0" lvl="0" indent="0" algn="ctr" defTabSz="914400" rtl="0" eaLnBrk="1" fontAlgn="auto" latinLnBrk="0" hangingPunct="1">
+              <a:lnSpc>
+                <a:spcPct val="100000"/>
+              </a:lnSpc>
+              <a:spcBef>
+                <a:spcPts val="0"/>
+              </a:spcBef>
+              <a:spcAft>
+                <a:spcPts val="0"/>
+              </a:spcAft>
+              <a:buClrTx/>
+              <a:buSzTx/>
+              <a:buFontTx/>
+              <a:buNone/>
+              <a:tabLst/>
+              <a:defRPr/>
+            </a:pPr>
+            <a:endParaRPr kumimoji="0" lang="en-US" sz="1800" b="0" i="0" u="none" strike="noStrike" kern="0" cap="none" spc="0" normalizeH="0" baseline="0" noProof="0" dirty="0">
+              <a:ln>
+                <a:noFill/>
+              </a:ln>
+              <a:solidFill>
+                <a:prstClr val="white"/>
+              </a:solidFill>
+              <a:effectLst/>
+              <a:uLnTx/>
+              <a:uFillTx/>
+              <a:latin typeface="Calibri"/>
+              <a:ea typeface="+mn-ea"/>
+              <a:cs typeface="+mn-cs"/>
+            </a:endParaRPr>
+          </a:p>
+        </p:txBody>
+      </p:sp>
+      <p:pic>
+        <p:nvPicPr>
+          <p:cNvPr id="4" name="Imagen 3">
+            <a:extLst>
+              <a:ext uri="{FF2B5EF4-FFF2-40B4-BE49-F238E27FC236}">
+                <a16:creationId xmlns:a16="http://schemas.microsoft.com/office/drawing/2014/main" id="{A53A8E43-3561-D8EE-6A1A-2F778E4C23A2}"/>
+              </a:ext>
+            </a:extLst>
+          </p:cNvPr>
+          <p:cNvPicPr>
+            <a:picLocks noChangeAspect="1"/>
+          </p:cNvPicPr>
+          <p:nvPr/>
+        </p:nvPicPr>
+        <p:blipFill>
+          <a:blip r:embed="rId6"/>
+          <a:stretch>
+            <a:fillRect/>
+          </a:stretch>
+        </p:blipFill>
+        <p:spPr>
+          <a:xfrm>
+            <a:off x="984504" y="798092"/>
+            <a:ext cx="4960595" cy="2630908"/>
+          </a:xfrm>
+          <a:prstGeom prst="rect">
+            <a:avLst/>
+          </a:prstGeom>
+        </p:spPr>
+      </p:pic>
+      <p:pic>
+        <p:nvPicPr>
+          <p:cNvPr id="5" name="Imagen 4">
+            <a:extLst>
+              <a:ext uri="{FF2B5EF4-FFF2-40B4-BE49-F238E27FC236}">
+                <a16:creationId xmlns:a16="http://schemas.microsoft.com/office/drawing/2014/main" id="{C1F62993-E6F5-1607-0D42-75B338595BBA}"/>
+              </a:ext>
+            </a:extLst>
+          </p:cNvPr>
+          <p:cNvPicPr>
+            <a:picLocks noChangeAspect="1"/>
+          </p:cNvPicPr>
+          <p:nvPr/>
+        </p:nvPicPr>
+        <p:blipFill>
+          <a:blip r:embed="rId7"/>
+          <a:stretch>
+            <a:fillRect/>
+          </a:stretch>
+        </p:blipFill>
+        <p:spPr>
+          <a:xfrm>
+            <a:off x="6246902" y="798092"/>
+            <a:ext cx="4960594" cy="2630907"/>
+          </a:xfrm>
+          <a:prstGeom prst="rect">
+            <a:avLst/>
+          </a:prstGeom>
+        </p:spPr>
+      </p:pic>
+    </p:spTree>
+    <p:extLst>
+      <p:ext uri="{BB962C8B-B14F-4D97-AF65-F5344CB8AC3E}">
+        <p14:creationId xmlns:p14="http://schemas.microsoft.com/office/powerpoint/2010/main" val="2142261165"/>
+      </p:ext>
+    </p:extLst>
+  </p:cSld>
+  <p:clrMapOvr>
+    <a:masterClrMapping/>
+  </p:clrMapOvr>
+</p:sld>
+</file>
+
+<file path=ppt/slides/slide8.xml><?xml version="1.0" encoding="utf-8"?>
+<p:sld xmlns:a="http://schemas.openxmlformats.org/drawingml/2006/main" xmlns:r="http://schemas.openxmlformats.org/officeDocument/2006/relationships" xmlns:p="http://schemas.openxmlformats.org/presentationml/2006/main">
+  <p:cSld>
+    <p:bg>
+      <p:bgPr>
+        <a:solidFill>
+          <a:schemeClr val="bg1"/>
+        </a:solidFill>
+        <a:effectLst/>
+      </p:bgPr>
+    </p:bg>
+    <p:spTree>
+      <p:nvGrpSpPr>
+        <p:cNvPr id="1" name=""/>
+        <p:cNvGrpSpPr/>
+        <p:nvPr/>
+      </p:nvGrpSpPr>
+      <p:grpSpPr>
+        <a:xfrm>
+          <a:off x="0" y="0"/>
+          <a:ext cx="0" cy="0"/>
+          <a:chOff x="0" y="0"/>
+          <a:chExt cx="0" cy="0"/>
+        </a:xfrm>
+      </p:grpSpPr>
+      <p:grpSp>
+        <p:nvGrpSpPr>
+          <p:cNvPr id="15" name="Group 14">
+            <a:extLst>
+              <a:ext uri="{FF2B5EF4-FFF2-40B4-BE49-F238E27FC236}">
+                <a16:creationId xmlns:a16="http://schemas.microsoft.com/office/drawing/2014/main" id="{01C40124-1649-4FF2-8F64-C8284EB9FD2C}"/>
+              </a:ext>
+              <a:ext uri="{C183D7F6-B498-43B3-948B-1728B52AA6E4}">
+                <adec:decorative xmlns:adec="http://schemas.microsoft.com/office/drawing/2017/decorative" val="1"/>
+              </a:ext>
+            </a:extLst>
+          </p:cNvPr>
+          <p:cNvGrpSpPr>
+            <a:grpSpLocks noGrp="1" noUngrp="1" noRot="1" noChangeAspect="1" noMove="1" noResize="1"/>
+          </p:cNvGrpSpPr>
+          <p:nvPr>
+            <p:extLst>
+              <p:ext uri="{386F3935-93C4-4BCD-93E2-E3B085C9AB24}">
+                <p16:designElem xmlns:p16="http://schemas.microsoft.com/office/powerpoint/2015/main" val="1"/>
+              </p:ext>
+            </p:extLst>
+          </p:nvPr>
+        </p:nvGrpSpPr>
+        <p:grpSpPr>
+          <a:xfrm>
+            <a:off x="11401725" y="6229681"/>
+            <a:ext cx="457200" cy="457200"/>
+            <a:chOff x="11361456" y="6195813"/>
+            <a:chExt cx="548640" cy="548640"/>
+          </a:xfrm>
+        </p:grpSpPr>
+        <p:sp>
+          <p:nvSpPr>
+            <p:cNvPr id="16" name="Oval 15">
+              <a:extLst>
+                <a:ext uri="{FF2B5EF4-FFF2-40B4-BE49-F238E27FC236}">
+                  <a16:creationId xmlns:a16="http://schemas.microsoft.com/office/drawing/2014/main" id="{086727CD-9977-4B25-9516-2B6E06AAA6AD}"/>
+                </a:ext>
+                <a:ext uri="{C183D7F6-B498-43B3-948B-1728B52AA6E4}">
+                  <adec:decorative xmlns:adec="http://schemas.microsoft.com/office/drawing/2017/decorative" val="1"/>
+                </a:ext>
+              </a:extLst>
+            </p:cNvPr>
+            <p:cNvSpPr/>
+            <p:nvPr>
+              <p:extLst>
+                <p:ext uri="{386F3935-93C4-4BCD-93E2-E3B085C9AB24}">
+                  <p16:designElem xmlns:p16="http://schemas.microsoft.com/office/powerpoint/2015/main" val="1"/>
+                </p:ext>
+              </p:extLst>
+            </p:nvPr>
+          </p:nvSpPr>
+          <p:spPr>
+            <a:xfrm>
+              <a:off x="11361456" y="6195813"/>
+              <a:ext cx="548640" cy="548640"/>
+            </a:xfrm>
+            <a:prstGeom prst="ellipse">
+              <a:avLst/>
+            </a:prstGeom>
+            <a:blipFill dpi="0" rotWithShape="1">
+              <a:blip r:embed="rId2">
+                <a:duotone>
+                  <a:schemeClr val="accent1">
+                    <a:shade val="45000"/>
+                    <a:satMod val="135000"/>
+                  </a:schemeClr>
+                  <a:prstClr val="white"/>
+                </a:duotone>
+                <a:extLst>
+                  <a:ext uri="{BEBA8EAE-BF5A-486C-A8C5-ECC9F3942E4B}">
+                    <a14:imgProps xmlns:a14="http://schemas.microsoft.com/office/drawing/2010/main">
+                      <a14:imgLayer r:embed="rId3">
+                        <a14:imgEffect>
+                          <a14:saturation sat="95000"/>
+                        </a14:imgEffect>
+                        <a14:imgEffect>
+                          <a14:brightnessContrast bright="-40000" contrast="20000"/>
+                        </a14:imgEffect>
+                      </a14:imgLayer>
+                    </a14:imgProps>
+                  </a:ext>
+                </a:extLst>
+              </a:blip>
+              <a:srcRect/>
+              <a:tile tx="50800" ty="0" sx="85000" sy="85000" flip="none" algn="tl"/>
+            </a:blipFill>
+            <a:ln w="25400" cap="flat" cmpd="sng" algn="ctr">
+              <a:noFill/>
+              <a:prstDash val="solid"/>
+            </a:ln>
+            <a:effectLst/>
+          </p:spPr>
+          <p:txBody>
+            <a:bodyPr lIns="0" tIns="0" rIns="0" bIns="0" rtlCol="0" anchor="ctr"/>
+            <a:lstStyle/>
+            <a:p>
+              <a:pPr marL="0" marR="0" lvl="0" indent="0" algn="ctr" defTabSz="914400" eaLnBrk="1" fontAlgn="auto" latinLnBrk="0" hangingPunct="1">
+                <a:lnSpc>
+                  <a:spcPct val="100000"/>
+                </a:lnSpc>
+                <a:spcBef>
+                  <a:spcPts val="0"/>
+                </a:spcBef>
+                <a:spcAft>
+                  <a:spcPts val="0"/>
+                </a:spcAft>
+                <a:buClrTx/>
+                <a:buSzTx/>
+                <a:buFontTx/>
+                <a:buNone/>
+                <a:tabLst/>
+                <a:defRPr/>
+              </a:pPr>
+              <a:endParaRPr kumimoji="0" lang="en-US" sz="2000" b="0" i="0" u="none" strike="noStrike" kern="0" cap="none" spc="0" normalizeH="0" baseline="0" noProof="0" dirty="0">
+                <a:ln>
+                  <a:noFill/>
+                </a:ln>
+                <a:solidFill>
+                  <a:prstClr val="white"/>
+                </a:solidFill>
+                <a:effectLst/>
+                <a:uLnTx/>
+                <a:uFillTx/>
+                <a:latin typeface="Rockwell Extra Bold" pitchFamily="18" charset="0"/>
+                <a:ea typeface="+mn-ea"/>
+                <a:cs typeface="+mn-cs"/>
+              </a:endParaRPr>
+            </a:p>
+          </p:txBody>
+        </p:sp>
+        <p:sp>
+          <p:nvSpPr>
+            <p:cNvPr id="17" name="Oval 16">
+              <a:extLst>
+                <a:ext uri="{FF2B5EF4-FFF2-40B4-BE49-F238E27FC236}">
+                  <a16:creationId xmlns:a16="http://schemas.microsoft.com/office/drawing/2014/main" id="{219F4D31-E06B-4B98-A1F1-A29AFCBDD00F}"/>
+                </a:ext>
+                <a:ext uri="{C183D7F6-B498-43B3-948B-1728B52AA6E4}">
+                  <adec:decorative xmlns:adec="http://schemas.microsoft.com/office/drawing/2017/decorative" val="1"/>
+                </a:ext>
+              </a:extLst>
+            </p:cNvPr>
+            <p:cNvSpPr/>
+            <p:nvPr>
+              <p:extLst>
+                <p:ext uri="{386F3935-93C4-4BCD-93E2-E3B085C9AB24}">
+                  <p16:designElem xmlns:p16="http://schemas.microsoft.com/office/powerpoint/2015/main" val="1"/>
+                </p:ext>
+              </p:extLst>
+            </p:nvPr>
+          </p:nvSpPr>
+          <p:spPr>
+            <a:xfrm>
+              <a:off x="11396488" y="6230844"/>
+              <a:ext cx="478576" cy="478578"/>
+            </a:xfrm>
+            <a:prstGeom prst="ellipse">
+              <a:avLst/>
+            </a:prstGeom>
+            <a:noFill/>
+            <a:ln w="12700" cap="flat" cmpd="sng" algn="ctr">
+              <a:solidFill>
+                <a:srgbClr val="FFFFFF"/>
+              </a:solidFill>
+              <a:prstDash val="solid"/>
+            </a:ln>
+            <a:effectLst/>
+          </p:spPr>
+          <p:txBody>
+            <a:bodyPr rtlCol="0" anchor="ctr"/>
+            <a:lstStyle/>
+            <a:p>
+              <a:pPr marL="0" marR="0" lvl="0" indent="0" algn="ctr" defTabSz="914400" eaLnBrk="1" fontAlgn="auto" latinLnBrk="0" hangingPunct="1">
+                <a:lnSpc>
+                  <a:spcPct val="100000"/>
+                </a:lnSpc>
+                <a:spcBef>
+                  <a:spcPts val="0"/>
+                </a:spcBef>
+                <a:spcAft>
+                  <a:spcPts val="0"/>
+                </a:spcAft>
+                <a:buClrTx/>
+                <a:buSzTx/>
+                <a:buFontTx/>
+                <a:buNone/>
+                <a:tabLst/>
+                <a:defRPr/>
+              </a:pPr>
+              <a:endParaRPr kumimoji="0" lang="en-US" sz="1800" b="0" i="0" u="none" strike="noStrike" kern="0" cap="none" spc="0" normalizeH="0" baseline="0" noProof="0" dirty="0">
+                <a:ln>
+                  <a:noFill/>
+                </a:ln>
+                <a:solidFill>
+                  <a:prstClr val="white"/>
+                </a:solidFill>
+                <a:effectLst/>
+                <a:uLnTx/>
+                <a:uFillTx/>
+                <a:latin typeface="Calibri"/>
+                <a:ea typeface="+mn-ea"/>
+                <a:cs typeface="+mn-cs"/>
+              </a:endParaRPr>
+            </a:p>
+          </p:txBody>
+        </p:sp>
+      </p:grpSp>
+      <p:sp useBgFill="1">
+        <p:nvSpPr>
+          <p:cNvPr id="19" name="Rectangle 18">
+            <a:extLst>
+              <a:ext uri="{FF2B5EF4-FFF2-40B4-BE49-F238E27FC236}">
+                <a16:creationId xmlns:a16="http://schemas.microsoft.com/office/drawing/2014/main" id="{E009DD9B-5EE2-4C0D-8B2B-351C8C102205}"/>
+              </a:ext>
+              <a:ext uri="{C183D7F6-B498-43B3-948B-1728B52AA6E4}">
+                <adec:decorative xmlns:adec="http://schemas.microsoft.com/office/drawing/2017/decorative" val="1"/>
+              </a:ext>
+            </a:extLst>
+          </p:cNvPr>
+          <p:cNvSpPr>
+            <a:spLocks noGrp="1" noRot="1" noChangeAspect="1" noMove="1" noResize="1" noEditPoints="1" noAdjustHandles="1" noChangeArrowheads="1" noChangeShapeType="1" noTextEdit="1"/>
+          </p:cNvSpPr>
+          <p:nvPr>
+            <p:extLst>
+              <p:ext uri="{386F3935-93C4-4BCD-93E2-E3B085C9AB24}">
+                <p16:designElem xmlns:p16="http://schemas.microsoft.com/office/powerpoint/2015/main" val="1"/>
+              </p:ext>
+            </p:extLst>
+          </p:nvPr>
+        </p:nvSpPr>
+        <p:spPr>
+          <a:xfrm>
+            <a:off x="0" y="0"/>
+            <a:ext cx="12192000" cy="6858000"/>
+          </a:xfrm>
+          <a:prstGeom prst="rect">
+            <a:avLst/>
+          </a:prstGeom>
+          <a:ln>
+            <a:noFill/>
+          </a:ln>
+        </p:spPr>
+        <p:style>
+          <a:lnRef idx="2">
+            <a:schemeClr val="accent1">
+              <a:shade val="50000"/>
+            </a:schemeClr>
+          </a:lnRef>
+          <a:fillRef idx="1">
+            <a:schemeClr val="accent1"/>
+          </a:fillRef>
+          <a:effectRef idx="0">
+            <a:schemeClr val="accent1"/>
+          </a:effectRef>
+          <a:fontRef idx="minor">
+            <a:schemeClr val="lt1"/>
+          </a:fontRef>
+        </p:style>
+        <p:txBody>
+          <a:bodyPr rtlCol="0" anchor="ctr"/>
+          <a:lstStyle/>
+          <a:p>
+            <a:pPr marL="0" marR="0" lvl="0" indent="0" algn="ctr" defTabSz="914400" rtl="0" eaLnBrk="1" fontAlgn="auto" latinLnBrk="0" hangingPunct="1">
+              <a:lnSpc>
+                <a:spcPct val="100000"/>
+              </a:lnSpc>
+              <a:spcBef>
+                <a:spcPts val="0"/>
+              </a:spcBef>
+              <a:spcAft>
+                <a:spcPts val="0"/>
+              </a:spcAft>
+              <a:buClrTx/>
+              <a:buSzTx/>
+              <a:buFontTx/>
+              <a:buNone/>
+              <a:tabLst/>
+              <a:defRPr/>
+            </a:pPr>
+            <a:endParaRPr kumimoji="0" lang="en-US" sz="1800" b="0" i="0" u="none" strike="noStrike" kern="1200" cap="none" spc="0" normalizeH="0" baseline="0" noProof="0">
+              <a:ln>
+                <a:noFill/>
+              </a:ln>
+              <a:solidFill>
+                <a:prstClr val="white"/>
+              </a:solidFill>
+              <a:effectLst/>
+              <a:uLnTx/>
+              <a:uFillTx/>
+              <a:latin typeface="Rockwell" panose="02060603020205020403"/>
+              <a:ea typeface="+mn-ea"/>
+              <a:cs typeface="+mn-cs"/>
+            </a:endParaRPr>
           </a:p>
         </p:txBody>
       </p:sp>
@@ -4823,21 +8484,205 @@
           <p:nvPr/>
         </p:nvPicPr>
         <p:blipFill>
-          <a:blip r:embed="rId2"/>
+          <a:blip r:embed="rId4"/>
           <a:stretch>
             <a:fillRect/>
           </a:stretch>
         </p:blipFill>
         <p:spPr>
           <a:xfrm>
-            <a:off x="6904652" y="4369042"/>
-            <a:ext cx="4232988" cy="2360174"/>
+            <a:off x="6256867" y="655317"/>
+            <a:ext cx="4950629" cy="2759974"/>
           </a:xfrm>
           <a:prstGeom prst="rect">
             <a:avLst/>
           </a:prstGeom>
         </p:spPr>
       </p:pic>
+      <p:sp>
+        <p:nvSpPr>
+          <p:cNvPr id="21" name="Rectangle 20">
+            <a:extLst>
+              <a:ext uri="{FF2B5EF4-FFF2-40B4-BE49-F238E27FC236}">
+                <a16:creationId xmlns:a16="http://schemas.microsoft.com/office/drawing/2014/main" id="{E720DB99-7745-4E75-9D96-AAB6D55C531E}"/>
+              </a:ext>
+              <a:ext uri="{C183D7F6-B498-43B3-948B-1728B52AA6E4}">
+                <adec:decorative xmlns:adec="http://schemas.microsoft.com/office/drawing/2017/decorative" val="1"/>
+              </a:ext>
+            </a:extLst>
+          </p:cNvPr>
+          <p:cNvSpPr>
+            <a:spLocks noGrp="1" noRot="1" noChangeAspect="1" noMove="1" noResize="1" noEditPoints="1" noAdjustHandles="1" noChangeArrowheads="1" noChangeShapeType="1" noTextEdit="1"/>
+          </p:cNvSpPr>
+          <p:nvPr>
+            <p:extLst>
+              <p:ext uri="{386F3935-93C4-4BCD-93E2-E3B085C9AB24}">
+                <p16:designElem xmlns:p16="http://schemas.microsoft.com/office/powerpoint/2015/main" val="1"/>
+              </p:ext>
+            </p:extLst>
+          </p:nvPr>
+        </p:nvSpPr>
+        <p:spPr>
+          <a:xfrm>
+            <a:off x="984504" y="3837459"/>
+            <a:ext cx="10222992" cy="80683"/>
+          </a:xfrm>
+          <a:prstGeom prst="rect">
+            <a:avLst/>
+          </a:prstGeom>
+          <a:blipFill dpi="0" rotWithShape="1">
+            <a:blip r:embed="rId5">
+              <a:alphaModFix amt="85000"/>
+              <a:lum bright="70000" contrast="-70000"/>
+              <a:extLst>
+                <a:ext uri="{BEBA8EAE-BF5A-486C-A8C5-ECC9F3942E4B}">
+                  <a14:imgProps xmlns:a14="http://schemas.microsoft.com/office/drawing/2010/main">
+                    <a14:imgLayer r:embed="rId6">
+                      <a14:imgEffect>
+                        <a14:sharpenSoften amount="61000"/>
+                      </a14:imgEffect>
+                    </a14:imgLayer>
+                  </a14:imgProps>
+                </a:ext>
+                <a:ext uri="{28A0092B-C50C-407E-A947-70E740481C1C}">
+                  <a14:useLocalDpi xmlns:a14="http://schemas.microsoft.com/office/drawing/2010/main" val="0"/>
+                </a:ext>
+              </a:extLst>
+            </a:blip>
+            <a:srcRect/>
+            <a:tile tx="0" ty="-762000" sx="92000" sy="89000" flip="xy" algn="ctr"/>
+          </a:blipFill>
+          <a:ln>
+            <a:noFill/>
+          </a:ln>
+        </p:spPr>
+        <p:style>
+          <a:lnRef idx="2">
+            <a:schemeClr val="accent1">
+              <a:shade val="50000"/>
+            </a:schemeClr>
+          </a:lnRef>
+          <a:fillRef idx="1">
+            <a:schemeClr val="accent1"/>
+          </a:fillRef>
+          <a:effectRef idx="0">
+            <a:schemeClr val="accent1"/>
+          </a:effectRef>
+          <a:fontRef idx="minor">
+            <a:schemeClr val="lt1"/>
+          </a:fontRef>
+        </p:style>
+      </p:sp>
+      <p:sp>
+        <p:nvSpPr>
+          <p:cNvPr id="23" name="Rectangle 22">
+            <a:extLst>
+              <a:ext uri="{FF2B5EF4-FFF2-40B4-BE49-F238E27FC236}">
+                <a16:creationId xmlns:a16="http://schemas.microsoft.com/office/drawing/2014/main" id="{D68803C4-E159-4360-B7BB-74205C8F782D}"/>
+              </a:ext>
+              <a:ext uri="{C183D7F6-B498-43B3-948B-1728B52AA6E4}">
+                <adec:decorative xmlns:adec="http://schemas.microsoft.com/office/drawing/2017/decorative" val="1"/>
+              </a:ext>
+            </a:extLst>
+          </p:cNvPr>
+          <p:cNvSpPr>
+            <a:spLocks noGrp="1" noRot="1" noChangeAspect="1" noMove="1" noResize="1" noEditPoints="1" noAdjustHandles="1" noChangeArrowheads="1" noChangeShapeType="1" noTextEdit="1"/>
+          </p:cNvSpPr>
+          <p:nvPr>
+            <p:extLst>
+              <p:ext uri="{386F3935-93C4-4BCD-93E2-E3B085C9AB24}">
+                <p16:designElem xmlns:p16="http://schemas.microsoft.com/office/powerpoint/2015/main" val="1"/>
+              </p:ext>
+            </p:extLst>
+          </p:nvPr>
+        </p:nvSpPr>
+        <p:spPr>
+          <a:xfrm>
+            <a:off x="984504" y="3981573"/>
+            <a:ext cx="10222992" cy="2078335"/>
+          </a:xfrm>
+          <a:prstGeom prst="rect">
+            <a:avLst/>
+          </a:prstGeom>
+          <a:blipFill dpi="0" rotWithShape="1">
+            <a:blip r:embed="rId5">
+              <a:alphaModFix amt="95000"/>
+              <a:lum bright="70000" contrast="-70000"/>
+              <a:extLst>
+                <a:ext uri="{BEBA8EAE-BF5A-486C-A8C5-ECC9F3942E4B}">
+                  <a14:imgProps xmlns:a14="http://schemas.microsoft.com/office/drawing/2010/main">
+                    <a14:imgLayer r:embed="rId6">
+                      <a14:imgEffect>
+                        <a14:sharpenSoften amount="61000"/>
+                      </a14:imgEffect>
+                    </a14:imgLayer>
+                  </a14:imgProps>
+                </a:ext>
+                <a:ext uri="{28A0092B-C50C-407E-A947-70E740481C1C}">
+                  <a14:useLocalDpi xmlns:a14="http://schemas.microsoft.com/office/drawing/2010/main" val="0"/>
+                </a:ext>
+              </a:extLst>
+            </a:blip>
+            <a:srcRect/>
+            <a:tile tx="0" ty="-704850" sx="92000" sy="89000" flip="xy" algn="ctr"/>
+          </a:blipFill>
+          <a:ln>
+            <a:noFill/>
+          </a:ln>
+        </p:spPr>
+        <p:style>
+          <a:lnRef idx="2">
+            <a:schemeClr val="accent1">
+              <a:shade val="50000"/>
+            </a:schemeClr>
+          </a:lnRef>
+          <a:fillRef idx="1">
+            <a:schemeClr val="accent1"/>
+          </a:fillRef>
+          <a:effectRef idx="0">
+            <a:schemeClr val="accent1"/>
+          </a:effectRef>
+          <a:fontRef idx="minor">
+            <a:schemeClr val="lt1"/>
+          </a:fontRef>
+        </p:style>
+      </p:sp>
+      <p:sp>
+        <p:nvSpPr>
+          <p:cNvPr id="2" name="Título 1">
+            <a:extLst>
+              <a:ext uri="{FF2B5EF4-FFF2-40B4-BE49-F238E27FC236}">
+                <a16:creationId xmlns:a16="http://schemas.microsoft.com/office/drawing/2014/main" id="{F6DCC952-BC1C-D57E-EF10-63F8830FE61B}"/>
+              </a:ext>
+            </a:extLst>
+          </p:cNvPr>
+          <p:cNvSpPr>
+            <a:spLocks noGrp="1"/>
+          </p:cNvSpPr>
+          <p:nvPr>
+            <p:ph type="title"/>
+          </p:nvPr>
+        </p:nvSpPr>
+        <p:spPr>
+          <a:xfrm>
+            <a:off x="1285456" y="4162031"/>
+            <a:ext cx="4543683" cy="1767141"/>
+          </a:xfrm>
+        </p:spPr>
+        <p:txBody>
+          <a:bodyPr vert="horz" lIns="91440" tIns="45720" rIns="91440" bIns="45720" rtlCol="0" anchor="ctr">
+            <a:normAutofit/>
+          </a:bodyPr>
+          <a:lstStyle/>
+          <a:p>
+            <a:pPr algn="r"/>
+            <a:r>
+              <a:rPr lang="en-US" dirty="0"/>
+              <a:t>Punto 4 - consultas</a:t>
+            </a:r>
+          </a:p>
+        </p:txBody>
+      </p:sp>
       <p:pic>
         <p:nvPicPr>
           <p:cNvPr id="9" name="Imagen 8">
@@ -4853,15 +8698,15 @@
           <p:nvPr/>
         </p:nvPicPr>
         <p:blipFill>
-          <a:blip r:embed="rId3"/>
+          <a:blip r:embed="rId7"/>
           <a:stretch>
             <a:fillRect/>
           </a:stretch>
         </p:blipFill>
         <p:spPr>
           <a:xfrm>
-            <a:off x="201562" y="4086807"/>
-            <a:ext cx="4936759" cy="2642409"/>
+            <a:off x="984502" y="711009"/>
+            <a:ext cx="4950632" cy="2648588"/>
           </a:xfrm>
           <a:prstGeom prst="rect">
             <a:avLst/>
@@ -4882,33 +8727,399 @@
         </p:nvSpPr>
         <p:spPr>
           <a:xfrm>
-            <a:off x="335902" y="2192694"/>
-            <a:ext cx="6568750" cy="923330"/>
+            <a:off x="6217920" y="4170410"/>
+            <a:ext cx="4699221" cy="1767141"/>
           </a:xfrm>
           <a:prstGeom prst="rect">
             <a:avLst/>
           </a:prstGeom>
-          <a:noFill/>
         </p:spPr>
         <p:txBody>
-          <a:bodyPr wrap="square" rtlCol="0">
-            <a:spAutoFit/>
+          <a:bodyPr vert="horz" lIns="91440" tIns="45720" rIns="91440" bIns="45720" rtlCol="0" anchor="ctr">
+            <a:normAutofit/>
           </a:bodyPr>
           <a:lstStyle/>
           <a:p>
-            <a:r>
-              <a:rPr lang="es-ES" dirty="0"/>
-              <a:t>Se realizan dos consultas: una se basa en los individuos de la ontología y el otro se basa en encontrar los hijos de </a:t>
-            </a:r>
-            <a:r>
-              <a:rPr lang="es-ES" dirty="0" err="1"/>
+            <a:pPr indent="-182880" defTabSz="914400">
+              <a:lnSpc>
+                <a:spcPct val="90000"/>
+              </a:lnSpc>
+              <a:spcAft>
+                <a:spcPts val="600"/>
+              </a:spcAft>
+              <a:buClr>
+                <a:schemeClr val="accent1">
+                  <a:lumMod val="75000"/>
+                </a:schemeClr>
+              </a:buClr>
+              <a:buSzPct val="85000"/>
+              <a:buFont typeface="Wingdings" pitchFamily="2" charset="2"/>
+              <a:buChar char="§"/>
+            </a:pPr>
+            <a:r>
+              <a:rPr lang="en-US" dirty="0"/>
+              <a:t>Se </a:t>
+            </a:r>
+            <a:r>
+              <a:rPr lang="en-US" dirty="0" err="1"/>
+              <a:t>realizan</a:t>
+            </a:r>
+            <a:r>
+              <a:rPr lang="en-US" dirty="0"/>
+              <a:t> dos consultas: </a:t>
+            </a:r>
+            <a:r>
+              <a:rPr lang="en-US" dirty="0" err="1"/>
+              <a:t>una</a:t>
+            </a:r>
+            <a:r>
+              <a:rPr lang="en-US" dirty="0"/>
+              <a:t> se </a:t>
+            </a:r>
+            <a:r>
+              <a:rPr lang="en-US" dirty="0" err="1"/>
+              <a:t>basa</a:t>
+            </a:r>
+            <a:r>
+              <a:rPr lang="en-US" dirty="0"/>
+              <a:t> </a:t>
+            </a:r>
+            <a:r>
+              <a:rPr lang="en-US" dirty="0" err="1"/>
+              <a:t>en</a:t>
+            </a:r>
+            <a:r>
+              <a:rPr lang="en-US" dirty="0"/>
+              <a:t> </a:t>
+            </a:r>
+            <a:r>
+              <a:rPr lang="en-US" dirty="0" err="1"/>
+              <a:t>los</a:t>
+            </a:r>
+            <a:r>
+              <a:rPr lang="en-US" dirty="0"/>
+              <a:t> </a:t>
+            </a:r>
+            <a:r>
+              <a:rPr lang="en-US" dirty="0" err="1"/>
+              <a:t>individuos</a:t>
+            </a:r>
+            <a:r>
+              <a:rPr lang="en-US" dirty="0"/>
+              <a:t> de la </a:t>
+            </a:r>
+            <a:r>
+              <a:rPr lang="en-US" dirty="0" err="1"/>
+              <a:t>ontología</a:t>
+            </a:r>
+            <a:r>
+              <a:rPr lang="en-US" dirty="0"/>
+              <a:t> y </a:t>
+            </a:r>
+            <a:r>
+              <a:rPr lang="en-US" dirty="0" err="1"/>
+              <a:t>el</a:t>
+            </a:r>
+            <a:r>
+              <a:rPr lang="en-US" dirty="0"/>
+              <a:t> </a:t>
+            </a:r>
+            <a:r>
+              <a:rPr lang="en-US" dirty="0" err="1"/>
+              <a:t>otro</a:t>
+            </a:r>
+            <a:r>
+              <a:rPr lang="en-US" dirty="0"/>
+              <a:t> se </a:t>
+            </a:r>
+            <a:r>
+              <a:rPr lang="en-US" dirty="0" err="1"/>
+              <a:t>basa</a:t>
+            </a:r>
+            <a:r>
+              <a:rPr lang="en-US" dirty="0"/>
+              <a:t> </a:t>
+            </a:r>
+            <a:r>
+              <a:rPr lang="en-US" dirty="0" err="1"/>
+              <a:t>en</a:t>
+            </a:r>
+            <a:r>
+              <a:rPr lang="en-US" dirty="0"/>
+              <a:t> </a:t>
+            </a:r>
+            <a:r>
+              <a:rPr lang="en-US" dirty="0" err="1"/>
+              <a:t>encontrar</a:t>
+            </a:r>
+            <a:r>
+              <a:rPr lang="en-US" dirty="0"/>
+              <a:t> </a:t>
+            </a:r>
+            <a:r>
+              <a:rPr lang="en-US" dirty="0" err="1"/>
+              <a:t>los</a:t>
+            </a:r>
+            <a:r>
+              <a:rPr lang="en-US" dirty="0"/>
+              <a:t> </a:t>
+            </a:r>
+            <a:r>
+              <a:rPr lang="en-US" dirty="0" err="1"/>
+              <a:t>hijos</a:t>
+            </a:r>
+            <a:r>
+              <a:rPr lang="en-US" dirty="0"/>
+              <a:t> de </a:t>
+            </a:r>
+            <a:r>
+              <a:rPr lang="en-US" dirty="0" err="1"/>
               <a:t>Parte_Computador</a:t>
             </a:r>
             <a:r>
-              <a:rPr lang="es-ES" dirty="0"/>
+              <a:rPr lang="en-US" dirty="0"/>
               <a:t>.</a:t>
             </a:r>
-            <a:endParaRPr lang="es-CO" dirty="0"/>
+          </a:p>
+        </p:txBody>
+      </p:sp>
+      <p:sp>
+        <p:nvSpPr>
+          <p:cNvPr id="25" name="Rectangle 24">
+            <a:extLst>
+              <a:ext uri="{FF2B5EF4-FFF2-40B4-BE49-F238E27FC236}">
+                <a16:creationId xmlns:a16="http://schemas.microsoft.com/office/drawing/2014/main" id="{504B0465-3B07-49BF-BEA7-D81476246293}"/>
+              </a:ext>
+              <a:ext uri="{C183D7F6-B498-43B3-948B-1728B52AA6E4}">
+                <adec:decorative xmlns:adec="http://schemas.microsoft.com/office/drawing/2017/decorative" val="1"/>
+              </a:ext>
+            </a:extLst>
+          </p:cNvPr>
+          <p:cNvSpPr>
+            <a:spLocks noGrp="1" noRot="1" noChangeAspect="1" noMove="1" noResize="1" noEditPoints="1" noAdjustHandles="1" noChangeArrowheads="1" noChangeShapeType="1" noTextEdit="1"/>
+          </p:cNvSpPr>
+          <p:nvPr>
+            <p:extLst>
+              <p:ext uri="{386F3935-93C4-4BCD-93E2-E3B085C9AB24}">
+                <p16:designElem xmlns:p16="http://schemas.microsoft.com/office/powerpoint/2015/main" val="1"/>
+              </p:ext>
+            </p:extLst>
+          </p:nvPr>
+        </p:nvSpPr>
+        <p:spPr>
+          <a:xfrm>
+            <a:off x="984504" y="6128670"/>
+            <a:ext cx="10222992" cy="80683"/>
+          </a:xfrm>
+          <a:prstGeom prst="rect">
+            <a:avLst/>
+          </a:prstGeom>
+          <a:blipFill dpi="0" rotWithShape="1">
+            <a:blip r:embed="rId5">
+              <a:alphaModFix amt="85000"/>
+              <a:lum bright="70000" contrast="-70000"/>
+              <a:extLst>
+                <a:ext uri="{BEBA8EAE-BF5A-486C-A8C5-ECC9F3942E4B}">
+                  <a14:imgProps xmlns:a14="http://schemas.microsoft.com/office/drawing/2010/main">
+                    <a14:imgLayer r:embed="rId6">
+                      <a14:imgEffect>
+                        <a14:sharpenSoften amount="61000"/>
+                      </a14:imgEffect>
+                    </a14:imgLayer>
+                  </a14:imgProps>
+                </a:ext>
+                <a:ext uri="{28A0092B-C50C-407E-A947-70E740481C1C}">
+                  <a14:useLocalDpi xmlns:a14="http://schemas.microsoft.com/office/drawing/2010/main" val="0"/>
+                </a:ext>
+              </a:extLst>
+            </a:blip>
+            <a:srcRect/>
+            <a:tile tx="0" ty="-717550" sx="92000" sy="89000" flip="xy" algn="ctr"/>
+          </a:blipFill>
+          <a:ln>
+            <a:noFill/>
+          </a:ln>
+        </p:spPr>
+        <p:style>
+          <a:lnRef idx="2">
+            <a:schemeClr val="accent1">
+              <a:shade val="50000"/>
+            </a:schemeClr>
+          </a:lnRef>
+          <a:fillRef idx="1">
+            <a:schemeClr val="accent1"/>
+          </a:fillRef>
+          <a:effectRef idx="0">
+            <a:schemeClr val="accent1"/>
+          </a:effectRef>
+          <a:fontRef idx="minor">
+            <a:schemeClr val="lt1"/>
+          </a:fontRef>
+        </p:style>
+      </p:sp>
+      <p:sp>
+        <p:nvSpPr>
+          <p:cNvPr id="27" name="Oval 26">
+            <a:extLst>
+              <a:ext uri="{FF2B5EF4-FFF2-40B4-BE49-F238E27FC236}">
+                <a16:creationId xmlns:a16="http://schemas.microsoft.com/office/drawing/2014/main" id="{49B7FFA5-14CB-4A4F-9BCC-CA3AA5D9D276}"/>
+              </a:ext>
+              <a:ext uri="{C183D7F6-B498-43B3-948B-1728B52AA6E4}">
+                <adec:decorative xmlns:adec="http://schemas.microsoft.com/office/drawing/2017/decorative" val="1"/>
+              </a:ext>
+            </a:extLst>
+          </p:cNvPr>
+          <p:cNvSpPr>
+            <a:spLocks noGrp="1" noRot="1" noChangeAspect="1" noMove="1" noResize="1" noEditPoints="1" noAdjustHandles="1" noChangeArrowheads="1" noChangeShapeType="1" noTextEdit="1"/>
+          </p:cNvSpPr>
+          <p:nvPr>
+            <p:extLst>
+              <p:ext uri="{386F3935-93C4-4BCD-93E2-E3B085C9AB24}">
+                <p16:designElem xmlns:p16="http://schemas.microsoft.com/office/powerpoint/2015/main" val="1"/>
+              </p:ext>
+            </p:extLst>
+          </p:nvPr>
+        </p:nvSpPr>
+        <p:spPr>
+          <a:xfrm>
+            <a:off x="11401725" y="6229681"/>
+            <a:ext cx="457200" cy="457200"/>
+          </a:xfrm>
+          <a:prstGeom prst="ellipse">
+            <a:avLst/>
+          </a:prstGeom>
+          <a:blipFill dpi="0" rotWithShape="1">
+            <a:blip r:embed="rId2">
+              <a:duotone>
+                <a:schemeClr val="accent1">
+                  <a:shade val="45000"/>
+                  <a:satMod val="135000"/>
+                </a:schemeClr>
+                <a:prstClr val="white"/>
+              </a:duotone>
+            </a:blip>
+            <a:srcRect/>
+            <a:tile tx="50800" ty="0" sx="85000" sy="85000" flip="none" algn="tl"/>
+          </a:blipFill>
+          <a:ln w="25400" cap="flat" cmpd="sng" algn="ctr">
+            <a:noFill/>
+            <a:prstDash val="solid"/>
+          </a:ln>
+          <a:effectLst/>
+        </p:spPr>
+        <p:txBody>
+          <a:bodyPr lIns="0" tIns="0" rIns="0" bIns="0" rtlCol="0" anchor="ctr"/>
+          <a:lstStyle/>
+          <a:p>
+            <a:pPr marL="0" marR="0" lvl="0" indent="0" algn="ctr" defTabSz="914400" rtl="0" eaLnBrk="1" fontAlgn="auto" latinLnBrk="0" hangingPunct="1">
+              <a:lnSpc>
+                <a:spcPct val="100000"/>
+              </a:lnSpc>
+              <a:spcBef>
+                <a:spcPts val="0"/>
+              </a:spcBef>
+              <a:spcAft>
+                <a:spcPts val="0"/>
+              </a:spcAft>
+              <a:buClrTx/>
+              <a:buSzTx/>
+              <a:buFontTx/>
+              <a:buNone/>
+              <a:tabLst/>
+              <a:defRPr/>
+            </a:pPr>
+            <a:endParaRPr kumimoji="0" lang="en-US" sz="2000" b="0" i="0" u="none" strike="noStrike" kern="0" cap="none" spc="0" normalizeH="0" baseline="0" noProof="0" dirty="0">
+              <a:ln>
+                <a:noFill/>
+              </a:ln>
+              <a:solidFill>
+                <a:prstClr val="white"/>
+              </a:solidFill>
+              <a:effectLst/>
+              <a:uLnTx/>
+              <a:uFillTx/>
+              <a:latin typeface="Rockwell Extra Bold" pitchFamily="18" charset="0"/>
+              <a:ea typeface="+mn-ea"/>
+              <a:cs typeface="+mn-cs"/>
+            </a:endParaRPr>
+          </a:p>
+        </p:txBody>
+      </p:sp>
+      <p:sp>
+        <p:nvSpPr>
+          <p:cNvPr id="29" name="Oval 28">
+            <a:extLst>
+              <a:ext uri="{FF2B5EF4-FFF2-40B4-BE49-F238E27FC236}">
+                <a16:creationId xmlns:a16="http://schemas.microsoft.com/office/drawing/2014/main" id="{04E48745-7512-4EC2-9E20-9092D12150CA}"/>
+              </a:ext>
+              <a:ext uri="{C183D7F6-B498-43B3-948B-1728B52AA6E4}">
+                <adec:decorative xmlns:adec="http://schemas.microsoft.com/office/drawing/2017/decorative" val="1"/>
+              </a:ext>
+            </a:extLst>
+          </p:cNvPr>
+          <p:cNvSpPr>
+            <a:spLocks noGrp="1" noRot="1" noChangeAspect="1" noMove="1" noResize="1" noEditPoints="1" noAdjustHandles="1" noChangeArrowheads="1" noChangeShapeType="1" noTextEdit="1"/>
+          </p:cNvSpPr>
+          <p:nvPr>
+            <p:extLst>
+              <p:ext uri="{386F3935-93C4-4BCD-93E2-E3B085C9AB24}">
+                <p16:designElem xmlns:p16="http://schemas.microsoft.com/office/powerpoint/2015/main" val="1"/>
+              </p:ext>
+            </p:extLst>
+          </p:nvPr>
+        </p:nvSpPr>
+        <p:spPr>
+          <a:xfrm>
+            <a:off x="11430918" y="6258874"/>
+            <a:ext cx="398813" cy="398815"/>
+          </a:xfrm>
+          <a:prstGeom prst="ellipse">
+            <a:avLst/>
+          </a:prstGeom>
+          <a:noFill/>
+          <a:ln w="12700" cap="flat" cmpd="sng" algn="ctr">
+            <a:solidFill>
+              <a:srgbClr val="FFFFFF"/>
+            </a:solidFill>
+            <a:prstDash val="solid"/>
+          </a:ln>
+          <a:effectLst/>
+        </p:spPr>
+        <p:txBody>
+          <a:bodyPr rtlCol="0" anchor="ctr"/>
+          <a:lstStyle/>
+          <a:p>
+            <a:pPr marL="0" marR="0" lvl="0" indent="0" algn="ctr" defTabSz="914400" rtl="0" eaLnBrk="1" fontAlgn="auto" latinLnBrk="0" hangingPunct="1">
+              <a:lnSpc>
+                <a:spcPct val="100000"/>
+              </a:lnSpc>
+              <a:spcBef>
+                <a:spcPts val="0"/>
+              </a:spcBef>
+              <a:spcAft>
+                <a:spcPts val="0"/>
+              </a:spcAft>
+              <a:buClrTx/>
+              <a:buSzTx/>
+              <a:buFontTx/>
+              <a:buNone/>
+              <a:tabLst/>
+              <a:defRPr/>
+            </a:pPr>
+            <a:endParaRPr kumimoji="0" lang="en-US" sz="1800" b="0" i="0" u="none" strike="noStrike" kern="0" cap="none" spc="0" normalizeH="0" baseline="0" noProof="0" dirty="0">
+              <a:ln>
+                <a:noFill/>
+              </a:ln>
+              <a:solidFill>
+                <a:prstClr val="white"/>
+              </a:solidFill>
+              <a:effectLst/>
+              <a:uLnTx/>
+              <a:uFillTx/>
+              <a:latin typeface="Calibri"/>
+              <a:ea typeface="+mn-ea"/>
+              <a:cs typeface="+mn-cs"/>
+            </a:endParaRPr>
           </a:p>
         </p:txBody>
       </p:sp>
@@ -4925,9 +9136,17 @@
 </p:sld>
 </file>
 
-<file path=ppt/slides/slide6.xml><?xml version="1.0" encoding="utf-8"?>
+<file path=ppt/slides/slide9.xml><?xml version="1.0" encoding="utf-8"?>
 <p:sld xmlns:a="http://schemas.openxmlformats.org/drawingml/2006/main" xmlns:r="http://schemas.openxmlformats.org/officeDocument/2006/relationships" xmlns:p="http://schemas.openxmlformats.org/presentationml/2006/main">
   <p:cSld>
+    <p:bg>
+      <p:bgPr>
+        <a:solidFill>
+          <a:schemeClr val="bg1"/>
+        </a:solidFill>
+        <a:effectLst/>
+      </p:bgPr>
+    </p:bg>
     <p:spTree>
       <p:nvGrpSpPr>
         <p:cNvPr id="1" name=""/>
@@ -4942,6 +9161,422 @@
           <a:chExt cx="0" cy="0"/>
         </a:xfrm>
       </p:grpSpPr>
+      <p:grpSp>
+        <p:nvGrpSpPr>
+          <p:cNvPr id="8" name="Group 7">
+            <a:extLst>
+              <a:ext uri="{FF2B5EF4-FFF2-40B4-BE49-F238E27FC236}">
+                <a16:creationId xmlns:a16="http://schemas.microsoft.com/office/drawing/2014/main" id="{132FD491-28F3-42E7-AEBF-A9E3C462C92A}"/>
+              </a:ext>
+              <a:ext uri="{C183D7F6-B498-43B3-948B-1728B52AA6E4}">
+                <adec:decorative xmlns:adec="http://schemas.microsoft.com/office/drawing/2017/decorative" val="1"/>
+              </a:ext>
+            </a:extLst>
+          </p:cNvPr>
+          <p:cNvGrpSpPr>
+            <a:grpSpLocks noGrp="1" noUngrp="1" noRot="1" noChangeAspect="1" noMove="1" noResize="1"/>
+          </p:cNvGrpSpPr>
+          <p:nvPr>
+            <p:extLst>
+              <p:ext uri="{386F3935-93C4-4BCD-93E2-E3B085C9AB24}">
+                <p16:designElem xmlns:p16="http://schemas.microsoft.com/office/powerpoint/2015/main" val="1"/>
+              </p:ext>
+            </p:extLst>
+          </p:nvPr>
+        </p:nvGrpSpPr>
+        <p:grpSpPr>
+          <a:xfrm>
+            <a:off x="11401725" y="6229681"/>
+            <a:ext cx="457200" cy="457200"/>
+            <a:chOff x="11361456" y="6195813"/>
+            <a:chExt cx="548640" cy="548640"/>
+          </a:xfrm>
+        </p:grpSpPr>
+        <p:sp>
+          <p:nvSpPr>
+            <p:cNvPr id="9" name="Oval 8">
+              <a:extLst>
+                <a:ext uri="{FF2B5EF4-FFF2-40B4-BE49-F238E27FC236}">
+                  <a16:creationId xmlns:a16="http://schemas.microsoft.com/office/drawing/2014/main" id="{AD016B6E-F283-4CFB-9099-05C8DA6AB3FB}"/>
+                </a:ext>
+                <a:ext uri="{C183D7F6-B498-43B3-948B-1728B52AA6E4}">
+                  <adec:decorative xmlns:adec="http://schemas.microsoft.com/office/drawing/2017/decorative" val="1"/>
+                </a:ext>
+              </a:extLst>
+            </p:cNvPr>
+            <p:cNvSpPr/>
+            <p:nvPr>
+              <p:extLst>
+                <p:ext uri="{386F3935-93C4-4BCD-93E2-E3B085C9AB24}">
+                  <p16:designElem xmlns:p16="http://schemas.microsoft.com/office/powerpoint/2015/main" val="1"/>
+                </p:ext>
+              </p:extLst>
+            </p:nvPr>
+          </p:nvSpPr>
+          <p:spPr>
+            <a:xfrm>
+              <a:off x="11361456" y="6195813"/>
+              <a:ext cx="548640" cy="548640"/>
+            </a:xfrm>
+            <a:prstGeom prst="ellipse">
+              <a:avLst/>
+            </a:prstGeom>
+            <a:blipFill dpi="0" rotWithShape="1">
+              <a:blip r:embed="rId2">
+                <a:duotone>
+                  <a:schemeClr val="accent1">
+                    <a:shade val="45000"/>
+                    <a:satMod val="135000"/>
+                  </a:schemeClr>
+                  <a:prstClr val="white"/>
+                </a:duotone>
+                <a:extLst>
+                  <a:ext uri="{BEBA8EAE-BF5A-486C-A8C5-ECC9F3942E4B}">
+                    <a14:imgProps xmlns:a14="http://schemas.microsoft.com/office/drawing/2010/main">
+                      <a14:imgLayer r:embed="rId3">
+                        <a14:imgEffect>
+                          <a14:saturation sat="95000"/>
+                        </a14:imgEffect>
+                        <a14:imgEffect>
+                          <a14:brightnessContrast bright="-40000" contrast="20000"/>
+                        </a14:imgEffect>
+                      </a14:imgLayer>
+                    </a14:imgProps>
+                  </a:ext>
+                </a:extLst>
+              </a:blip>
+              <a:srcRect/>
+              <a:tile tx="50800" ty="0" sx="85000" sy="85000" flip="none" algn="tl"/>
+            </a:blipFill>
+            <a:ln w="25400" cap="flat" cmpd="sng" algn="ctr">
+              <a:noFill/>
+              <a:prstDash val="solid"/>
+            </a:ln>
+            <a:effectLst/>
+          </p:spPr>
+        </p:sp>
+        <p:sp>
+          <p:nvSpPr>
+            <p:cNvPr id="10" name="Oval 9">
+              <a:extLst>
+                <a:ext uri="{FF2B5EF4-FFF2-40B4-BE49-F238E27FC236}">
+                  <a16:creationId xmlns:a16="http://schemas.microsoft.com/office/drawing/2014/main" id="{72D0360E-345F-4790-B0A0-03ADC36B5E45}"/>
+                </a:ext>
+                <a:ext uri="{C183D7F6-B498-43B3-948B-1728B52AA6E4}">
+                  <adec:decorative xmlns:adec="http://schemas.microsoft.com/office/drawing/2017/decorative" val="1"/>
+                </a:ext>
+              </a:extLst>
+            </p:cNvPr>
+            <p:cNvSpPr/>
+            <p:nvPr>
+              <p:extLst>
+                <p:ext uri="{386F3935-93C4-4BCD-93E2-E3B085C9AB24}">
+                  <p16:designElem xmlns:p16="http://schemas.microsoft.com/office/powerpoint/2015/main" val="1"/>
+                </p:ext>
+              </p:extLst>
+            </p:nvPr>
+          </p:nvSpPr>
+          <p:spPr>
+            <a:xfrm>
+              <a:off x="11396488" y="6230844"/>
+              <a:ext cx="478576" cy="478578"/>
+            </a:xfrm>
+            <a:prstGeom prst="ellipse">
+              <a:avLst/>
+            </a:prstGeom>
+            <a:noFill/>
+            <a:ln w="12700" cap="flat" cmpd="sng" algn="ctr">
+              <a:solidFill>
+                <a:srgbClr val="FFFFFF"/>
+              </a:solidFill>
+              <a:prstDash val="solid"/>
+            </a:ln>
+            <a:effectLst/>
+          </p:spPr>
+        </p:sp>
+      </p:grpSp>
+      <p:sp useBgFill="1">
+        <p:nvSpPr>
+          <p:cNvPr id="12" name="Rectangle 11">
+            <a:extLst>
+              <a:ext uri="{FF2B5EF4-FFF2-40B4-BE49-F238E27FC236}">
+                <a16:creationId xmlns:a16="http://schemas.microsoft.com/office/drawing/2014/main" id="{E009DD9B-5EE2-4C0D-8B2B-351C8C102205}"/>
+              </a:ext>
+              <a:ext uri="{C183D7F6-B498-43B3-948B-1728B52AA6E4}">
+                <adec:decorative xmlns:adec="http://schemas.microsoft.com/office/drawing/2017/decorative" val="1"/>
+              </a:ext>
+            </a:extLst>
+          </p:cNvPr>
+          <p:cNvSpPr>
+            <a:spLocks noGrp="1" noRot="1" noChangeAspect="1" noMove="1" noResize="1" noEditPoints="1" noAdjustHandles="1" noChangeArrowheads="1" noChangeShapeType="1" noTextEdit="1"/>
+          </p:cNvSpPr>
+          <p:nvPr>
+            <p:extLst>
+              <p:ext uri="{386F3935-93C4-4BCD-93E2-E3B085C9AB24}">
+                <p16:designElem xmlns:p16="http://schemas.microsoft.com/office/powerpoint/2015/main" val="1"/>
+              </p:ext>
+            </p:extLst>
+          </p:nvPr>
+        </p:nvSpPr>
+        <p:spPr>
+          <a:xfrm>
+            <a:off x="0" y="0"/>
+            <a:ext cx="12192000" cy="6858000"/>
+          </a:xfrm>
+          <a:prstGeom prst="rect">
+            <a:avLst/>
+          </a:prstGeom>
+          <a:ln>
+            <a:noFill/>
+          </a:ln>
+        </p:spPr>
+        <p:style>
+          <a:lnRef idx="2">
+            <a:schemeClr val="accent1">
+              <a:shade val="50000"/>
+            </a:schemeClr>
+          </a:lnRef>
+          <a:fillRef idx="1">
+            <a:schemeClr val="accent1"/>
+          </a:fillRef>
+          <a:effectRef idx="0">
+            <a:schemeClr val="accent1"/>
+          </a:effectRef>
+          <a:fontRef idx="minor">
+            <a:schemeClr val="lt1"/>
+          </a:fontRef>
+        </p:style>
+        <p:txBody>
+          <a:bodyPr rtlCol="0" anchor="ctr"/>
+          <a:lstStyle/>
+          <a:p>
+            <a:pPr algn="ctr"/>
+            <a:endParaRPr lang="en-US"/>
+          </a:p>
+        </p:txBody>
+      </p:sp>
+      <p:sp>
+        <p:nvSpPr>
+          <p:cNvPr id="14" name="Rectangle 13">
+            <a:extLst>
+              <a:ext uri="{FF2B5EF4-FFF2-40B4-BE49-F238E27FC236}">
+                <a16:creationId xmlns:a16="http://schemas.microsoft.com/office/drawing/2014/main" id="{E720DB99-7745-4E75-9D96-AAB6D55C531E}"/>
+              </a:ext>
+              <a:ext uri="{C183D7F6-B498-43B3-948B-1728B52AA6E4}">
+                <adec:decorative xmlns:adec="http://schemas.microsoft.com/office/drawing/2017/decorative" val="1"/>
+              </a:ext>
+            </a:extLst>
+          </p:cNvPr>
+          <p:cNvSpPr>
+            <a:spLocks noGrp="1" noRot="1" noChangeAspect="1" noMove="1" noResize="1" noEditPoints="1" noAdjustHandles="1" noChangeArrowheads="1" noChangeShapeType="1" noTextEdit="1"/>
+          </p:cNvSpPr>
+          <p:nvPr>
+            <p:extLst>
+              <p:ext uri="{386F3935-93C4-4BCD-93E2-E3B085C9AB24}">
+                <p16:designElem xmlns:p16="http://schemas.microsoft.com/office/powerpoint/2015/main" val="1"/>
+              </p:ext>
+            </p:extLst>
+          </p:nvPr>
+        </p:nvSpPr>
+        <p:spPr>
+          <a:xfrm>
+            <a:off x="984504" y="464119"/>
+            <a:ext cx="10222992" cy="80683"/>
+          </a:xfrm>
+          <a:prstGeom prst="rect">
+            <a:avLst/>
+          </a:prstGeom>
+          <a:blipFill dpi="0" rotWithShape="1">
+            <a:blip r:embed="rId4">
+              <a:alphaModFix amt="85000"/>
+              <a:lum bright="70000" contrast="-70000"/>
+              <a:extLst>
+                <a:ext uri="{BEBA8EAE-BF5A-486C-A8C5-ECC9F3942E4B}">
+                  <a14:imgProps xmlns:a14="http://schemas.microsoft.com/office/drawing/2010/main">
+                    <a14:imgLayer r:embed="rId5">
+                      <a14:imgEffect>
+                        <a14:sharpenSoften amount="61000"/>
+                      </a14:imgEffect>
+                    </a14:imgLayer>
+                  </a14:imgProps>
+                </a:ext>
+                <a:ext uri="{28A0092B-C50C-407E-A947-70E740481C1C}">
+                  <a14:useLocalDpi xmlns:a14="http://schemas.microsoft.com/office/drawing/2010/main" val="0"/>
+                </a:ext>
+              </a:extLst>
+            </a:blip>
+            <a:srcRect/>
+            <a:tile tx="0" ty="-762000" sx="92000" sy="89000" flip="xy" algn="ctr"/>
+          </a:blipFill>
+          <a:ln>
+            <a:noFill/>
+          </a:ln>
+        </p:spPr>
+        <p:style>
+          <a:lnRef idx="2">
+            <a:schemeClr val="accent1">
+              <a:shade val="50000"/>
+            </a:schemeClr>
+          </a:lnRef>
+          <a:fillRef idx="1">
+            <a:schemeClr val="accent1"/>
+          </a:fillRef>
+          <a:effectRef idx="0">
+            <a:schemeClr val="accent1"/>
+          </a:effectRef>
+          <a:fontRef idx="minor">
+            <a:schemeClr val="lt1"/>
+          </a:fontRef>
+        </p:style>
+      </p:sp>
+      <p:sp>
+        <p:nvSpPr>
+          <p:cNvPr id="16" name="Rectangle 15">
+            <a:extLst>
+              <a:ext uri="{FF2B5EF4-FFF2-40B4-BE49-F238E27FC236}">
+                <a16:creationId xmlns:a16="http://schemas.microsoft.com/office/drawing/2014/main" id="{D68803C4-E159-4360-B7BB-74205C8F782D}"/>
+              </a:ext>
+              <a:ext uri="{C183D7F6-B498-43B3-948B-1728B52AA6E4}">
+                <adec:decorative xmlns:adec="http://schemas.microsoft.com/office/drawing/2017/decorative" val="1"/>
+              </a:ext>
+            </a:extLst>
+          </p:cNvPr>
+          <p:cNvSpPr>
+            <a:spLocks noGrp="1" noRot="1" noChangeAspect="1" noMove="1" noResize="1" noEditPoints="1" noAdjustHandles="1" noChangeArrowheads="1" noChangeShapeType="1" noTextEdit="1"/>
+          </p:cNvSpPr>
+          <p:nvPr>
+            <p:extLst>
+              <p:ext uri="{386F3935-93C4-4BCD-93E2-E3B085C9AB24}">
+                <p16:designElem xmlns:p16="http://schemas.microsoft.com/office/powerpoint/2015/main" val="1"/>
+              </p:ext>
+            </p:extLst>
+          </p:nvPr>
+        </p:nvSpPr>
+        <p:spPr>
+          <a:xfrm>
+            <a:off x="984504" y="601952"/>
+            <a:ext cx="10222992" cy="1385874"/>
+          </a:xfrm>
+          <a:prstGeom prst="rect">
+            <a:avLst/>
+          </a:prstGeom>
+          <a:blipFill dpi="0" rotWithShape="1">
+            <a:blip r:embed="rId4">
+              <a:alphaModFix amt="85000"/>
+              <a:lum bright="70000" contrast="-70000"/>
+              <a:extLst>
+                <a:ext uri="{BEBA8EAE-BF5A-486C-A8C5-ECC9F3942E4B}">
+                  <a14:imgProps xmlns:a14="http://schemas.microsoft.com/office/drawing/2010/main">
+                    <a14:imgLayer r:embed="rId5">
+                      <a14:imgEffect>
+                        <a14:sharpenSoften amount="61000"/>
+                      </a14:imgEffect>
+                    </a14:imgLayer>
+                  </a14:imgProps>
+                </a:ext>
+                <a:ext uri="{28A0092B-C50C-407E-A947-70E740481C1C}">
+                  <a14:useLocalDpi xmlns:a14="http://schemas.microsoft.com/office/drawing/2010/main" val="0"/>
+                </a:ext>
+              </a:extLst>
+            </a:blip>
+            <a:srcRect/>
+            <a:tile tx="0" ty="-704850" sx="92000" sy="89000" flip="xy" algn="ctr"/>
+          </a:blipFill>
+          <a:ln>
+            <a:noFill/>
+          </a:ln>
+        </p:spPr>
+        <p:style>
+          <a:lnRef idx="2">
+            <a:schemeClr val="accent1">
+              <a:shade val="50000"/>
+            </a:schemeClr>
+          </a:lnRef>
+          <a:fillRef idx="1">
+            <a:schemeClr val="accent1"/>
+          </a:fillRef>
+          <a:effectRef idx="0">
+            <a:schemeClr val="accent1"/>
+          </a:effectRef>
+          <a:fontRef idx="minor">
+            <a:schemeClr val="lt1"/>
+          </a:fontRef>
+        </p:style>
+      </p:sp>
+      <p:sp>
+        <p:nvSpPr>
+          <p:cNvPr id="18" name="Rectangle 17">
+            <a:extLst>
+              <a:ext uri="{FF2B5EF4-FFF2-40B4-BE49-F238E27FC236}">
+                <a16:creationId xmlns:a16="http://schemas.microsoft.com/office/drawing/2014/main" id="{504B0465-3B07-49BF-BEA7-D81476246293}"/>
+              </a:ext>
+              <a:ext uri="{C183D7F6-B498-43B3-948B-1728B52AA6E4}">
+                <adec:decorative xmlns:adec="http://schemas.microsoft.com/office/drawing/2017/decorative" val="1"/>
+              </a:ext>
+            </a:extLst>
+          </p:cNvPr>
+          <p:cNvSpPr>
+            <a:spLocks noGrp="1" noRot="1" noChangeAspect="1" noMove="1" noResize="1" noEditPoints="1" noAdjustHandles="1" noChangeArrowheads="1" noChangeShapeType="1" noTextEdit="1"/>
+          </p:cNvSpPr>
+          <p:nvPr>
+            <p:extLst>
+              <p:ext uri="{386F3935-93C4-4BCD-93E2-E3B085C9AB24}">
+                <p16:designElem xmlns:p16="http://schemas.microsoft.com/office/powerpoint/2015/main" val="1"/>
+              </p:ext>
+            </p:extLst>
+          </p:nvPr>
+        </p:nvSpPr>
+        <p:spPr>
+          <a:xfrm>
+            <a:off x="984504" y="2038655"/>
+            <a:ext cx="10222992" cy="80683"/>
+          </a:xfrm>
+          <a:prstGeom prst="rect">
+            <a:avLst/>
+          </a:prstGeom>
+          <a:blipFill dpi="0" rotWithShape="1">
+            <a:blip r:embed="rId4">
+              <a:alphaModFix amt="85000"/>
+              <a:lum bright="70000" contrast="-70000"/>
+              <a:extLst>
+                <a:ext uri="{BEBA8EAE-BF5A-486C-A8C5-ECC9F3942E4B}">
+                  <a14:imgProps xmlns:a14="http://schemas.microsoft.com/office/drawing/2010/main">
+                    <a14:imgLayer r:embed="rId5">
+                      <a14:imgEffect>
+                        <a14:sharpenSoften amount="61000"/>
+                      </a14:imgEffect>
+                    </a14:imgLayer>
+                  </a14:imgProps>
+                </a:ext>
+                <a:ext uri="{28A0092B-C50C-407E-A947-70E740481C1C}">
+                  <a14:useLocalDpi xmlns:a14="http://schemas.microsoft.com/office/drawing/2010/main" val="0"/>
+                </a:ext>
+              </a:extLst>
+            </a:blip>
+            <a:srcRect/>
+            <a:tile tx="0" ty="-717550" sx="92000" sy="89000" flip="xy" algn="ctr"/>
+          </a:blipFill>
+          <a:ln>
+            <a:noFill/>
+          </a:ln>
+        </p:spPr>
+        <p:style>
+          <a:lnRef idx="2">
+            <a:schemeClr val="accent1">
+              <a:shade val="50000"/>
+            </a:schemeClr>
+          </a:lnRef>
+          <a:fillRef idx="1">
+            <a:schemeClr val="accent1"/>
+          </a:fillRef>
+          <a:effectRef idx="0">
+            <a:schemeClr val="accent1"/>
+          </a:effectRef>
+          <a:fontRef idx="minor">
+            <a:schemeClr val="lt1"/>
+          </a:fontRef>
+        </p:style>
+      </p:sp>
       <p:sp>
         <p:nvSpPr>
           <p:cNvPr id="2" name="Título 1">
@@ -4960,17 +9595,18 @@
         </p:nvSpPr>
         <p:spPr>
           <a:xfrm>
-            <a:off x="201562" y="764373"/>
-            <a:ext cx="8610600" cy="1293028"/>
+            <a:off x="1069848" y="484632"/>
+            <a:ext cx="10058400" cy="1609344"/>
           </a:xfrm>
         </p:spPr>
         <p:txBody>
-          <a:bodyPr/>
+          <a:bodyPr vert="horz" lIns="91440" tIns="45720" rIns="91440" bIns="45720" rtlCol="0" anchor="ctr">
+            <a:normAutofit/>
+          </a:bodyPr>
           <a:lstStyle/>
           <a:p>
-            <a:pPr algn="l"/>
-            <a:r>
-              <a:rPr lang="es-CO" dirty="0"/>
+            <a:r>
+              <a:rPr lang="en-US"/>
               <a:t>referencias</a:t>
             </a:r>
           </a:p>
@@ -4990,57 +9626,303 @@
         </p:nvSpPr>
         <p:spPr>
           <a:xfrm>
-            <a:off x="201562" y="1978743"/>
-            <a:ext cx="7462683" cy="923330"/>
+            <a:off x="1069848" y="2320412"/>
+            <a:ext cx="10058400" cy="3851787"/>
           </a:xfrm>
           <a:prstGeom prst="rect">
             <a:avLst/>
           </a:prstGeom>
-          <a:noFill/>
         </p:spPr>
         <p:txBody>
-          <a:bodyPr wrap="square" rtlCol="0">
-            <a:spAutoFit/>
+          <a:bodyPr vert="horz" lIns="91440" tIns="45720" rIns="91440" bIns="45720" rtlCol="0">
+            <a:normAutofit/>
           </a:bodyPr>
           <a:lstStyle/>
           <a:p>
-            <a:pPr marL="285750" indent="-285750" algn="just">
-              <a:buFontTx/>
-              <a:buChar char="-"/>
+            <a:pPr marL="285750" indent="-182880" defTabSz="914400">
+              <a:lnSpc>
+                <a:spcPct val="90000"/>
+              </a:lnSpc>
+              <a:spcAft>
+                <a:spcPts val="600"/>
+              </a:spcAft>
+              <a:buClr>
+                <a:schemeClr val="accent1">
+                  <a:lumMod val="75000"/>
+                </a:schemeClr>
+              </a:buClr>
+              <a:buSzPct val="85000"/>
+              <a:buFont typeface="Wingdings" pitchFamily="2" charset="2"/>
+              <a:buChar char="§"/>
             </a:pPr>
             <a:r>
-              <a:rPr lang="es-CO" dirty="0">
-                <a:hlinkClick r:id="rId2"/>
+              <a:rPr lang="en-US" dirty="0">
+                <a:hlinkClick r:id="rId6"/>
               </a:rPr>
               <a:t>https://github.com/alemando/rdf-to-html</a:t>
             </a:r>
-            <a:endParaRPr lang="es-CO" dirty="0"/>
-          </a:p>
-          <a:p>
-            <a:pPr marL="285750" indent="-285750" algn="just">
-              <a:buFontTx/>
-              <a:buChar char="-"/>
+            <a:endParaRPr lang="en-US" dirty="0"/>
+          </a:p>
+          <a:p>
+            <a:pPr marL="285750" indent="-182880" defTabSz="914400">
+              <a:lnSpc>
+                <a:spcPct val="90000"/>
+              </a:lnSpc>
+              <a:spcAft>
+                <a:spcPts val="600"/>
+              </a:spcAft>
+              <a:buClr>
+                <a:schemeClr val="accent1">
+                  <a:lumMod val="75000"/>
+                </a:schemeClr>
+              </a:buClr>
+              <a:buSzPct val="85000"/>
+              <a:buFont typeface="Wingdings" pitchFamily="2" charset="2"/>
+              <a:buChar char="§"/>
             </a:pPr>
             <a:r>
-              <a:rPr lang="es-CO" dirty="0">
-                <a:hlinkClick r:id="rId3"/>
+              <a:rPr lang="en-US" dirty="0">
+                <a:hlinkClick r:id="rId7"/>
               </a:rPr>
               <a:t>https://www.wikidata.org/wiki/Wikidata:Main_Page</a:t>
             </a:r>
-            <a:endParaRPr lang="es-CO" dirty="0"/>
-          </a:p>
-          <a:p>
-            <a:pPr marL="285750" indent="-285750" algn="just">
-              <a:buFontTx/>
-              <a:buChar char="-"/>
+            <a:endParaRPr lang="en-US" dirty="0"/>
+          </a:p>
+          <a:p>
+            <a:pPr marL="285750" indent="-182880" defTabSz="914400">
+              <a:lnSpc>
+                <a:spcPct val="90000"/>
+              </a:lnSpc>
+              <a:spcAft>
+                <a:spcPts val="600"/>
+              </a:spcAft>
+              <a:buClr>
+                <a:schemeClr val="accent1">
+                  <a:lumMod val="75000"/>
+                </a:schemeClr>
+              </a:buClr>
+              <a:buSzPct val="85000"/>
+              <a:buFont typeface="Wingdings" pitchFamily="2" charset="2"/>
+              <a:buChar char="§"/>
             </a:pPr>
             <a:r>
-              <a:rPr lang="es-CO" dirty="0">
-                <a:hlinkClick r:id="rId4"/>
+              <a:rPr lang="en-US" dirty="0">
+                <a:hlinkClick r:id="rId8"/>
               </a:rPr>
               <a:t>https://github.com/alemando/virtuoso-image</a:t>
             </a:r>
-            <a:endParaRPr lang="es-CO" dirty="0"/>
+            <a:endParaRPr lang="en-US" dirty="0"/>
+          </a:p>
+          <a:p>
+            <a:pPr marL="285750" indent="-182880" defTabSz="914400">
+              <a:lnSpc>
+                <a:spcPct val="90000"/>
+              </a:lnSpc>
+              <a:spcAft>
+                <a:spcPts val="600"/>
+              </a:spcAft>
+              <a:buClr>
+                <a:schemeClr val="accent1">
+                  <a:lumMod val="75000"/>
+                </a:schemeClr>
+              </a:buClr>
+              <a:buSzPct val="85000"/>
+              <a:buFont typeface="Wingdings" pitchFamily="2" charset="2"/>
+              <a:buChar char="§"/>
+            </a:pPr>
+            <a:r>
+              <a:rPr lang="en-US" dirty="0">
+                <a:hlinkClick r:id="rId9"/>
+              </a:rPr>
+              <a:t>https://mogenius.com/home</a:t>
+            </a:r>
+            <a:r>
+              <a:rPr lang="en-US" dirty="0"/>
+              <a:t> </a:t>
+            </a:r>
+          </a:p>
+          <a:p>
+            <a:pPr marL="102870" defTabSz="914400">
+              <a:lnSpc>
+                <a:spcPct val="90000"/>
+              </a:lnSpc>
+              <a:spcAft>
+                <a:spcPts val="600"/>
+              </a:spcAft>
+              <a:buClr>
+                <a:schemeClr val="accent1">
+                  <a:lumMod val="75000"/>
+                </a:schemeClr>
+              </a:buClr>
+              <a:buSzPct val="85000"/>
+            </a:pPr>
+            <a:endParaRPr lang="en-US" dirty="0"/>
+          </a:p>
+        </p:txBody>
+      </p:sp>
+      <p:sp>
+        <p:nvSpPr>
+          <p:cNvPr id="20" name="Oval 19">
+            <a:extLst>
+              <a:ext uri="{FF2B5EF4-FFF2-40B4-BE49-F238E27FC236}">
+                <a16:creationId xmlns:a16="http://schemas.microsoft.com/office/drawing/2014/main" id="{49B7FFA5-14CB-4A4F-9BCC-CA3AA5D9D276}"/>
+              </a:ext>
+              <a:ext uri="{C183D7F6-B498-43B3-948B-1728B52AA6E4}">
+                <adec:decorative xmlns:adec="http://schemas.microsoft.com/office/drawing/2017/decorative" val="1"/>
+              </a:ext>
+            </a:extLst>
+          </p:cNvPr>
+          <p:cNvSpPr>
+            <a:spLocks noGrp="1" noRot="1" noChangeAspect="1" noMove="1" noResize="1" noEditPoints="1" noAdjustHandles="1" noChangeArrowheads="1" noChangeShapeType="1" noTextEdit="1"/>
+          </p:cNvSpPr>
+          <p:nvPr>
+            <p:extLst>
+              <p:ext uri="{386F3935-93C4-4BCD-93E2-E3B085C9AB24}">
+                <p16:designElem xmlns:p16="http://schemas.microsoft.com/office/powerpoint/2015/main" val="1"/>
+              </p:ext>
+            </p:extLst>
+          </p:nvPr>
+        </p:nvSpPr>
+        <p:spPr>
+          <a:xfrm>
+            <a:off x="11401725" y="6229681"/>
+            <a:ext cx="457200" cy="457200"/>
+          </a:xfrm>
+          <a:prstGeom prst="ellipse">
+            <a:avLst/>
+          </a:prstGeom>
+          <a:blipFill dpi="0" rotWithShape="1">
+            <a:blip r:embed="rId2">
+              <a:duotone>
+                <a:schemeClr val="accent1">
+                  <a:shade val="45000"/>
+                  <a:satMod val="135000"/>
+                </a:schemeClr>
+                <a:prstClr val="white"/>
+              </a:duotone>
+            </a:blip>
+            <a:srcRect/>
+            <a:tile tx="50800" ty="0" sx="85000" sy="85000" flip="none" algn="tl"/>
+          </a:blipFill>
+          <a:ln w="25400" cap="flat" cmpd="sng" algn="ctr">
+            <a:noFill/>
+            <a:prstDash val="solid"/>
+          </a:ln>
+          <a:effectLst/>
+        </p:spPr>
+        <p:txBody>
+          <a:bodyPr lIns="0" tIns="0" rIns="0" bIns="0" rtlCol="0" anchor="ctr"/>
+          <a:lstStyle/>
+          <a:p>
+            <a:pPr marL="0" marR="0" lvl="0" indent="0" algn="ctr" defTabSz="914400" eaLnBrk="1" fontAlgn="auto" latinLnBrk="0" hangingPunct="1">
+              <a:lnSpc>
+                <a:spcPct val="100000"/>
+              </a:lnSpc>
+              <a:spcBef>
+                <a:spcPts val="0"/>
+              </a:spcBef>
+              <a:spcAft>
+                <a:spcPts val="0"/>
+              </a:spcAft>
+              <a:buClrTx/>
+              <a:buSzTx/>
+              <a:buFontTx/>
+              <a:buNone/>
+              <a:tabLst/>
+              <a:defRPr/>
+            </a:pPr>
+            <a:endParaRPr kumimoji="0" lang="en-US" sz="2000" b="0" i="0" u="none" strike="noStrike" kern="0" cap="none" spc="0" normalizeH="0" baseline="0" noProof="0" dirty="0">
+              <a:ln>
+                <a:noFill/>
+              </a:ln>
+              <a:solidFill>
+                <a:prstClr val="white"/>
+              </a:solidFill>
+              <a:effectLst/>
+              <a:uLnTx/>
+              <a:uFillTx/>
+              <a:latin typeface="Rockwell Extra Bold" pitchFamily="18" charset="0"/>
+              <a:ea typeface="+mn-ea"/>
+              <a:cs typeface="+mn-cs"/>
+            </a:endParaRPr>
+          </a:p>
+        </p:txBody>
+      </p:sp>
+      <p:sp>
+        <p:nvSpPr>
+          <p:cNvPr id="22" name="Oval 21">
+            <a:extLst>
+              <a:ext uri="{FF2B5EF4-FFF2-40B4-BE49-F238E27FC236}">
+                <a16:creationId xmlns:a16="http://schemas.microsoft.com/office/drawing/2014/main" id="{04E48745-7512-4EC2-9E20-9092D12150CA}"/>
+              </a:ext>
+              <a:ext uri="{C183D7F6-B498-43B3-948B-1728B52AA6E4}">
+                <adec:decorative xmlns:adec="http://schemas.microsoft.com/office/drawing/2017/decorative" val="1"/>
+              </a:ext>
+            </a:extLst>
+          </p:cNvPr>
+          <p:cNvSpPr>
+            <a:spLocks noGrp="1" noRot="1" noChangeAspect="1" noMove="1" noResize="1" noEditPoints="1" noAdjustHandles="1" noChangeArrowheads="1" noChangeShapeType="1" noTextEdit="1"/>
+          </p:cNvSpPr>
+          <p:nvPr>
+            <p:extLst>
+              <p:ext uri="{386F3935-93C4-4BCD-93E2-E3B085C9AB24}">
+                <p16:designElem xmlns:p16="http://schemas.microsoft.com/office/powerpoint/2015/main" val="1"/>
+              </p:ext>
+            </p:extLst>
+          </p:nvPr>
+        </p:nvSpPr>
+        <p:spPr>
+          <a:xfrm>
+            <a:off x="11430918" y="6258874"/>
+            <a:ext cx="398813" cy="398815"/>
+          </a:xfrm>
+          <a:prstGeom prst="ellipse">
+            <a:avLst/>
+          </a:prstGeom>
+          <a:noFill/>
+          <a:ln w="12700" cap="flat" cmpd="sng" algn="ctr">
+            <a:solidFill>
+              <a:srgbClr val="FFFFFF"/>
+            </a:solidFill>
+            <a:prstDash val="solid"/>
+          </a:ln>
+          <a:effectLst/>
+        </p:spPr>
+        <p:txBody>
+          <a:bodyPr rtlCol="0" anchor="ctr"/>
+          <a:lstStyle/>
+          <a:p>
+            <a:pPr marL="0" marR="0" lvl="0" indent="0" algn="ctr" defTabSz="914400" eaLnBrk="1" fontAlgn="auto" latinLnBrk="0" hangingPunct="1">
+              <a:lnSpc>
+                <a:spcPct val="100000"/>
+              </a:lnSpc>
+              <a:spcBef>
+                <a:spcPts val="0"/>
+              </a:spcBef>
+              <a:spcAft>
+                <a:spcPts val="0"/>
+              </a:spcAft>
+              <a:buClrTx/>
+              <a:buSzTx/>
+              <a:buFontTx/>
+              <a:buNone/>
+              <a:tabLst/>
+              <a:defRPr/>
+            </a:pPr>
+            <a:endParaRPr kumimoji="0" lang="en-US" sz="1800" b="0" i="0" u="none" strike="noStrike" kern="0" cap="none" spc="0" normalizeH="0" baseline="0" noProof="0" dirty="0">
+              <a:ln>
+                <a:noFill/>
+              </a:ln>
+              <a:solidFill>
+                <a:prstClr val="white"/>
+              </a:solidFill>
+              <a:effectLst/>
+              <a:uLnTx/>
+              <a:uFillTx/>
+              <a:latin typeface="Calibri"/>
+              <a:ea typeface="+mn-ea"/>
+              <a:cs typeface="+mn-cs"/>
+            </a:endParaRPr>
           </a:p>
         </p:txBody>
       </p:sp>
